--- a/arch/CybertwinSimArch.pptx
+++ b/arch/CybertwinSimArch.pptx
@@ -5,7 +5,7 @@
     <p:sldMasterId id="2147483648" r:id="rId1"/>
   </p:sldMasterIdLst>
   <p:notesMasterIdLst>
-    <p:notesMasterId r:id="rId10"/>
+    <p:notesMasterId r:id="rId12"/>
   </p:notesMasterIdLst>
   <p:sldIdLst>
     <p:sldId id="256" r:id="rId2"/>
@@ -15,7 +15,9 @@
     <p:sldId id="263" r:id="rId6"/>
     <p:sldId id="261" r:id="rId7"/>
     <p:sldId id="262" r:id="rId8"/>
-    <p:sldId id="257" r:id="rId9"/>
+    <p:sldId id="265" r:id="rId9"/>
+    <p:sldId id="264" r:id="rId10"/>
+    <p:sldId id="257" r:id="rId11"/>
   </p:sldIdLst>
   <p:sldSz cx="12192000" cy="6858000"/>
   <p:notesSz cx="6858000" cy="9144000"/>
@@ -231,7 +233,7 @@
           <a:p>
             <a:fld id="{8B53DC8C-93B3-6741-B9FD-FAE061E511FF}" type="datetimeFigureOut">
               <a:rPr kumimoji="1" lang="zh-CN" altLang="en-US" smtClean="0"/>
-              <a:t>2023/5/31</a:t>
+              <a:t>2023/6/14</a:t>
             </a:fld>
             <a:endParaRPr kumimoji="1" lang="zh-CN" altLang="en-US"/>
           </a:p>
@@ -813,7 +815,7 @@
           <a:p>
             <a:fld id="{A628586D-C04B-DD40-AE90-D0D282D0CC3F}" type="datetimeFigureOut">
               <a:rPr kumimoji="1" lang="zh-CN" altLang="en-US" smtClean="0"/>
-              <a:t>2023/5/31</a:t>
+              <a:t>2023/6/14</a:t>
             </a:fld>
             <a:endParaRPr kumimoji="1" lang="zh-CN" altLang="en-US"/>
           </a:p>
@@ -1011,7 +1013,7 @@
           <a:p>
             <a:fld id="{A628586D-C04B-DD40-AE90-D0D282D0CC3F}" type="datetimeFigureOut">
               <a:rPr kumimoji="1" lang="zh-CN" altLang="en-US" smtClean="0"/>
-              <a:t>2023/5/31</a:t>
+              <a:t>2023/6/14</a:t>
             </a:fld>
             <a:endParaRPr kumimoji="1" lang="zh-CN" altLang="en-US"/>
           </a:p>
@@ -1219,7 +1221,7 @@
           <a:p>
             <a:fld id="{A628586D-C04B-DD40-AE90-D0D282D0CC3F}" type="datetimeFigureOut">
               <a:rPr kumimoji="1" lang="zh-CN" altLang="en-US" smtClean="0"/>
-              <a:t>2023/5/31</a:t>
+              <a:t>2023/6/14</a:t>
             </a:fld>
             <a:endParaRPr kumimoji="1" lang="zh-CN" altLang="en-US"/>
           </a:p>
@@ -1417,7 +1419,7 @@
           <a:p>
             <a:fld id="{A628586D-C04B-DD40-AE90-D0D282D0CC3F}" type="datetimeFigureOut">
               <a:rPr kumimoji="1" lang="zh-CN" altLang="en-US" smtClean="0"/>
-              <a:t>2023/5/31</a:t>
+              <a:t>2023/6/14</a:t>
             </a:fld>
             <a:endParaRPr kumimoji="1" lang="zh-CN" altLang="en-US"/>
           </a:p>
@@ -1692,7 +1694,7 @@
           <a:p>
             <a:fld id="{A628586D-C04B-DD40-AE90-D0D282D0CC3F}" type="datetimeFigureOut">
               <a:rPr kumimoji="1" lang="zh-CN" altLang="en-US" smtClean="0"/>
-              <a:t>2023/5/31</a:t>
+              <a:t>2023/6/14</a:t>
             </a:fld>
             <a:endParaRPr kumimoji="1" lang="zh-CN" altLang="en-US"/>
           </a:p>
@@ -1957,7 +1959,7 @@
           <a:p>
             <a:fld id="{A628586D-C04B-DD40-AE90-D0D282D0CC3F}" type="datetimeFigureOut">
               <a:rPr kumimoji="1" lang="zh-CN" altLang="en-US" smtClean="0"/>
-              <a:t>2023/5/31</a:t>
+              <a:t>2023/6/14</a:t>
             </a:fld>
             <a:endParaRPr kumimoji="1" lang="zh-CN" altLang="en-US"/>
           </a:p>
@@ -2369,7 +2371,7 @@
           <a:p>
             <a:fld id="{A628586D-C04B-DD40-AE90-D0D282D0CC3F}" type="datetimeFigureOut">
               <a:rPr kumimoji="1" lang="zh-CN" altLang="en-US" smtClean="0"/>
-              <a:t>2023/5/31</a:t>
+              <a:t>2023/6/14</a:t>
             </a:fld>
             <a:endParaRPr kumimoji="1" lang="zh-CN" altLang="en-US"/>
           </a:p>
@@ -2510,7 +2512,7 @@
           <a:p>
             <a:fld id="{A628586D-C04B-DD40-AE90-D0D282D0CC3F}" type="datetimeFigureOut">
               <a:rPr kumimoji="1" lang="zh-CN" altLang="en-US" smtClean="0"/>
-              <a:t>2023/5/31</a:t>
+              <a:t>2023/6/14</a:t>
             </a:fld>
             <a:endParaRPr kumimoji="1" lang="zh-CN" altLang="en-US"/>
           </a:p>
@@ -2623,7 +2625,7 @@
           <a:p>
             <a:fld id="{A628586D-C04B-DD40-AE90-D0D282D0CC3F}" type="datetimeFigureOut">
               <a:rPr kumimoji="1" lang="zh-CN" altLang="en-US" smtClean="0"/>
-              <a:t>2023/5/31</a:t>
+              <a:t>2023/6/14</a:t>
             </a:fld>
             <a:endParaRPr kumimoji="1" lang="zh-CN" altLang="en-US"/>
           </a:p>
@@ -2934,7 +2936,7 @@
           <a:p>
             <a:fld id="{A628586D-C04B-DD40-AE90-D0D282D0CC3F}" type="datetimeFigureOut">
               <a:rPr kumimoji="1" lang="zh-CN" altLang="en-US" smtClean="0"/>
-              <a:t>2023/5/31</a:t>
+              <a:t>2023/6/14</a:t>
             </a:fld>
             <a:endParaRPr kumimoji="1" lang="zh-CN" altLang="en-US"/>
           </a:p>
@@ -3222,7 +3224,7 @@
           <a:p>
             <a:fld id="{A628586D-C04B-DD40-AE90-D0D282D0CC3F}" type="datetimeFigureOut">
               <a:rPr kumimoji="1" lang="zh-CN" altLang="en-US" smtClean="0"/>
-              <a:t>2023/5/31</a:t>
+              <a:t>2023/6/14</a:t>
             </a:fld>
             <a:endParaRPr kumimoji="1" lang="zh-CN" altLang="en-US"/>
           </a:p>
@@ -3463,7 +3465,7 @@
           <a:p>
             <a:fld id="{A628586D-C04B-DD40-AE90-D0D282D0CC3F}" type="datetimeFigureOut">
               <a:rPr kumimoji="1" lang="zh-CN" altLang="en-US" smtClean="0"/>
-              <a:t>2023/5/31</a:t>
+              <a:t>2023/6/14</a:t>
             </a:fld>
             <a:endParaRPr kumimoji="1" lang="zh-CN" altLang="en-US"/>
           </a:p>
@@ -3942,6 +3944,159 @@
     <p:extLst>
       <p:ext uri="{BB962C8B-B14F-4D97-AF65-F5344CB8AC3E}">
         <p14:creationId xmlns:p14="http://schemas.microsoft.com/office/powerpoint/2010/main" val="3164274037"/>
+      </p:ext>
+    </p:extLst>
+  </p:cSld>
+  <p:clrMapOvr>
+    <a:masterClrMapping/>
+  </p:clrMapOvr>
+</p:sld>
+</file>
+
+<file path=ppt/slides/slide10.xml><?xml version="1.0" encoding="utf-8"?>
+<p:sld xmlns:a="http://schemas.openxmlformats.org/drawingml/2006/main" xmlns:r="http://schemas.openxmlformats.org/officeDocument/2006/relationships" xmlns:p="http://schemas.openxmlformats.org/presentationml/2006/main">
+  <p:cSld>
+    <p:spTree>
+      <p:nvGrpSpPr>
+        <p:cNvPr id="1" name=""/>
+        <p:cNvGrpSpPr/>
+        <p:nvPr/>
+      </p:nvGrpSpPr>
+      <p:grpSpPr>
+        <a:xfrm>
+          <a:off x="0" y="0"/>
+          <a:ext cx="0" cy="0"/>
+          <a:chOff x="0" y="0"/>
+          <a:chExt cx="0" cy="0"/>
+        </a:xfrm>
+      </p:grpSpPr>
+      <p:sp>
+        <p:nvSpPr>
+          <p:cNvPr id="2" name="标题 1">
+            <a:extLst>
+              <a:ext uri="{FF2B5EF4-FFF2-40B4-BE49-F238E27FC236}">
+                <a16:creationId xmlns:a16="http://schemas.microsoft.com/office/drawing/2014/main" id="{28DF375B-E1F0-0B38-0345-F8CFD100B88B}"/>
+              </a:ext>
+            </a:extLst>
+          </p:cNvPr>
+          <p:cNvSpPr>
+            <a:spLocks noGrp="1"/>
+          </p:cNvSpPr>
+          <p:nvPr>
+            <p:ph type="title"/>
+          </p:nvPr>
+        </p:nvSpPr>
+        <p:spPr/>
+        <p:txBody>
+          <a:bodyPr/>
+          <a:lstStyle/>
+          <a:p>
+            <a:r>
+              <a:rPr kumimoji="1" lang="zh-CN" altLang="en-US" dirty="0"/>
+              <a:t>背景：</a:t>
+            </a:r>
+          </a:p>
+        </p:txBody>
+      </p:sp>
+      <p:pic>
+        <p:nvPicPr>
+          <p:cNvPr id="5" name="内容占位符 4">
+            <a:extLst>
+              <a:ext uri="{FF2B5EF4-FFF2-40B4-BE49-F238E27FC236}">
+                <a16:creationId xmlns:a16="http://schemas.microsoft.com/office/drawing/2014/main" id="{21C40F97-90EC-5496-AEF8-728DFB328F25}"/>
+              </a:ext>
+            </a:extLst>
+          </p:cNvPr>
+          <p:cNvPicPr>
+            <a:picLocks noGrp="1" noChangeAspect="1"/>
+          </p:cNvPicPr>
+          <p:nvPr>
+            <p:ph idx="1"/>
+          </p:nvPr>
+        </p:nvPicPr>
+        <p:blipFill>
+          <a:blip r:embed="rId2"/>
+          <a:stretch>
+            <a:fillRect/>
+          </a:stretch>
+        </p:blipFill>
+        <p:spPr>
+          <a:xfrm>
+            <a:off x="3920331" y="1825625"/>
+            <a:ext cx="4351338" cy="4351338"/>
+          </a:xfrm>
+        </p:spPr>
+      </p:pic>
+      <p:pic>
+        <p:nvPicPr>
+          <p:cNvPr id="7" name="图片 6">
+            <a:extLst>
+              <a:ext uri="{FF2B5EF4-FFF2-40B4-BE49-F238E27FC236}">
+                <a16:creationId xmlns:a16="http://schemas.microsoft.com/office/drawing/2014/main" id="{72EBBA06-999C-DF53-C18A-66FD5C55176C}"/>
+              </a:ext>
+            </a:extLst>
+          </p:cNvPr>
+          <p:cNvPicPr>
+            <a:picLocks noChangeAspect="1"/>
+          </p:cNvPicPr>
+          <p:nvPr/>
+        </p:nvPicPr>
+        <p:blipFill>
+          <a:blip r:embed="rId3"/>
+          <a:stretch>
+            <a:fillRect/>
+          </a:stretch>
+        </p:blipFill>
+        <p:spPr>
+          <a:xfrm>
+            <a:off x="2255685" y="2393010"/>
+            <a:ext cx="1005510" cy="1005510"/>
+          </a:xfrm>
+          <a:prstGeom prst="rect">
+            <a:avLst/>
+          </a:prstGeom>
+        </p:spPr>
+      </p:pic>
+      <p:pic>
+        <p:nvPicPr>
+          <p:cNvPr id="8" name="图形 7">
+            <a:extLst>
+              <a:ext uri="{FF2B5EF4-FFF2-40B4-BE49-F238E27FC236}">
+                <a16:creationId xmlns:a16="http://schemas.microsoft.com/office/drawing/2014/main" id="{D69A6807-A4CC-DC7D-4AD7-6C694D51D7C0}"/>
+              </a:ext>
+            </a:extLst>
+          </p:cNvPr>
+          <p:cNvPicPr>
+            <a:picLocks noChangeAspect="1"/>
+          </p:cNvPicPr>
+          <p:nvPr/>
+        </p:nvPicPr>
+        <p:blipFill>
+          <a:blip r:embed="rId4">
+            <a:extLst>
+              <a:ext uri="{96DAC541-7B7A-43D3-8B79-37D633B846F1}">
+                <asvg:svgBlip xmlns:asvg="http://schemas.microsoft.com/office/drawing/2016/SVG/main" r:embed="rId5"/>
+              </a:ext>
+            </a:extLst>
+          </a:blip>
+          <a:stretch>
+            <a:fillRect/>
+          </a:stretch>
+        </p:blipFill>
+        <p:spPr>
+          <a:xfrm>
+            <a:off x="1005766" y="2746434"/>
+            <a:ext cx="514178" cy="580220"/>
+          </a:xfrm>
+          <a:prstGeom prst="rect">
+            <a:avLst/>
+          </a:prstGeom>
+        </p:spPr>
+      </p:pic>
+    </p:spTree>
+    <p:extLst>
+      <p:ext uri="{BB962C8B-B14F-4D97-AF65-F5344CB8AC3E}">
+        <p14:creationId xmlns:p14="http://schemas.microsoft.com/office/powerpoint/2010/main" val="3833007692"/>
       </p:ext>
     </p:extLst>
   </p:cSld>
@@ -18216,8 +18371,8 @@
         </p:nvSpPr>
         <p:spPr>
           <a:xfrm>
-            <a:off x="5540710" y="2062760"/>
-            <a:ext cx="1076052" cy="632151"/>
+            <a:off x="5712918" y="2244115"/>
+            <a:ext cx="834521" cy="527038"/>
           </a:xfrm>
           <a:prstGeom prst="roundRect">
             <a:avLst/>
@@ -18248,7 +18403,7 @@
           <a:p>
             <a:pPr algn="ctr"/>
             <a:r>
-              <a:rPr lang="en-US" altLang="zh-CN" sz="1600" dirty="0">
+              <a:rPr lang="en-US" altLang="zh-CN" sz="1200" dirty="0">
                 <a:solidFill>
                   <a:schemeClr val="bg1"/>
                 </a:solidFill>
@@ -18256,7 +18411,7 @@
               </a:rPr>
               <a:t>Core Server1</a:t>
             </a:r>
-            <a:endParaRPr lang="zh-CN" altLang="en-US" sz="1600" dirty="0">
+            <a:endParaRPr lang="zh-CN" altLang="en-US" sz="1200" dirty="0">
               <a:solidFill>
                 <a:schemeClr val="bg1"/>
               </a:solidFill>
@@ -18283,12 +18438,19 @@
         </p:nvCxnSpPr>
         <p:spPr>
           <a:xfrm flipV="1">
-            <a:off x="6078736" y="2694911"/>
-            <a:ext cx="0" cy="728136"/>
+            <a:off x="6120872" y="2771153"/>
+            <a:ext cx="9307" cy="662497"/>
           </a:xfrm>
           <a:prstGeom prst="line">
             <a:avLst/>
           </a:prstGeom>
+          <a:ln w="19050">
+            <a:solidFill>
+              <a:schemeClr val="bg2">
+                <a:lumMod val="50000"/>
+              </a:schemeClr>
+            </a:solidFill>
+          </a:ln>
         </p:spPr>
         <p:style>
           <a:lnRef idx="1">
@@ -18319,8 +18481,8 @@
         </p:nvSpPr>
         <p:spPr>
           <a:xfrm>
-            <a:off x="4086608" y="2101101"/>
-            <a:ext cx="826611" cy="486239"/>
+            <a:off x="3510568" y="1933357"/>
+            <a:ext cx="826611" cy="459168"/>
           </a:xfrm>
           <a:prstGeom prst="round2SameRect">
             <a:avLst/>
@@ -18386,7 +18548,7 @@
         </p:nvSpPr>
         <p:spPr>
           <a:xfrm>
-            <a:off x="2151483" y="1433569"/>
+            <a:off x="1825962" y="1698333"/>
             <a:ext cx="865210" cy="292716"/>
           </a:xfrm>
           <a:prstGeom prst="rect">
@@ -18458,8 +18620,8 @@
         </p:nvSpPr>
         <p:spPr>
           <a:xfrm>
-            <a:off x="2158678" y="2314477"/>
-            <a:ext cx="1045354" cy="544061"/>
+            <a:off x="1837433" y="2460468"/>
+            <a:ext cx="865210" cy="292717"/>
           </a:xfrm>
           <a:prstGeom prst="rect">
             <a:avLst/>
@@ -18530,8 +18692,8 @@
         </p:nvSpPr>
         <p:spPr>
           <a:xfrm>
-            <a:off x="7270859" y="1964561"/>
-            <a:ext cx="1076052" cy="632151"/>
+            <a:off x="7531368" y="1960430"/>
+            <a:ext cx="834521" cy="427950"/>
           </a:xfrm>
           <a:prstGeom prst="round2SameRect">
             <a:avLst/>
@@ -18562,7 +18724,7 @@
           <a:p>
             <a:pPr algn="ctr"/>
             <a:r>
-              <a:rPr lang="en-US" altLang="zh-CN" sz="1400" b="1" dirty="0">
+              <a:rPr lang="en-US" altLang="zh-CN" sz="1050" b="1" dirty="0">
                 <a:solidFill>
                   <a:schemeClr val="bg2">
                     <a:lumMod val="10000"/>
@@ -18572,151 +18734,7 @@
               </a:rPr>
               <a:t>edge-server3</a:t>
             </a:r>
-            <a:endParaRPr lang="zh-CN" altLang="en-US" sz="1400" b="1" dirty="0">
-              <a:solidFill>
-                <a:schemeClr val="bg2">
-                  <a:lumMod val="10000"/>
-                </a:schemeClr>
-              </a:solidFill>
-              <a:latin typeface="Consolas" panose="020B0609020204030204" pitchFamily="49" charset="0"/>
-            </a:endParaRPr>
-          </a:p>
-        </p:txBody>
-      </p:sp>
-      <p:sp>
-        <p:nvSpPr>
-          <p:cNvPr id="315" name="矩形 314">
-            <a:extLst>
-              <a:ext uri="{FF2B5EF4-FFF2-40B4-BE49-F238E27FC236}">
-                <a16:creationId xmlns:a16="http://schemas.microsoft.com/office/drawing/2014/main" id="{BAB3FE23-903A-4E74-FC0D-BB50D54A6DA1}"/>
-              </a:ext>
-            </a:extLst>
-          </p:cNvPr>
-          <p:cNvSpPr/>
-          <p:nvPr/>
-        </p:nvSpPr>
-        <p:spPr>
-          <a:xfrm>
-            <a:off x="8974401" y="1454253"/>
-            <a:ext cx="1045354" cy="544061"/>
-          </a:xfrm>
-          <a:prstGeom prst="rect">
-            <a:avLst/>
-          </a:prstGeom>
-          <a:solidFill>
-            <a:srgbClr val="D9F7F5"/>
-          </a:solidFill>
-          <a:ln>
-            <a:solidFill>
-              <a:schemeClr val="tx1"/>
-            </a:solidFill>
-          </a:ln>
-        </p:spPr>
-        <p:style>
-          <a:lnRef idx="2">
-            <a:schemeClr val="accent1">
-              <a:shade val="50000"/>
-            </a:schemeClr>
-          </a:lnRef>
-          <a:fillRef idx="1">
-            <a:schemeClr val="accent1"/>
-          </a:fillRef>
-          <a:effectRef idx="0">
-            <a:schemeClr val="accent1"/>
-          </a:effectRef>
-          <a:fontRef idx="minor">
-            <a:schemeClr val="lt1"/>
-          </a:fontRef>
-        </p:style>
-        <p:txBody>
-          <a:bodyPr rtlCol="0" anchor="ctr"/>
-          <a:lstStyle/>
-          <a:p>
-            <a:pPr algn="ctr"/>
-            <a:r>
-              <a:rPr lang="en-US" altLang="zh-CN" sz="1400" b="1" dirty="0">
-                <a:solidFill>
-                  <a:schemeClr val="bg2">
-                    <a:lumMod val="10000"/>
-                  </a:schemeClr>
-                </a:solidFill>
-                <a:latin typeface="Consolas" panose="020B0609020204030204" pitchFamily="49" charset="0"/>
-              </a:rPr>
-              <a:t>end-host</a:t>
-            </a:r>
-            <a:endParaRPr lang="zh-CN" altLang="en-US" sz="1400" b="1" dirty="0">
-              <a:solidFill>
-                <a:schemeClr val="bg2">
-                  <a:lumMod val="10000"/>
-                </a:schemeClr>
-              </a:solidFill>
-              <a:latin typeface="Consolas" panose="020B0609020204030204" pitchFamily="49" charset="0"/>
-            </a:endParaRPr>
-          </a:p>
-        </p:txBody>
-      </p:sp>
-      <p:sp>
-        <p:nvSpPr>
-          <p:cNvPr id="316" name="矩形 315">
-            <a:extLst>
-              <a:ext uri="{FF2B5EF4-FFF2-40B4-BE49-F238E27FC236}">
-                <a16:creationId xmlns:a16="http://schemas.microsoft.com/office/drawing/2014/main" id="{4481FB29-6707-F7F4-F278-3FE3F0B0F1EA}"/>
-              </a:ext>
-            </a:extLst>
-          </p:cNvPr>
-          <p:cNvSpPr/>
-          <p:nvPr/>
-        </p:nvSpPr>
-        <p:spPr>
-          <a:xfrm>
-            <a:off x="8974401" y="2314390"/>
-            <a:ext cx="1045354" cy="544061"/>
-          </a:xfrm>
-          <a:prstGeom prst="rect">
-            <a:avLst/>
-          </a:prstGeom>
-          <a:solidFill>
-            <a:srgbClr val="D9F7F5"/>
-          </a:solidFill>
-          <a:ln>
-            <a:solidFill>
-              <a:schemeClr val="tx1"/>
-            </a:solidFill>
-          </a:ln>
-        </p:spPr>
-        <p:style>
-          <a:lnRef idx="2">
-            <a:schemeClr val="accent1">
-              <a:shade val="50000"/>
-            </a:schemeClr>
-          </a:lnRef>
-          <a:fillRef idx="1">
-            <a:schemeClr val="accent1"/>
-          </a:fillRef>
-          <a:effectRef idx="0">
-            <a:schemeClr val="accent1"/>
-          </a:effectRef>
-          <a:fontRef idx="minor">
-            <a:schemeClr val="lt1"/>
-          </a:fontRef>
-        </p:style>
-        <p:txBody>
-          <a:bodyPr rtlCol="0" anchor="ctr"/>
-          <a:lstStyle/>
-          <a:p>
-            <a:pPr algn="ctr"/>
-            <a:r>
-              <a:rPr lang="en-US" altLang="zh-CN" sz="1400" b="1" dirty="0">
-                <a:solidFill>
-                  <a:schemeClr val="bg2">
-                    <a:lumMod val="10000"/>
-                  </a:schemeClr>
-                </a:solidFill>
-                <a:latin typeface="Consolas" panose="020B0609020204030204" pitchFamily="49" charset="0"/>
-              </a:rPr>
-              <a:t>end-host</a:t>
-            </a:r>
-            <a:endParaRPr lang="zh-CN" altLang="en-US" sz="1400" b="1" dirty="0">
+            <a:endParaRPr lang="zh-CN" altLang="en-US" sz="1200" b="1" dirty="0">
               <a:solidFill>
                 <a:schemeClr val="bg2">
                   <a:lumMod val="10000"/>
@@ -18741,8 +18759,8 @@
         </p:nvSpPr>
         <p:spPr>
           <a:xfrm>
-            <a:off x="5540710" y="3423047"/>
-            <a:ext cx="1076052" cy="632151"/>
+            <a:off x="5703611" y="3433650"/>
+            <a:ext cx="834521" cy="527038"/>
           </a:xfrm>
           <a:prstGeom prst="roundRect">
             <a:avLst/>
@@ -18773,7 +18791,7 @@
           <a:p>
             <a:pPr algn="ctr"/>
             <a:r>
-              <a:rPr lang="en-US" altLang="zh-CN" sz="1600" dirty="0">
+              <a:rPr lang="en-US" altLang="zh-CN" sz="1200" dirty="0">
                 <a:solidFill>
                   <a:schemeClr val="bg1"/>
                 </a:solidFill>
@@ -18781,7 +18799,7 @@
               </a:rPr>
               <a:t>Core Server2</a:t>
             </a:r>
-            <a:endParaRPr lang="zh-CN" altLang="en-US" sz="1600" dirty="0">
+            <a:endParaRPr lang="zh-CN" altLang="en-US" sz="1200" dirty="0">
               <a:solidFill>
                 <a:schemeClr val="bg1"/>
               </a:solidFill>
@@ -18804,8 +18822,8 @@
         </p:nvSpPr>
         <p:spPr>
           <a:xfrm>
-            <a:off x="4086608" y="3610102"/>
-            <a:ext cx="811650" cy="544061"/>
+            <a:off x="3501921" y="3908072"/>
+            <a:ext cx="754994" cy="414120"/>
           </a:xfrm>
           <a:prstGeom prst="round2SameRect">
             <a:avLst/>
@@ -18871,8 +18889,8 @@
         </p:nvSpPr>
         <p:spPr>
           <a:xfrm>
-            <a:off x="7295911" y="3527078"/>
-            <a:ext cx="1076052" cy="632151"/>
+            <a:off x="7526064" y="3850199"/>
+            <a:ext cx="754994" cy="432095"/>
           </a:xfrm>
           <a:prstGeom prst="round2SameRect">
             <a:avLst/>
@@ -18903,7 +18921,7 @@
           <a:p>
             <a:pPr algn="ctr"/>
             <a:r>
-              <a:rPr lang="en-US" altLang="zh-CN" sz="1400" b="1" dirty="0">
+              <a:rPr lang="en-US" altLang="zh-CN" sz="1050" b="1" dirty="0">
                 <a:solidFill>
                   <a:schemeClr val="bg2">
                     <a:lumMod val="10000"/>
@@ -18913,7 +18931,7 @@
               </a:rPr>
               <a:t>edge-server4</a:t>
             </a:r>
-            <a:endParaRPr lang="zh-CN" altLang="en-US" sz="1400" b="1" dirty="0">
+            <a:endParaRPr lang="zh-CN" altLang="en-US" sz="1200" b="1" dirty="0">
               <a:solidFill>
                 <a:schemeClr val="bg2">
                   <a:lumMod val="10000"/>
@@ -18942,12 +18960,19 @@
         </p:nvCxnSpPr>
         <p:spPr>
           <a:xfrm>
-            <a:off x="4913219" y="2344221"/>
-            <a:ext cx="627491" cy="34615"/>
+            <a:off x="4337179" y="2162941"/>
+            <a:ext cx="1375739" cy="344693"/>
           </a:xfrm>
           <a:prstGeom prst="line">
             <a:avLst/>
           </a:prstGeom>
+          <a:ln w="19050">
+            <a:solidFill>
+              <a:schemeClr val="bg1">
+                <a:lumMod val="50000"/>
+              </a:schemeClr>
+            </a:solidFill>
+          </a:ln>
         </p:spPr>
         <p:style>
           <a:lnRef idx="1">
@@ -18982,12 +19007,19 @@
         </p:nvCxnSpPr>
         <p:spPr>
           <a:xfrm>
-            <a:off x="4913219" y="2344221"/>
-            <a:ext cx="627491" cy="1394902"/>
+            <a:off x="4337179" y="2162941"/>
+            <a:ext cx="1366432" cy="1534228"/>
           </a:xfrm>
           <a:prstGeom prst="line">
             <a:avLst/>
           </a:prstGeom>
+          <a:ln w="19050">
+            <a:solidFill>
+              <a:schemeClr val="bg1">
+                <a:lumMod val="50000"/>
+              </a:schemeClr>
+            </a:solidFill>
+          </a:ln>
         </p:spPr>
         <p:style>
           <a:lnRef idx="1">
@@ -19022,12 +19054,19 @@
         </p:nvCxnSpPr>
         <p:spPr>
           <a:xfrm flipV="1">
-            <a:off x="4898258" y="2378836"/>
-            <a:ext cx="642452" cy="1503297"/>
+            <a:off x="4256915" y="2507634"/>
+            <a:ext cx="1456003" cy="1607498"/>
           </a:xfrm>
           <a:prstGeom prst="line">
             <a:avLst/>
           </a:prstGeom>
+          <a:ln w="19050">
+            <a:solidFill>
+              <a:schemeClr val="bg1">
+                <a:lumMod val="50000"/>
+              </a:schemeClr>
+            </a:solidFill>
+          </a:ln>
         </p:spPr>
         <p:style>
           <a:lnRef idx="1">
@@ -19062,12 +19101,19 @@
         </p:nvCxnSpPr>
         <p:spPr>
           <a:xfrm flipV="1">
-            <a:off x="4898258" y="3739123"/>
-            <a:ext cx="642452" cy="143010"/>
+            <a:off x="4256915" y="3697169"/>
+            <a:ext cx="1446696" cy="417963"/>
           </a:xfrm>
           <a:prstGeom prst="line">
             <a:avLst/>
           </a:prstGeom>
+          <a:ln w="19050">
+            <a:solidFill>
+              <a:schemeClr val="bg1">
+                <a:lumMod val="50000"/>
+              </a:schemeClr>
+            </a:solidFill>
+          </a:ln>
         </p:spPr>
         <p:style>
           <a:lnRef idx="1">
@@ -19102,12 +19148,19 @@
         </p:nvCxnSpPr>
         <p:spPr>
           <a:xfrm flipH="1">
-            <a:off x="6616762" y="2280637"/>
-            <a:ext cx="654097" cy="98199"/>
+            <a:off x="6547439" y="2174405"/>
+            <a:ext cx="983929" cy="333229"/>
           </a:xfrm>
           <a:prstGeom prst="line">
             <a:avLst/>
           </a:prstGeom>
+          <a:ln w="19050">
+            <a:solidFill>
+              <a:schemeClr val="bg1">
+                <a:lumMod val="50000"/>
+              </a:schemeClr>
+            </a:solidFill>
+          </a:ln>
         </p:spPr>
         <p:style>
           <a:lnRef idx="1">
@@ -19142,12 +19195,19 @@
         </p:nvCxnSpPr>
         <p:spPr>
           <a:xfrm>
-            <a:off x="6616762" y="2378836"/>
-            <a:ext cx="679149" cy="1464318"/>
+            <a:off x="6547439" y="2507634"/>
+            <a:ext cx="978625" cy="1558613"/>
           </a:xfrm>
           <a:prstGeom prst="line">
             <a:avLst/>
           </a:prstGeom>
+          <a:ln w="19050">
+            <a:solidFill>
+              <a:schemeClr val="bg1">
+                <a:lumMod val="50000"/>
+              </a:schemeClr>
+            </a:solidFill>
+          </a:ln>
         </p:spPr>
         <p:style>
           <a:lnRef idx="1">
@@ -19182,12 +19242,19 @@
         </p:nvCxnSpPr>
         <p:spPr>
           <a:xfrm>
-            <a:off x="6616762" y="3739123"/>
-            <a:ext cx="679149" cy="104031"/>
+            <a:off x="6538132" y="3697169"/>
+            <a:ext cx="987932" cy="369078"/>
           </a:xfrm>
           <a:prstGeom prst="line">
             <a:avLst/>
           </a:prstGeom>
+          <a:ln w="19050">
+            <a:solidFill>
+              <a:schemeClr val="bg1">
+                <a:lumMod val="50000"/>
+              </a:schemeClr>
+            </a:solidFill>
+          </a:ln>
         </p:spPr>
         <p:style>
           <a:lnRef idx="1">
@@ -19222,10 +19289,1296 @@
         </p:nvCxnSpPr>
         <p:spPr>
           <a:xfrm flipV="1">
-            <a:off x="6616762" y="2280637"/>
-            <a:ext cx="654097" cy="1458486"/>
+            <a:off x="6538132" y="2174405"/>
+            <a:ext cx="993236" cy="1522764"/>
           </a:xfrm>
           <a:prstGeom prst="line">
+            <a:avLst/>
+          </a:prstGeom>
+          <a:ln w="19050">
+            <a:solidFill>
+              <a:schemeClr val="bg1">
+                <a:lumMod val="50000"/>
+              </a:schemeClr>
+            </a:solidFill>
+          </a:ln>
+        </p:spPr>
+        <p:style>
+          <a:lnRef idx="1">
+            <a:schemeClr val="accent1"/>
+          </a:lnRef>
+          <a:fillRef idx="0">
+            <a:schemeClr val="accent1"/>
+          </a:fillRef>
+          <a:effectRef idx="0">
+            <a:schemeClr val="accent1"/>
+          </a:effectRef>
+          <a:fontRef idx="minor">
+            <a:schemeClr val="tx1"/>
+          </a:fontRef>
+        </p:style>
+      </p:cxnSp>
+      <p:cxnSp>
+        <p:nvCxnSpPr>
+          <p:cNvPr id="347" name="直接连接符 346">
+            <a:extLst>
+              <a:ext uri="{FF2B5EF4-FFF2-40B4-BE49-F238E27FC236}">
+                <a16:creationId xmlns:a16="http://schemas.microsoft.com/office/drawing/2014/main" id="{A7086806-D740-162A-BB21-687966B7C203}"/>
+              </a:ext>
+            </a:extLst>
+          </p:cNvPr>
+          <p:cNvCxnSpPr>
+            <a:cxnSpLocks/>
+            <a:stCxn id="309" idx="3"/>
+            <a:endCxn id="293" idx="2"/>
+          </p:cNvCxnSpPr>
+          <p:nvPr/>
+        </p:nvCxnSpPr>
+        <p:spPr>
+          <a:xfrm>
+            <a:off x="2691172" y="1844691"/>
+            <a:ext cx="819396" cy="318250"/>
+          </a:xfrm>
+          <a:prstGeom prst="line">
+            <a:avLst/>
+          </a:prstGeom>
+          <a:ln w="6350">
+            <a:solidFill>
+              <a:schemeClr val="bg1">
+                <a:lumMod val="50000"/>
+              </a:schemeClr>
+            </a:solidFill>
+          </a:ln>
+        </p:spPr>
+        <p:style>
+          <a:lnRef idx="1">
+            <a:schemeClr val="accent1"/>
+          </a:lnRef>
+          <a:fillRef idx="0">
+            <a:schemeClr val="accent1"/>
+          </a:fillRef>
+          <a:effectRef idx="0">
+            <a:schemeClr val="accent1"/>
+          </a:effectRef>
+          <a:fontRef idx="minor">
+            <a:schemeClr val="tx1"/>
+          </a:fontRef>
+        </p:style>
+      </p:cxnSp>
+      <p:cxnSp>
+        <p:nvCxnSpPr>
+          <p:cNvPr id="350" name="直接连接符 349">
+            <a:extLst>
+              <a:ext uri="{FF2B5EF4-FFF2-40B4-BE49-F238E27FC236}">
+                <a16:creationId xmlns:a16="http://schemas.microsoft.com/office/drawing/2014/main" id="{A7313D46-F20B-4014-8D90-3AB3C4277A80}"/>
+              </a:ext>
+            </a:extLst>
+          </p:cNvPr>
+          <p:cNvCxnSpPr>
+            <a:cxnSpLocks/>
+            <a:stCxn id="313" idx="3"/>
+            <a:endCxn id="293" idx="2"/>
+          </p:cNvCxnSpPr>
+          <p:nvPr/>
+        </p:nvCxnSpPr>
+        <p:spPr>
+          <a:xfrm flipV="1">
+            <a:off x="2702643" y="2162941"/>
+            <a:ext cx="807925" cy="443886"/>
+          </a:xfrm>
+          <a:prstGeom prst="line">
+            <a:avLst/>
+          </a:prstGeom>
+          <a:ln>
+            <a:solidFill>
+              <a:schemeClr val="bg1">
+                <a:lumMod val="50000"/>
+              </a:schemeClr>
+            </a:solidFill>
+          </a:ln>
+        </p:spPr>
+        <p:style>
+          <a:lnRef idx="1">
+            <a:schemeClr val="accent1"/>
+          </a:lnRef>
+          <a:fillRef idx="0">
+            <a:schemeClr val="accent1"/>
+          </a:fillRef>
+          <a:effectRef idx="0">
+            <a:schemeClr val="accent1"/>
+          </a:effectRef>
+          <a:fontRef idx="minor">
+            <a:schemeClr val="tx1"/>
+          </a:fontRef>
+        </p:style>
+      </p:cxnSp>
+      <p:cxnSp>
+        <p:nvCxnSpPr>
+          <p:cNvPr id="353" name="直接连接符 352">
+            <a:extLst>
+              <a:ext uri="{FF2B5EF4-FFF2-40B4-BE49-F238E27FC236}">
+                <a16:creationId xmlns:a16="http://schemas.microsoft.com/office/drawing/2014/main" id="{20288D38-734D-A21B-8F85-E25685FBC35B}"/>
+              </a:ext>
+            </a:extLst>
+          </p:cNvPr>
+          <p:cNvCxnSpPr>
+            <a:cxnSpLocks/>
+            <a:stCxn id="1072" idx="3"/>
+            <a:endCxn id="318" idx="2"/>
+          </p:cNvCxnSpPr>
+          <p:nvPr/>
+        </p:nvCxnSpPr>
+        <p:spPr>
+          <a:xfrm>
+            <a:off x="2704633" y="3766145"/>
+            <a:ext cx="797288" cy="348987"/>
+          </a:xfrm>
+          <a:prstGeom prst="line">
+            <a:avLst/>
+          </a:prstGeom>
+          <a:ln>
+            <a:solidFill>
+              <a:schemeClr val="bg1">
+                <a:lumMod val="50000"/>
+              </a:schemeClr>
+            </a:solidFill>
+          </a:ln>
+        </p:spPr>
+        <p:style>
+          <a:lnRef idx="1">
+            <a:schemeClr val="accent1"/>
+          </a:lnRef>
+          <a:fillRef idx="0">
+            <a:schemeClr val="accent1"/>
+          </a:fillRef>
+          <a:effectRef idx="0">
+            <a:schemeClr val="accent1"/>
+          </a:effectRef>
+          <a:fontRef idx="minor">
+            <a:schemeClr val="tx1"/>
+          </a:fontRef>
+        </p:style>
+      </p:cxnSp>
+      <p:cxnSp>
+        <p:nvCxnSpPr>
+          <p:cNvPr id="356" name="直接连接符 355">
+            <a:extLst>
+              <a:ext uri="{FF2B5EF4-FFF2-40B4-BE49-F238E27FC236}">
+                <a16:creationId xmlns:a16="http://schemas.microsoft.com/office/drawing/2014/main" id="{9638652D-5FC4-7CEB-BE6A-B63F1C8A66B9}"/>
+              </a:ext>
+            </a:extLst>
+          </p:cNvPr>
+          <p:cNvCxnSpPr>
+            <a:cxnSpLocks/>
+            <a:stCxn id="1074" idx="3"/>
+            <a:endCxn id="318" idx="2"/>
+          </p:cNvCxnSpPr>
+          <p:nvPr/>
+        </p:nvCxnSpPr>
+        <p:spPr>
+          <a:xfrm flipV="1">
+            <a:off x="2724089" y="4115132"/>
+            <a:ext cx="777832" cy="388527"/>
+          </a:xfrm>
+          <a:prstGeom prst="line">
+            <a:avLst/>
+          </a:prstGeom>
+          <a:ln>
+            <a:solidFill>
+              <a:schemeClr val="bg1">
+                <a:lumMod val="50000"/>
+              </a:schemeClr>
+            </a:solidFill>
+          </a:ln>
+        </p:spPr>
+        <p:style>
+          <a:lnRef idx="1">
+            <a:schemeClr val="accent1"/>
+          </a:lnRef>
+          <a:fillRef idx="0">
+            <a:schemeClr val="accent1"/>
+          </a:fillRef>
+          <a:effectRef idx="0">
+            <a:schemeClr val="accent1"/>
+          </a:effectRef>
+          <a:fontRef idx="minor">
+            <a:schemeClr val="tx1"/>
+          </a:fontRef>
+        </p:style>
+      </p:cxnSp>
+      <p:cxnSp>
+        <p:nvCxnSpPr>
+          <p:cNvPr id="359" name="直接连接符 358">
+            <a:extLst>
+              <a:ext uri="{FF2B5EF4-FFF2-40B4-BE49-F238E27FC236}">
+                <a16:creationId xmlns:a16="http://schemas.microsoft.com/office/drawing/2014/main" id="{1EFC827F-1602-DAE7-3B2D-AB0D71B8CBD8}"/>
+              </a:ext>
+            </a:extLst>
+          </p:cNvPr>
+          <p:cNvCxnSpPr>
+            <a:cxnSpLocks/>
+            <a:stCxn id="314" idx="0"/>
+            <a:endCxn id="1078" idx="1"/>
+          </p:cNvCxnSpPr>
+          <p:nvPr/>
+        </p:nvCxnSpPr>
+        <p:spPr>
+          <a:xfrm>
+            <a:off x="8365889" y="2174405"/>
+            <a:ext cx="947481" cy="432422"/>
+          </a:xfrm>
+          <a:prstGeom prst="line">
+            <a:avLst/>
+          </a:prstGeom>
+          <a:ln>
+            <a:solidFill>
+              <a:schemeClr val="bg1">
+                <a:lumMod val="50000"/>
+              </a:schemeClr>
+            </a:solidFill>
+          </a:ln>
+        </p:spPr>
+        <p:style>
+          <a:lnRef idx="1">
+            <a:schemeClr val="accent1"/>
+          </a:lnRef>
+          <a:fillRef idx="0">
+            <a:schemeClr val="accent1"/>
+          </a:fillRef>
+          <a:effectRef idx="0">
+            <a:schemeClr val="accent1"/>
+          </a:effectRef>
+          <a:fontRef idx="minor">
+            <a:schemeClr val="tx1"/>
+          </a:fontRef>
+        </p:style>
+      </p:cxnSp>
+      <p:cxnSp>
+        <p:nvCxnSpPr>
+          <p:cNvPr id="360" name="直接连接符 359">
+            <a:extLst>
+              <a:ext uri="{FF2B5EF4-FFF2-40B4-BE49-F238E27FC236}">
+                <a16:creationId xmlns:a16="http://schemas.microsoft.com/office/drawing/2014/main" id="{C472789C-7E8A-AC2A-D9D4-C05FDF0B1909}"/>
+              </a:ext>
+            </a:extLst>
+          </p:cNvPr>
+          <p:cNvCxnSpPr>
+            <a:cxnSpLocks/>
+            <a:stCxn id="314" idx="0"/>
+            <a:endCxn id="1076" idx="1"/>
+          </p:cNvCxnSpPr>
+          <p:nvPr/>
+        </p:nvCxnSpPr>
+        <p:spPr>
+          <a:xfrm flipV="1">
+            <a:off x="8365889" y="1842973"/>
+            <a:ext cx="947481" cy="331432"/>
+          </a:xfrm>
+          <a:prstGeom prst="line">
+            <a:avLst/>
+          </a:prstGeom>
+          <a:ln>
+            <a:solidFill>
+              <a:schemeClr val="bg1">
+                <a:lumMod val="50000"/>
+              </a:schemeClr>
+            </a:solidFill>
+          </a:ln>
+        </p:spPr>
+        <p:style>
+          <a:lnRef idx="1">
+            <a:schemeClr val="accent1"/>
+          </a:lnRef>
+          <a:fillRef idx="0">
+            <a:schemeClr val="accent1"/>
+          </a:fillRef>
+          <a:effectRef idx="0">
+            <a:schemeClr val="accent1"/>
+          </a:effectRef>
+          <a:fontRef idx="minor">
+            <a:schemeClr val="tx1"/>
+          </a:fontRef>
+        </p:style>
+      </p:cxnSp>
+      <p:cxnSp>
+        <p:nvCxnSpPr>
+          <p:cNvPr id="365" name="直接连接符 364">
+            <a:extLst>
+              <a:ext uri="{FF2B5EF4-FFF2-40B4-BE49-F238E27FC236}">
+                <a16:creationId xmlns:a16="http://schemas.microsoft.com/office/drawing/2014/main" id="{9227BC07-C627-338A-28C0-2FDEB8CD2971}"/>
+              </a:ext>
+            </a:extLst>
+          </p:cNvPr>
+          <p:cNvCxnSpPr>
+            <a:cxnSpLocks/>
+            <a:stCxn id="319" idx="0"/>
+            <a:endCxn id="1080" idx="1"/>
+          </p:cNvCxnSpPr>
+          <p:nvPr/>
+        </p:nvCxnSpPr>
+        <p:spPr>
+          <a:xfrm flipV="1">
+            <a:off x="8281058" y="3769270"/>
+            <a:ext cx="1027461" cy="296977"/>
+          </a:xfrm>
+          <a:prstGeom prst="line">
+            <a:avLst/>
+          </a:prstGeom>
+          <a:ln>
+            <a:solidFill>
+              <a:schemeClr val="bg1">
+                <a:lumMod val="50000"/>
+              </a:schemeClr>
+            </a:solidFill>
+          </a:ln>
+        </p:spPr>
+        <p:style>
+          <a:lnRef idx="1">
+            <a:schemeClr val="accent1"/>
+          </a:lnRef>
+          <a:fillRef idx="0">
+            <a:schemeClr val="accent1"/>
+          </a:fillRef>
+          <a:effectRef idx="0">
+            <a:schemeClr val="accent1"/>
+          </a:effectRef>
+          <a:fontRef idx="minor">
+            <a:schemeClr val="tx1"/>
+          </a:fontRef>
+        </p:style>
+      </p:cxnSp>
+      <p:cxnSp>
+        <p:nvCxnSpPr>
+          <p:cNvPr id="369" name="直接连接符 368">
+            <a:extLst>
+              <a:ext uri="{FF2B5EF4-FFF2-40B4-BE49-F238E27FC236}">
+                <a16:creationId xmlns:a16="http://schemas.microsoft.com/office/drawing/2014/main" id="{D55A04AE-0107-EA89-5919-0DDDA10E9D54}"/>
+              </a:ext>
+            </a:extLst>
+          </p:cNvPr>
+          <p:cNvCxnSpPr>
+            <a:cxnSpLocks/>
+            <a:stCxn id="319" idx="0"/>
+            <a:endCxn id="1081" idx="1"/>
+          </p:cNvCxnSpPr>
+          <p:nvPr/>
+        </p:nvCxnSpPr>
+        <p:spPr>
+          <a:xfrm>
+            <a:off x="8281058" y="4066247"/>
+            <a:ext cx="1027461" cy="434068"/>
+          </a:xfrm>
+          <a:prstGeom prst="line">
+            <a:avLst/>
+          </a:prstGeom>
+          <a:ln>
+            <a:solidFill>
+              <a:schemeClr val="bg1">
+                <a:lumMod val="50000"/>
+              </a:schemeClr>
+            </a:solidFill>
+          </a:ln>
+        </p:spPr>
+        <p:style>
+          <a:lnRef idx="1">
+            <a:schemeClr val="accent1"/>
+          </a:lnRef>
+          <a:fillRef idx="0">
+            <a:schemeClr val="accent1"/>
+          </a:fillRef>
+          <a:effectRef idx="0">
+            <a:schemeClr val="accent1"/>
+          </a:effectRef>
+          <a:fontRef idx="minor">
+            <a:schemeClr val="tx1"/>
+          </a:fontRef>
+        </p:style>
+      </p:cxnSp>
+      <p:pic>
+        <p:nvPicPr>
+          <p:cNvPr id="500" name="图形 499" descr="用户 纯色填充">
+            <a:extLst>
+              <a:ext uri="{FF2B5EF4-FFF2-40B4-BE49-F238E27FC236}">
+                <a16:creationId xmlns:a16="http://schemas.microsoft.com/office/drawing/2014/main" id="{890E8601-277C-F641-DD00-A1FDD9B19033}"/>
+              </a:ext>
+            </a:extLst>
+          </p:cNvPr>
+          <p:cNvPicPr>
+            <a:picLocks noChangeAspect="1"/>
+          </p:cNvPicPr>
+          <p:nvPr/>
+        </p:nvPicPr>
+        <p:blipFill>
+          <a:blip r:embed="rId2">
+            <a:extLst>
+              <a:ext uri="{96DAC541-7B7A-43D3-8B79-37D633B846F1}">
+                <asvg:svgBlip xmlns:asvg="http://schemas.microsoft.com/office/drawing/2016/SVG/main" r:embed="rId3"/>
+              </a:ext>
+            </a:extLst>
+          </a:blip>
+          <a:stretch>
+            <a:fillRect/>
+          </a:stretch>
+        </p:blipFill>
+        <p:spPr>
+          <a:xfrm>
+            <a:off x="7660441" y="3319720"/>
+            <a:ext cx="486239" cy="486239"/>
+          </a:xfrm>
+          <a:prstGeom prst="rect">
+            <a:avLst/>
+          </a:prstGeom>
+        </p:spPr>
+      </p:pic>
+      <p:pic>
+        <p:nvPicPr>
+          <p:cNvPr id="709" name="图形 708" descr="用户 纯色填充">
+            <a:extLst>
+              <a:ext uri="{FF2B5EF4-FFF2-40B4-BE49-F238E27FC236}">
+                <a16:creationId xmlns:a16="http://schemas.microsoft.com/office/drawing/2014/main" id="{4B460CC0-D035-1267-0916-0735CC4DE20B}"/>
+              </a:ext>
+            </a:extLst>
+          </p:cNvPr>
+          <p:cNvPicPr>
+            <a:picLocks noChangeAspect="1"/>
+          </p:cNvPicPr>
+          <p:nvPr/>
+        </p:nvPicPr>
+        <p:blipFill>
+          <a:blip r:embed="rId2">
+            <a:extLst>
+              <a:ext uri="{96DAC541-7B7A-43D3-8B79-37D633B846F1}">
+                <asvg:svgBlip xmlns:asvg="http://schemas.microsoft.com/office/drawing/2016/SVG/main" r:embed="rId3"/>
+              </a:ext>
+            </a:extLst>
+          </a:blip>
+          <a:stretch>
+            <a:fillRect/>
+          </a:stretch>
+        </p:blipFill>
+        <p:spPr>
+          <a:xfrm>
+            <a:off x="8395267" y="2317203"/>
+            <a:ext cx="486239" cy="486239"/>
+          </a:xfrm>
+          <a:prstGeom prst="rect">
+            <a:avLst/>
+          </a:prstGeom>
+        </p:spPr>
+      </p:pic>
+      <p:pic>
+        <p:nvPicPr>
+          <p:cNvPr id="710" name="图形 709" descr="用户 纯色填充">
+            <a:extLst>
+              <a:ext uri="{FF2B5EF4-FFF2-40B4-BE49-F238E27FC236}">
+                <a16:creationId xmlns:a16="http://schemas.microsoft.com/office/drawing/2014/main" id="{BCBAA454-14BB-CF95-7F0C-B74471D8939C}"/>
+              </a:ext>
+            </a:extLst>
+          </p:cNvPr>
+          <p:cNvPicPr>
+            <a:picLocks noChangeAspect="1"/>
+          </p:cNvPicPr>
+          <p:nvPr/>
+        </p:nvPicPr>
+        <p:blipFill>
+          <a:blip r:embed="rId2">
+            <a:extLst>
+              <a:ext uri="{96DAC541-7B7A-43D3-8B79-37D633B846F1}">
+                <asvg:svgBlip xmlns:asvg="http://schemas.microsoft.com/office/drawing/2016/SVG/main" r:embed="rId3"/>
+              </a:ext>
+            </a:extLst>
+          </a:blip>
+          <a:stretch>
+            <a:fillRect/>
+          </a:stretch>
+        </p:blipFill>
+        <p:spPr>
+          <a:xfrm>
+            <a:off x="3667105" y="1402785"/>
+            <a:ext cx="486239" cy="486239"/>
+          </a:xfrm>
+          <a:prstGeom prst="rect">
+            <a:avLst/>
+          </a:prstGeom>
+        </p:spPr>
+      </p:pic>
+      <p:pic>
+        <p:nvPicPr>
+          <p:cNvPr id="711" name="图形 710" descr="用户 纯色填充">
+            <a:extLst>
+              <a:ext uri="{FF2B5EF4-FFF2-40B4-BE49-F238E27FC236}">
+                <a16:creationId xmlns:a16="http://schemas.microsoft.com/office/drawing/2014/main" id="{F2AC4B08-4A1A-D439-BBE3-1EF6BD9D8A81}"/>
+              </a:ext>
+            </a:extLst>
+          </p:cNvPr>
+          <p:cNvPicPr>
+            <a:picLocks noChangeAspect="1"/>
+          </p:cNvPicPr>
+          <p:nvPr/>
+        </p:nvPicPr>
+        <p:blipFill>
+          <a:blip r:embed="rId2">
+            <a:extLst>
+              <a:ext uri="{96DAC541-7B7A-43D3-8B79-37D633B846F1}">
+                <asvg:svgBlip xmlns:asvg="http://schemas.microsoft.com/office/drawing/2016/SVG/main" r:embed="rId3"/>
+              </a:ext>
+            </a:extLst>
+          </a:blip>
+          <a:stretch>
+            <a:fillRect/>
+          </a:stretch>
+        </p:blipFill>
+        <p:spPr>
+          <a:xfrm>
+            <a:off x="3616916" y="3350869"/>
+            <a:ext cx="486239" cy="486239"/>
+          </a:xfrm>
+          <a:prstGeom prst="rect">
+            <a:avLst/>
+          </a:prstGeom>
+        </p:spPr>
+      </p:pic>
+      <p:cxnSp>
+        <p:nvCxnSpPr>
+          <p:cNvPr id="23" name="直接箭头连接符 22">
+            <a:extLst>
+              <a:ext uri="{FF2B5EF4-FFF2-40B4-BE49-F238E27FC236}">
+                <a16:creationId xmlns:a16="http://schemas.microsoft.com/office/drawing/2014/main" id="{B4F8B5FA-4E77-EE7D-A0D8-D27FEDC4983B}"/>
+              </a:ext>
+            </a:extLst>
+          </p:cNvPr>
+          <p:cNvCxnSpPr>
+            <a:cxnSpLocks/>
+          </p:cNvCxnSpPr>
+          <p:nvPr/>
+        </p:nvCxnSpPr>
+        <p:spPr>
+          <a:xfrm>
+            <a:off x="4823447" y="2170447"/>
+            <a:ext cx="541652" cy="125637"/>
+          </a:xfrm>
+          <a:prstGeom prst="straightConnector1">
+            <a:avLst/>
+          </a:prstGeom>
+          <a:ln w="38100">
+            <a:solidFill>
+              <a:srgbClr val="C00000"/>
+            </a:solidFill>
+            <a:tailEnd type="triangle"/>
+          </a:ln>
+        </p:spPr>
+        <p:style>
+          <a:lnRef idx="1">
+            <a:schemeClr val="accent1"/>
+          </a:lnRef>
+          <a:fillRef idx="0">
+            <a:schemeClr val="accent1"/>
+          </a:fillRef>
+          <a:effectRef idx="0">
+            <a:schemeClr val="accent1"/>
+          </a:effectRef>
+          <a:fontRef idx="minor">
+            <a:schemeClr val="tx1"/>
+          </a:fontRef>
+        </p:style>
+      </p:cxnSp>
+      <p:cxnSp>
+        <p:nvCxnSpPr>
+          <p:cNvPr id="25" name="直接箭头连接符 24">
+            <a:extLst>
+              <a:ext uri="{FF2B5EF4-FFF2-40B4-BE49-F238E27FC236}">
+                <a16:creationId xmlns:a16="http://schemas.microsoft.com/office/drawing/2014/main" id="{F78A2519-A787-89F3-B08A-82ECB8B48BCE}"/>
+              </a:ext>
+            </a:extLst>
+          </p:cNvPr>
+          <p:cNvCxnSpPr>
+            <a:cxnSpLocks/>
+          </p:cNvCxnSpPr>
+          <p:nvPr/>
+        </p:nvCxnSpPr>
+        <p:spPr>
+          <a:xfrm>
+            <a:off x="4791012" y="2407537"/>
+            <a:ext cx="543658" cy="128050"/>
+          </a:xfrm>
+          <a:prstGeom prst="straightConnector1">
+            <a:avLst/>
+          </a:prstGeom>
+          <a:ln w="38100">
+            <a:solidFill>
+              <a:srgbClr val="FFC000"/>
+            </a:solidFill>
+            <a:tailEnd type="triangle"/>
+          </a:ln>
+        </p:spPr>
+        <p:style>
+          <a:lnRef idx="1">
+            <a:schemeClr val="accent1"/>
+          </a:lnRef>
+          <a:fillRef idx="0">
+            <a:schemeClr val="accent1"/>
+          </a:fillRef>
+          <a:effectRef idx="0">
+            <a:schemeClr val="accent1"/>
+          </a:effectRef>
+          <a:fontRef idx="minor">
+            <a:schemeClr val="tx1"/>
+          </a:fontRef>
+        </p:style>
+      </p:cxnSp>
+      <p:cxnSp>
+        <p:nvCxnSpPr>
+          <p:cNvPr id="37" name="直接箭头连接符 36">
+            <a:extLst>
+              <a:ext uri="{FF2B5EF4-FFF2-40B4-BE49-F238E27FC236}">
+                <a16:creationId xmlns:a16="http://schemas.microsoft.com/office/drawing/2014/main" id="{00BF65DA-53C5-3032-A2B0-66AEE64CA5B6}"/>
+              </a:ext>
+            </a:extLst>
+          </p:cNvPr>
+          <p:cNvCxnSpPr>
+            <a:cxnSpLocks/>
+          </p:cNvCxnSpPr>
+          <p:nvPr/>
+        </p:nvCxnSpPr>
+        <p:spPr>
+          <a:xfrm flipH="1">
+            <a:off x="4847506" y="3960688"/>
+            <a:ext cx="493087" cy="133579"/>
+          </a:xfrm>
+          <a:prstGeom prst="straightConnector1">
+            <a:avLst/>
+          </a:prstGeom>
+          <a:ln w="38100">
+            <a:solidFill>
+              <a:srgbClr val="92D050"/>
+            </a:solidFill>
+            <a:tailEnd type="triangle"/>
+          </a:ln>
+        </p:spPr>
+        <p:style>
+          <a:lnRef idx="1">
+            <a:schemeClr val="accent1"/>
+          </a:lnRef>
+          <a:fillRef idx="0">
+            <a:schemeClr val="accent1"/>
+          </a:fillRef>
+          <a:effectRef idx="0">
+            <a:schemeClr val="accent1"/>
+          </a:effectRef>
+          <a:fontRef idx="minor">
+            <a:schemeClr val="tx1"/>
+          </a:fontRef>
+        </p:style>
+      </p:cxnSp>
+      <p:cxnSp>
+        <p:nvCxnSpPr>
+          <p:cNvPr id="39" name="直接箭头连接符 38">
+            <a:extLst>
+              <a:ext uri="{FF2B5EF4-FFF2-40B4-BE49-F238E27FC236}">
+                <a16:creationId xmlns:a16="http://schemas.microsoft.com/office/drawing/2014/main" id="{117F398E-BE50-7C43-DC4A-E5FE148FE8A0}"/>
+              </a:ext>
+            </a:extLst>
+          </p:cNvPr>
+          <p:cNvCxnSpPr>
+            <a:cxnSpLocks/>
+          </p:cNvCxnSpPr>
+          <p:nvPr/>
+        </p:nvCxnSpPr>
+        <p:spPr>
+          <a:xfrm flipV="1">
+            <a:off x="4790328" y="3687291"/>
+            <a:ext cx="515512" cy="162908"/>
+          </a:xfrm>
+          <a:prstGeom prst="straightConnector1">
+            <a:avLst/>
+          </a:prstGeom>
+          <a:ln w="38100">
+            <a:solidFill>
+              <a:srgbClr val="002060"/>
+            </a:solidFill>
+            <a:tailEnd type="triangle"/>
+          </a:ln>
+        </p:spPr>
+        <p:style>
+          <a:lnRef idx="1">
+            <a:schemeClr val="accent1"/>
+          </a:lnRef>
+          <a:fillRef idx="0">
+            <a:schemeClr val="accent1"/>
+          </a:fillRef>
+          <a:effectRef idx="0">
+            <a:schemeClr val="accent1"/>
+          </a:effectRef>
+          <a:fontRef idx="minor">
+            <a:schemeClr val="tx1"/>
+          </a:fontRef>
+        </p:style>
+      </p:cxnSp>
+      <p:pic>
+        <p:nvPicPr>
+          <p:cNvPr id="493" name="图形 492" descr="用户 纯色填充">
+            <a:extLst>
+              <a:ext uri="{FF2B5EF4-FFF2-40B4-BE49-F238E27FC236}">
+                <a16:creationId xmlns:a16="http://schemas.microsoft.com/office/drawing/2014/main" id="{31DF9BA4-CA54-0A74-4B51-701748F6B912}"/>
+              </a:ext>
+            </a:extLst>
+          </p:cNvPr>
+          <p:cNvPicPr>
+            <a:picLocks noChangeAspect="1"/>
+          </p:cNvPicPr>
+          <p:nvPr/>
+        </p:nvPicPr>
+        <p:blipFill>
+          <a:blip r:embed="rId2">
+            <a:extLst>
+              <a:ext uri="{96DAC541-7B7A-43D3-8B79-37D633B846F1}">
+                <asvg:svgBlip xmlns:asvg="http://schemas.microsoft.com/office/drawing/2016/SVG/main" r:embed="rId3"/>
+              </a:ext>
+            </a:extLst>
+          </a:blip>
+          <a:stretch>
+            <a:fillRect/>
+          </a:stretch>
+        </p:blipFill>
+        <p:spPr>
+          <a:xfrm>
+            <a:off x="8387880" y="1390534"/>
+            <a:ext cx="486239" cy="486239"/>
+          </a:xfrm>
+          <a:prstGeom prst="rect">
+            <a:avLst/>
+          </a:prstGeom>
+        </p:spPr>
+      </p:pic>
+      <p:grpSp>
+        <p:nvGrpSpPr>
+          <p:cNvPr id="499" name="组合 498">
+            <a:extLst>
+              <a:ext uri="{FF2B5EF4-FFF2-40B4-BE49-F238E27FC236}">
+                <a16:creationId xmlns:a16="http://schemas.microsoft.com/office/drawing/2014/main" id="{3F17C2B6-3C5C-A87E-87BE-7B1CBDE3ABF6}"/>
+              </a:ext>
+            </a:extLst>
+          </p:cNvPr>
+          <p:cNvGrpSpPr/>
+          <p:nvPr/>
+        </p:nvGrpSpPr>
+        <p:grpSpPr>
+          <a:xfrm>
+            <a:off x="5631888" y="1339336"/>
+            <a:ext cx="1044064" cy="837049"/>
+            <a:chOff x="2347108" y="983868"/>
+            <a:chExt cx="998648" cy="765173"/>
+          </a:xfrm>
+        </p:grpSpPr>
+        <p:sp>
+          <p:nvSpPr>
+            <p:cNvPr id="501" name="文本框 500">
+              <a:extLst>
+                <a:ext uri="{FF2B5EF4-FFF2-40B4-BE49-F238E27FC236}">
+                  <a16:creationId xmlns:a16="http://schemas.microsoft.com/office/drawing/2014/main" id="{94510AC1-B554-D1F5-C134-B0C1919E4045}"/>
+                </a:ext>
+              </a:extLst>
+            </p:cNvPr>
+            <p:cNvSpPr txBox="1"/>
+            <p:nvPr/>
+          </p:nvSpPr>
+          <p:spPr>
+            <a:xfrm>
+              <a:off x="2416242" y="1000837"/>
+              <a:ext cx="817356" cy="211011"/>
+            </a:xfrm>
+            <a:prstGeom prst="rect">
+              <a:avLst/>
+            </a:prstGeom>
+            <a:noFill/>
+          </p:spPr>
+          <p:txBody>
+            <a:bodyPr wrap="square">
+              <a:spAutoFit/>
+            </a:bodyPr>
+            <a:lstStyle/>
+            <a:p>
+              <a:r>
+                <a:rPr kumimoji="1" lang="en-US" altLang="zh-CN" sz="900" b="1" dirty="0">
+                  <a:latin typeface="Consolas" panose="020B0609020204030204" pitchFamily="49" charset="0"/>
+                  <a:cs typeface="Consolas" panose="020B0609020204030204" pitchFamily="49" charset="0"/>
+                </a:rPr>
+                <a:t>CNRS Table</a:t>
+              </a:r>
+              <a:endParaRPr lang="zh-CN" altLang="en-US" sz="2000" b="1" dirty="0"/>
+            </a:p>
+          </p:txBody>
+        </p:sp>
+        <p:grpSp>
+          <p:nvGrpSpPr>
+            <p:cNvPr id="502" name="组合 501">
+              <a:extLst>
+                <a:ext uri="{FF2B5EF4-FFF2-40B4-BE49-F238E27FC236}">
+                  <a16:creationId xmlns:a16="http://schemas.microsoft.com/office/drawing/2014/main" id="{D028CC73-47A1-A001-9CB8-CE92793F72B5}"/>
+                </a:ext>
+              </a:extLst>
+            </p:cNvPr>
+            <p:cNvGrpSpPr/>
+            <p:nvPr/>
+          </p:nvGrpSpPr>
+          <p:grpSpPr>
+            <a:xfrm>
+              <a:off x="2347108" y="983868"/>
+              <a:ext cx="998648" cy="765173"/>
+              <a:chOff x="2347108" y="983868"/>
+              <a:chExt cx="998648" cy="765173"/>
+            </a:xfrm>
+          </p:grpSpPr>
+          <p:sp>
+            <p:nvSpPr>
+              <p:cNvPr id="503" name="一个圆顶角并剪去另一个顶角的矩形 1212">
+                <a:extLst>
+                  <a:ext uri="{FF2B5EF4-FFF2-40B4-BE49-F238E27FC236}">
+                    <a16:creationId xmlns:a16="http://schemas.microsoft.com/office/drawing/2014/main" id="{18189C5E-B9B8-3D75-07DE-6B2B84488457}"/>
+                  </a:ext>
+                </a:extLst>
+              </p:cNvPr>
+              <p:cNvSpPr/>
+              <p:nvPr/>
+            </p:nvSpPr>
+            <p:spPr>
+              <a:xfrm>
+                <a:off x="2416243" y="983868"/>
+                <a:ext cx="817356" cy="765173"/>
+              </a:xfrm>
+              <a:prstGeom prst="snipRoundRect">
+                <a:avLst/>
+              </a:prstGeom>
+              <a:noFill/>
+              <a:ln w="19050"/>
+            </p:spPr>
+            <p:style>
+              <a:lnRef idx="2">
+                <a:schemeClr val="accent1">
+                  <a:shade val="15000"/>
+                </a:schemeClr>
+              </a:lnRef>
+              <a:fillRef idx="1">
+                <a:schemeClr val="accent1"/>
+              </a:fillRef>
+              <a:effectRef idx="0">
+                <a:schemeClr val="accent1"/>
+              </a:effectRef>
+              <a:fontRef idx="minor">
+                <a:schemeClr val="lt1"/>
+              </a:fontRef>
+            </p:style>
+            <p:txBody>
+              <a:bodyPr rtlCol="0" anchor="ctr"/>
+              <a:lstStyle/>
+              <a:p>
+                <a:pPr algn="ctr"/>
+                <a:endParaRPr kumimoji="1" lang="zh-CN" altLang="en-US" dirty="0"/>
+              </a:p>
+            </p:txBody>
+          </p:sp>
+          <p:sp>
+            <p:nvSpPr>
+              <p:cNvPr id="504" name="文本框 503">
+                <a:extLst>
+                  <a:ext uri="{FF2B5EF4-FFF2-40B4-BE49-F238E27FC236}">
+                    <a16:creationId xmlns:a16="http://schemas.microsoft.com/office/drawing/2014/main" id="{1DA27D36-BEB2-AC88-0CD5-44624A8A3AAE}"/>
+                  </a:ext>
+                </a:extLst>
+              </p:cNvPr>
+              <p:cNvSpPr txBox="1"/>
+              <p:nvPr/>
+            </p:nvSpPr>
+            <p:spPr>
+              <a:xfrm>
+                <a:off x="2351920" y="1250398"/>
+                <a:ext cx="993836" cy="184666"/>
+              </a:xfrm>
+              <a:prstGeom prst="rect">
+                <a:avLst/>
+              </a:prstGeom>
+              <a:noFill/>
+            </p:spPr>
+            <p:txBody>
+              <a:bodyPr wrap="square" rtlCol="0">
+                <a:spAutoFit/>
+              </a:bodyPr>
+              <a:lstStyle/>
+              <a:p>
+                <a:r>
+                  <a:rPr kumimoji="1" lang="en-US" altLang="zh-CN" sz="600" dirty="0">
+                    <a:latin typeface="Consolas" panose="020B0609020204030204" pitchFamily="49" charset="0"/>
+                    <a:cs typeface="Consolas" panose="020B0609020204030204" pitchFamily="49" charset="0"/>
+                  </a:rPr>
+                  <a:t>110101..  10.1.1.1</a:t>
+                </a:r>
+                <a:endParaRPr kumimoji="1" lang="zh-CN" altLang="en-US" sz="600" dirty="0">
+                  <a:latin typeface="Consolas" panose="020B0609020204030204" pitchFamily="49" charset="0"/>
+                  <a:cs typeface="Consolas" panose="020B0609020204030204" pitchFamily="49" charset="0"/>
+                </a:endParaRPr>
+              </a:p>
+            </p:txBody>
+          </p:sp>
+          <p:sp>
+            <p:nvSpPr>
+              <p:cNvPr id="505" name="文本框 504">
+                <a:extLst>
+                  <a:ext uri="{FF2B5EF4-FFF2-40B4-BE49-F238E27FC236}">
+                    <a16:creationId xmlns:a16="http://schemas.microsoft.com/office/drawing/2014/main" id="{77D80FC2-DDC4-789B-76B4-3E6FEB4492E6}"/>
+                  </a:ext>
+                </a:extLst>
+              </p:cNvPr>
+              <p:cNvSpPr txBox="1"/>
+              <p:nvPr/>
+            </p:nvSpPr>
+            <p:spPr>
+              <a:xfrm>
+                <a:off x="2350444" y="1389119"/>
+                <a:ext cx="993836" cy="184666"/>
+              </a:xfrm>
+              <a:prstGeom prst="rect">
+                <a:avLst/>
+              </a:prstGeom>
+              <a:noFill/>
+            </p:spPr>
+            <p:txBody>
+              <a:bodyPr wrap="square" rtlCol="0">
+                <a:spAutoFit/>
+              </a:bodyPr>
+              <a:lstStyle/>
+              <a:p>
+                <a:r>
+                  <a:rPr kumimoji="1" lang="en-US" altLang="zh-CN" sz="600" dirty="0">
+                    <a:latin typeface="Consolas" panose="020B0609020204030204" pitchFamily="49" charset="0"/>
+                    <a:cs typeface="Consolas" panose="020B0609020204030204" pitchFamily="49" charset="0"/>
+                  </a:rPr>
+                  <a:t>101101..  10.4.1.1</a:t>
+                </a:r>
+                <a:endParaRPr kumimoji="1" lang="zh-CN" altLang="en-US" sz="600" dirty="0">
+                  <a:latin typeface="Consolas" panose="020B0609020204030204" pitchFamily="49" charset="0"/>
+                  <a:cs typeface="Consolas" panose="020B0609020204030204" pitchFamily="49" charset="0"/>
+                </a:endParaRPr>
+              </a:p>
+            </p:txBody>
+          </p:sp>
+          <p:sp>
+            <p:nvSpPr>
+              <p:cNvPr id="506" name="文本框 505">
+                <a:extLst>
+                  <a:ext uri="{FF2B5EF4-FFF2-40B4-BE49-F238E27FC236}">
+                    <a16:creationId xmlns:a16="http://schemas.microsoft.com/office/drawing/2014/main" id="{1F2E4174-8D7C-7B10-5577-E0E82003D18C}"/>
+                  </a:ext>
+                </a:extLst>
+              </p:cNvPr>
+              <p:cNvSpPr txBox="1"/>
+              <p:nvPr/>
+            </p:nvSpPr>
+            <p:spPr>
+              <a:xfrm>
+                <a:off x="2347108" y="1519389"/>
+                <a:ext cx="993836" cy="184666"/>
+              </a:xfrm>
+              <a:prstGeom prst="rect">
+                <a:avLst/>
+              </a:prstGeom>
+              <a:noFill/>
+            </p:spPr>
+            <p:txBody>
+              <a:bodyPr wrap="square" rtlCol="0">
+                <a:spAutoFit/>
+              </a:bodyPr>
+              <a:lstStyle/>
+              <a:p>
+                <a:r>
+                  <a:rPr kumimoji="1" lang="en-US" altLang="zh-CN" sz="600" dirty="0">
+                    <a:latin typeface="Consolas" panose="020B0609020204030204" pitchFamily="49" charset="0"/>
+                    <a:cs typeface="Consolas" panose="020B0609020204030204" pitchFamily="49" charset="0"/>
+                  </a:rPr>
+                  <a:t>110.....  10.x.x.x</a:t>
+                </a:r>
+                <a:endParaRPr kumimoji="1" lang="zh-CN" altLang="en-US" sz="600" dirty="0">
+                  <a:latin typeface="Consolas" panose="020B0609020204030204" pitchFamily="49" charset="0"/>
+                  <a:cs typeface="Consolas" panose="020B0609020204030204" pitchFamily="49" charset="0"/>
+                </a:endParaRPr>
+              </a:p>
+            </p:txBody>
+          </p:sp>
+          <p:cxnSp>
+            <p:nvCxnSpPr>
+              <p:cNvPr id="507" name="直线连接符 1219">
+                <a:extLst>
+                  <a:ext uri="{FF2B5EF4-FFF2-40B4-BE49-F238E27FC236}">
+                    <a16:creationId xmlns:a16="http://schemas.microsoft.com/office/drawing/2014/main" id="{0C629180-5FBC-3A6A-2E19-CE05D4168C3B}"/>
+                  </a:ext>
+                </a:extLst>
+              </p:cNvPr>
+              <p:cNvCxnSpPr>
+                <a:cxnSpLocks/>
+              </p:cNvCxnSpPr>
+              <p:nvPr/>
+            </p:nvCxnSpPr>
+            <p:spPr>
+              <a:xfrm>
+                <a:off x="2416243" y="1206366"/>
+                <a:ext cx="817356" cy="4082"/>
+              </a:xfrm>
+              <a:prstGeom prst="line">
+                <a:avLst/>
+              </a:prstGeom>
+              <a:ln w="9525">
+                <a:solidFill>
+                  <a:schemeClr val="tx1">
+                    <a:lumMod val="65000"/>
+                    <a:lumOff val="35000"/>
+                  </a:schemeClr>
+                </a:solidFill>
+              </a:ln>
+            </p:spPr>
+            <p:style>
+              <a:lnRef idx="1">
+                <a:schemeClr val="accent1"/>
+              </a:lnRef>
+              <a:fillRef idx="0">
+                <a:schemeClr val="accent1"/>
+              </a:fillRef>
+              <a:effectRef idx="0">
+                <a:schemeClr val="accent1"/>
+              </a:effectRef>
+              <a:fontRef idx="minor">
+                <a:schemeClr val="tx1"/>
+              </a:fontRef>
+            </p:style>
+          </p:cxnSp>
+          <p:cxnSp>
+            <p:nvCxnSpPr>
+              <p:cNvPr id="508" name="直线连接符 1221">
+                <a:extLst>
+                  <a:ext uri="{FF2B5EF4-FFF2-40B4-BE49-F238E27FC236}">
+                    <a16:creationId xmlns:a16="http://schemas.microsoft.com/office/drawing/2014/main" id="{89B81B9B-3C34-DC61-D3C4-5C69E7317FD4}"/>
+                  </a:ext>
+                </a:extLst>
+              </p:cNvPr>
+              <p:cNvCxnSpPr>
+                <a:cxnSpLocks/>
+              </p:cNvCxnSpPr>
+              <p:nvPr/>
+            </p:nvCxnSpPr>
+            <p:spPr>
+              <a:xfrm flipH="1">
+                <a:off x="2434456" y="1398228"/>
+                <a:ext cx="799143" cy="0"/>
+              </a:xfrm>
+              <a:prstGeom prst="line">
+                <a:avLst/>
+              </a:prstGeom>
+              <a:ln w="9525">
+                <a:solidFill>
+                  <a:schemeClr val="tx1">
+                    <a:lumMod val="65000"/>
+                    <a:lumOff val="35000"/>
+                  </a:schemeClr>
+                </a:solidFill>
+              </a:ln>
+            </p:spPr>
+            <p:style>
+              <a:lnRef idx="1">
+                <a:schemeClr val="accent1"/>
+              </a:lnRef>
+              <a:fillRef idx="0">
+                <a:schemeClr val="accent1"/>
+              </a:fillRef>
+              <a:effectRef idx="0">
+                <a:schemeClr val="accent1"/>
+              </a:effectRef>
+              <a:fontRef idx="minor">
+                <a:schemeClr val="tx1"/>
+              </a:fontRef>
+            </p:style>
+          </p:cxnSp>
+          <p:cxnSp>
+            <p:nvCxnSpPr>
+              <p:cNvPr id="509" name="直线连接符 1228">
+                <a:extLst>
+                  <a:ext uri="{FF2B5EF4-FFF2-40B4-BE49-F238E27FC236}">
+                    <a16:creationId xmlns:a16="http://schemas.microsoft.com/office/drawing/2014/main" id="{4C980DD1-9290-4034-CFA0-FECE18633C9B}"/>
+                  </a:ext>
+                </a:extLst>
+              </p:cNvPr>
+              <p:cNvCxnSpPr>
+                <a:cxnSpLocks/>
+              </p:cNvCxnSpPr>
+              <p:nvPr/>
+            </p:nvCxnSpPr>
+            <p:spPr>
+              <a:xfrm flipH="1">
+                <a:off x="2428027" y="1550628"/>
+                <a:ext cx="799143" cy="0"/>
+              </a:xfrm>
+              <a:prstGeom prst="line">
+                <a:avLst/>
+              </a:prstGeom>
+              <a:ln w="9525">
+                <a:solidFill>
+                  <a:schemeClr val="tx1">
+                    <a:lumMod val="65000"/>
+                    <a:lumOff val="35000"/>
+                  </a:schemeClr>
+                </a:solidFill>
+              </a:ln>
+            </p:spPr>
+            <p:style>
+              <a:lnRef idx="1">
+                <a:schemeClr val="accent1"/>
+              </a:lnRef>
+              <a:fillRef idx="0">
+                <a:schemeClr val="accent1"/>
+              </a:fillRef>
+              <a:effectRef idx="0">
+                <a:schemeClr val="accent1"/>
+              </a:effectRef>
+              <a:fontRef idx="minor">
+                <a:schemeClr val="tx1"/>
+              </a:fontRef>
+            </p:style>
+          </p:cxnSp>
+          <p:cxnSp>
+            <p:nvCxnSpPr>
+              <p:cNvPr id="510" name="直线连接符 1229">
+                <a:extLst>
+                  <a:ext uri="{FF2B5EF4-FFF2-40B4-BE49-F238E27FC236}">
+                    <a16:creationId xmlns:a16="http://schemas.microsoft.com/office/drawing/2014/main" id="{CC114844-AFF4-5F48-02B8-A209C3C8E707}"/>
+                  </a:ext>
+                </a:extLst>
+              </p:cNvPr>
+              <p:cNvCxnSpPr>
+                <a:cxnSpLocks/>
+              </p:cNvCxnSpPr>
+              <p:nvPr/>
+            </p:nvCxnSpPr>
+            <p:spPr>
+              <a:xfrm flipV="1">
+                <a:off x="2800994" y="1257823"/>
+                <a:ext cx="0" cy="435385"/>
+              </a:xfrm>
+              <a:prstGeom prst="line">
+                <a:avLst/>
+              </a:prstGeom>
+              <a:ln w="9525">
+                <a:solidFill>
+                  <a:schemeClr val="tx1">
+                    <a:lumMod val="65000"/>
+                    <a:lumOff val="35000"/>
+                  </a:schemeClr>
+                </a:solidFill>
+              </a:ln>
+            </p:spPr>
+            <p:style>
+              <a:lnRef idx="1">
+                <a:schemeClr val="accent1"/>
+              </a:lnRef>
+              <a:fillRef idx="0">
+                <a:schemeClr val="accent1"/>
+              </a:fillRef>
+              <a:effectRef idx="0">
+                <a:schemeClr val="accent1"/>
+              </a:effectRef>
+              <a:fontRef idx="minor">
+                <a:schemeClr val="tx1"/>
+              </a:fontRef>
+            </p:style>
+          </p:cxnSp>
+        </p:grpSp>
+      </p:grpSp>
+      <p:pic>
+        <p:nvPicPr>
+          <p:cNvPr id="1030" name="图片 1029">
+            <a:extLst>
+              <a:ext uri="{FF2B5EF4-FFF2-40B4-BE49-F238E27FC236}">
+                <a16:creationId xmlns:a16="http://schemas.microsoft.com/office/drawing/2014/main" id="{93C99F88-2462-4BA9-DED0-D6472035CC08}"/>
+              </a:ext>
+            </a:extLst>
+          </p:cNvPr>
+          <p:cNvPicPr>
+            <a:picLocks noChangeAspect="1"/>
+          </p:cNvPicPr>
+          <p:nvPr/>
+        </p:nvPicPr>
+        <p:blipFill>
+          <a:blip r:embed="rId4"/>
+          <a:stretch>
+            <a:fillRect/>
+          </a:stretch>
+        </p:blipFill>
+        <p:spPr>
+          <a:xfrm>
+            <a:off x="7521890" y="1461468"/>
+            <a:ext cx="486268" cy="548390"/>
+          </a:xfrm>
+          <a:prstGeom prst="rect">
+            <a:avLst/>
+          </a:prstGeom>
+        </p:spPr>
+      </p:pic>
+      <p:cxnSp>
+        <p:nvCxnSpPr>
+          <p:cNvPr id="1069" name="连接符: 肘形 1068">
+            <a:extLst>
+              <a:ext uri="{FF2B5EF4-FFF2-40B4-BE49-F238E27FC236}">
+                <a16:creationId xmlns:a16="http://schemas.microsoft.com/office/drawing/2014/main" id="{EAE44369-26FE-1222-EBDB-BB97695CD05A}"/>
+              </a:ext>
+            </a:extLst>
+          </p:cNvPr>
+          <p:cNvCxnSpPr>
+            <a:stCxn id="1030" idx="3"/>
+            <a:endCxn id="493" idx="1"/>
+          </p:cNvCxnSpPr>
+          <p:nvPr/>
+        </p:nvCxnSpPr>
+        <p:spPr>
+          <a:xfrm flipV="1">
+            <a:off x="8008158" y="1633654"/>
+            <a:ext cx="379722" cy="102009"/>
+          </a:xfrm>
+          <a:prstGeom prst="bentConnector3">
+            <a:avLst/>
+          </a:prstGeom>
+        </p:spPr>
+        <p:style>
+          <a:lnRef idx="1">
+            <a:schemeClr val="accent1"/>
+          </a:lnRef>
+          <a:fillRef idx="0">
+            <a:schemeClr val="accent1"/>
+          </a:fillRef>
+          <a:effectRef idx="0">
+            <a:schemeClr val="accent1"/>
+          </a:effectRef>
+          <a:fontRef idx="minor">
+            <a:schemeClr val="tx1"/>
+          </a:fontRef>
+        </p:style>
+      </p:cxnSp>
+      <p:cxnSp>
+        <p:nvCxnSpPr>
+          <p:cNvPr id="1071" name="连接符: 肘形 1070">
+            <a:extLst>
+              <a:ext uri="{FF2B5EF4-FFF2-40B4-BE49-F238E27FC236}">
+                <a16:creationId xmlns:a16="http://schemas.microsoft.com/office/drawing/2014/main" id="{EC93DE72-1FA3-48D5-804F-DB87FC3F224E}"/>
+              </a:ext>
+            </a:extLst>
+          </p:cNvPr>
+          <p:cNvCxnSpPr>
+            <a:stCxn id="1030" idx="3"/>
+            <a:endCxn id="709" idx="1"/>
+          </p:cNvCxnSpPr>
+          <p:nvPr/>
+        </p:nvCxnSpPr>
+        <p:spPr>
+          <a:xfrm>
+            <a:off x="8008158" y="1735663"/>
+            <a:ext cx="387109" cy="824660"/>
+          </a:xfrm>
+          <a:prstGeom prst="bentConnector3">
             <a:avLst/>
           </a:prstGeom>
         </p:spPr>
@@ -19246,10 +20599,10 @@
       </p:cxnSp>
       <p:sp>
         <p:nvSpPr>
-          <p:cNvPr id="343" name="矩形 342">
-            <a:extLst>
-              <a:ext uri="{FF2B5EF4-FFF2-40B4-BE49-F238E27FC236}">
-                <a16:creationId xmlns:a16="http://schemas.microsoft.com/office/drawing/2014/main" id="{625F700E-6D2E-A9D9-30AF-A97A5C202887}"/>
+          <p:cNvPr id="1072" name="矩形 1071">
+            <a:extLst>
+              <a:ext uri="{FF2B5EF4-FFF2-40B4-BE49-F238E27FC236}">
+                <a16:creationId xmlns:a16="http://schemas.microsoft.com/office/drawing/2014/main" id="{63F22BAD-E895-FDB1-014B-CDAB4F7E14FD}"/>
               </a:ext>
             </a:extLst>
           </p:cNvPr>
@@ -19258,8 +20611,8 @@
         </p:nvSpPr>
         <p:spPr>
           <a:xfrm>
-            <a:off x="8974401" y="3280406"/>
-            <a:ext cx="1045354" cy="544061"/>
+            <a:off x="1839423" y="3619787"/>
+            <a:ext cx="865210" cy="292716"/>
           </a:xfrm>
           <a:prstGeom prst="rect">
             <a:avLst/>
@@ -19295,7 +20648,7 @@
           <a:p>
             <a:pPr algn="ctr"/>
             <a:r>
-              <a:rPr lang="en-US" altLang="zh-CN" sz="1400" b="1" dirty="0">
+              <a:rPr lang="en-US" altLang="zh-CN" sz="1100" b="1" dirty="0">
                 <a:solidFill>
                   <a:schemeClr val="bg2">
                     <a:lumMod val="10000"/>
@@ -19318,10 +20671,10 @@
       </p:sp>
       <p:sp>
         <p:nvSpPr>
-          <p:cNvPr id="344" name="矩形 343">
-            <a:extLst>
-              <a:ext uri="{FF2B5EF4-FFF2-40B4-BE49-F238E27FC236}">
-                <a16:creationId xmlns:a16="http://schemas.microsoft.com/office/drawing/2014/main" id="{E0CCF4CE-1384-FD9B-211B-DF72C9A02D44}"/>
+          <p:cNvPr id="1074" name="矩形 1073">
+            <a:extLst>
+              <a:ext uri="{FF2B5EF4-FFF2-40B4-BE49-F238E27FC236}">
+                <a16:creationId xmlns:a16="http://schemas.microsoft.com/office/drawing/2014/main" id="{F5412A87-85CF-8C3D-634C-39A976A7536D}"/>
               </a:ext>
             </a:extLst>
           </p:cNvPr>
@@ -19330,8 +20683,8 @@
         </p:nvSpPr>
         <p:spPr>
           <a:xfrm>
-            <a:off x="8991575" y="4171214"/>
-            <a:ext cx="1045354" cy="544061"/>
+            <a:off x="1858879" y="4357301"/>
+            <a:ext cx="865210" cy="292716"/>
           </a:xfrm>
           <a:prstGeom prst="rect">
             <a:avLst/>
@@ -19367,7 +20720,7 @@
           <a:p>
             <a:pPr algn="ctr"/>
             <a:r>
-              <a:rPr lang="en-US" altLang="zh-CN" sz="1400" b="1" dirty="0">
+              <a:rPr lang="en-US" altLang="zh-CN" sz="1100" b="1" dirty="0">
                 <a:solidFill>
                   <a:schemeClr val="bg2">
                     <a:lumMod val="10000"/>
@@ -19390,10 +20743,10 @@
       </p:sp>
       <p:sp>
         <p:nvSpPr>
-          <p:cNvPr id="345" name="矩形 344">
-            <a:extLst>
-              <a:ext uri="{FF2B5EF4-FFF2-40B4-BE49-F238E27FC236}">
-                <a16:creationId xmlns:a16="http://schemas.microsoft.com/office/drawing/2014/main" id="{D1F3DDBB-6DCB-B787-BFC3-9ACDA36512B2}"/>
+          <p:cNvPr id="1076" name="矩形 1075">
+            <a:extLst>
+              <a:ext uri="{FF2B5EF4-FFF2-40B4-BE49-F238E27FC236}">
+                <a16:creationId xmlns:a16="http://schemas.microsoft.com/office/drawing/2014/main" id="{73D64AD9-7901-45D2-4790-B7D26437BB21}"/>
               </a:ext>
             </a:extLst>
           </p:cNvPr>
@@ -19402,8 +20755,8 @@
         </p:nvSpPr>
         <p:spPr>
           <a:xfrm>
-            <a:off x="2159223" y="4178340"/>
-            <a:ext cx="1045354" cy="544061"/>
+            <a:off x="9313370" y="1696614"/>
+            <a:ext cx="865210" cy="292717"/>
           </a:xfrm>
           <a:prstGeom prst="rect">
             <a:avLst/>
@@ -19439,7 +20792,7 @@
           <a:p>
             <a:pPr algn="ctr"/>
             <a:r>
-              <a:rPr lang="en-US" altLang="zh-CN" sz="1400" b="1" dirty="0">
+              <a:rPr lang="en-US" altLang="zh-CN" sz="1100" b="1" dirty="0">
                 <a:solidFill>
                   <a:schemeClr val="bg2">
                     <a:lumMod val="10000"/>
@@ -19449,7 +20802,7 @@
               </a:rPr>
               <a:t>end-host</a:t>
             </a:r>
-            <a:endParaRPr lang="zh-CN" altLang="en-US" sz="1400" b="1" dirty="0">
+            <a:endParaRPr lang="zh-CN" altLang="en-US" sz="1100" b="1" dirty="0">
               <a:solidFill>
                 <a:schemeClr val="bg2">
                   <a:lumMod val="10000"/>
@@ -19462,10 +20815,10 @@
       </p:sp>
       <p:sp>
         <p:nvSpPr>
-          <p:cNvPr id="346" name="矩形 345">
-            <a:extLst>
-              <a:ext uri="{FF2B5EF4-FFF2-40B4-BE49-F238E27FC236}">
-                <a16:creationId xmlns:a16="http://schemas.microsoft.com/office/drawing/2014/main" id="{64153BFB-0ABF-28E5-6A96-CC9A1F766A94}"/>
+          <p:cNvPr id="1078" name="矩形 1077">
+            <a:extLst>
+              <a:ext uri="{FF2B5EF4-FFF2-40B4-BE49-F238E27FC236}">
+                <a16:creationId xmlns:a16="http://schemas.microsoft.com/office/drawing/2014/main" id="{1B83A229-DF62-397A-ACBD-EB996F53952F}"/>
               </a:ext>
             </a:extLst>
           </p:cNvPr>
@@ -19474,8 +20827,8 @@
         </p:nvSpPr>
         <p:spPr>
           <a:xfrm>
-            <a:off x="2158678" y="3294027"/>
-            <a:ext cx="1045354" cy="544061"/>
+            <a:off x="9313370" y="2460468"/>
+            <a:ext cx="865210" cy="292717"/>
           </a:xfrm>
           <a:prstGeom prst="rect">
             <a:avLst/>
@@ -19511,7 +20864,7 @@
           <a:p>
             <a:pPr algn="ctr"/>
             <a:r>
-              <a:rPr lang="en-US" altLang="zh-CN" sz="1400" b="1" dirty="0">
+              <a:rPr lang="en-US" altLang="zh-CN" sz="1100" b="1" dirty="0">
                 <a:solidFill>
                   <a:schemeClr val="bg2">
                     <a:lumMod val="10000"/>
@@ -19521,7 +20874,7 @@
               </a:rPr>
               <a:t>end-host</a:t>
             </a:r>
-            <a:endParaRPr lang="zh-CN" altLang="en-US" sz="1400" b="1" dirty="0">
+            <a:endParaRPr lang="zh-CN" altLang="en-US" sz="1100" b="1" dirty="0">
               <a:solidFill>
                 <a:schemeClr val="bg2">
                   <a:lumMod val="10000"/>
@@ -19532,30 +20885,469 @@
           </a:p>
         </p:txBody>
       </p:sp>
+      <p:sp>
+        <p:nvSpPr>
+          <p:cNvPr id="1080" name="矩形 1079">
+            <a:extLst>
+              <a:ext uri="{FF2B5EF4-FFF2-40B4-BE49-F238E27FC236}">
+                <a16:creationId xmlns:a16="http://schemas.microsoft.com/office/drawing/2014/main" id="{82F0B3CB-4D8C-4172-D521-284C690ACD9D}"/>
+              </a:ext>
+            </a:extLst>
+          </p:cNvPr>
+          <p:cNvSpPr/>
+          <p:nvPr/>
+        </p:nvSpPr>
+        <p:spPr>
+          <a:xfrm>
+            <a:off x="9308519" y="3622911"/>
+            <a:ext cx="865210" cy="292717"/>
+          </a:xfrm>
+          <a:prstGeom prst="rect">
+            <a:avLst/>
+          </a:prstGeom>
+          <a:solidFill>
+            <a:srgbClr val="D9F7F5"/>
+          </a:solidFill>
+          <a:ln>
+            <a:solidFill>
+              <a:schemeClr val="tx1"/>
+            </a:solidFill>
+          </a:ln>
+        </p:spPr>
+        <p:style>
+          <a:lnRef idx="2">
+            <a:schemeClr val="accent1">
+              <a:shade val="50000"/>
+            </a:schemeClr>
+          </a:lnRef>
+          <a:fillRef idx="1">
+            <a:schemeClr val="accent1"/>
+          </a:fillRef>
+          <a:effectRef idx="0">
+            <a:schemeClr val="accent1"/>
+          </a:effectRef>
+          <a:fontRef idx="minor">
+            <a:schemeClr val="lt1"/>
+          </a:fontRef>
+        </p:style>
+        <p:txBody>
+          <a:bodyPr rtlCol="0" anchor="ctr"/>
+          <a:lstStyle/>
+          <a:p>
+            <a:pPr algn="ctr"/>
+            <a:r>
+              <a:rPr lang="en-US" altLang="zh-CN" sz="1100" b="1" dirty="0">
+                <a:solidFill>
+                  <a:schemeClr val="bg2">
+                    <a:lumMod val="10000"/>
+                  </a:schemeClr>
+                </a:solidFill>
+                <a:latin typeface="Consolas" panose="020B0609020204030204" pitchFamily="49" charset="0"/>
+              </a:rPr>
+              <a:t>end-host</a:t>
+            </a:r>
+            <a:endParaRPr lang="zh-CN" altLang="en-US" sz="1100" b="1" dirty="0">
+              <a:solidFill>
+                <a:schemeClr val="bg2">
+                  <a:lumMod val="10000"/>
+                </a:schemeClr>
+              </a:solidFill>
+              <a:latin typeface="Consolas" panose="020B0609020204030204" pitchFamily="49" charset="0"/>
+            </a:endParaRPr>
+          </a:p>
+        </p:txBody>
+      </p:sp>
+      <p:sp>
+        <p:nvSpPr>
+          <p:cNvPr id="1081" name="矩形 1080">
+            <a:extLst>
+              <a:ext uri="{FF2B5EF4-FFF2-40B4-BE49-F238E27FC236}">
+                <a16:creationId xmlns:a16="http://schemas.microsoft.com/office/drawing/2014/main" id="{77A9D253-F49C-351E-D965-7D936C8E5AA5}"/>
+              </a:ext>
+            </a:extLst>
+          </p:cNvPr>
+          <p:cNvSpPr/>
+          <p:nvPr/>
+        </p:nvSpPr>
+        <p:spPr>
+          <a:xfrm>
+            <a:off x="9308519" y="4353956"/>
+            <a:ext cx="865210" cy="292717"/>
+          </a:xfrm>
+          <a:prstGeom prst="rect">
+            <a:avLst/>
+          </a:prstGeom>
+          <a:solidFill>
+            <a:srgbClr val="D9F7F5"/>
+          </a:solidFill>
+          <a:ln>
+            <a:solidFill>
+              <a:schemeClr val="tx1"/>
+            </a:solidFill>
+          </a:ln>
+        </p:spPr>
+        <p:style>
+          <a:lnRef idx="2">
+            <a:schemeClr val="accent1">
+              <a:shade val="50000"/>
+            </a:schemeClr>
+          </a:lnRef>
+          <a:fillRef idx="1">
+            <a:schemeClr val="accent1"/>
+          </a:fillRef>
+          <a:effectRef idx="0">
+            <a:schemeClr val="accent1"/>
+          </a:effectRef>
+          <a:fontRef idx="minor">
+            <a:schemeClr val="lt1"/>
+          </a:fontRef>
+        </p:style>
+        <p:txBody>
+          <a:bodyPr rtlCol="0" anchor="ctr"/>
+          <a:lstStyle/>
+          <a:p>
+            <a:pPr algn="ctr"/>
+            <a:r>
+              <a:rPr lang="en-US" altLang="zh-CN" sz="1100" b="1" dirty="0">
+                <a:solidFill>
+                  <a:schemeClr val="bg2">
+                    <a:lumMod val="10000"/>
+                  </a:schemeClr>
+                </a:solidFill>
+                <a:latin typeface="Consolas" panose="020B0609020204030204" pitchFamily="49" charset="0"/>
+              </a:rPr>
+              <a:t>end-host</a:t>
+            </a:r>
+            <a:endParaRPr lang="zh-CN" altLang="en-US" sz="1100" b="1" dirty="0">
+              <a:solidFill>
+                <a:schemeClr val="bg2">
+                  <a:lumMod val="10000"/>
+                </a:schemeClr>
+              </a:solidFill>
+              <a:latin typeface="Consolas" panose="020B0609020204030204" pitchFamily="49" charset="0"/>
+            </a:endParaRPr>
+          </a:p>
+        </p:txBody>
+      </p:sp>
+      <p:sp>
+        <p:nvSpPr>
+          <p:cNvPr id="728" name="文本框 727">
+            <a:extLst>
+              <a:ext uri="{FF2B5EF4-FFF2-40B4-BE49-F238E27FC236}">
+                <a16:creationId xmlns:a16="http://schemas.microsoft.com/office/drawing/2014/main" id="{90005104-BFF5-74FA-DDF7-99B970E9D8F5}"/>
+              </a:ext>
+            </a:extLst>
+          </p:cNvPr>
+          <p:cNvSpPr txBox="1"/>
+          <p:nvPr/>
+        </p:nvSpPr>
+        <p:spPr>
+          <a:xfrm>
+            <a:off x="7347269" y="1063873"/>
+            <a:ext cx="850750" cy="430887"/>
+          </a:xfrm>
+          <a:prstGeom prst="rect">
+            <a:avLst/>
+          </a:prstGeom>
+          <a:noFill/>
+        </p:spPr>
+        <p:txBody>
+          <a:bodyPr wrap="square" rtlCol="0">
+            <a:spAutoFit/>
+          </a:bodyPr>
+          <a:lstStyle/>
+          <a:p>
+            <a:r>
+              <a:rPr lang="en-US" altLang="zh-CN" sz="1100" b="1" dirty="0"/>
+              <a:t>Cybertwin Controller</a:t>
+            </a:r>
+            <a:endParaRPr lang="zh-CN" altLang="en-US" sz="1100" b="1" dirty="0"/>
+          </a:p>
+        </p:txBody>
+      </p:sp>
+      <p:sp>
+        <p:nvSpPr>
+          <p:cNvPr id="729" name="文本框 728">
+            <a:extLst>
+              <a:ext uri="{FF2B5EF4-FFF2-40B4-BE49-F238E27FC236}">
+                <a16:creationId xmlns:a16="http://schemas.microsoft.com/office/drawing/2014/main" id="{97B6520C-7A76-94FC-E0E7-4262145E80F3}"/>
+              </a:ext>
+            </a:extLst>
+          </p:cNvPr>
+          <p:cNvSpPr txBox="1"/>
+          <p:nvPr/>
+        </p:nvSpPr>
+        <p:spPr>
+          <a:xfrm>
+            <a:off x="8258412" y="1227888"/>
+            <a:ext cx="835485" cy="261610"/>
+          </a:xfrm>
+          <a:prstGeom prst="rect">
+            <a:avLst/>
+          </a:prstGeom>
+          <a:noFill/>
+        </p:spPr>
+        <p:txBody>
+          <a:bodyPr wrap="none" rtlCol="0">
+            <a:spAutoFit/>
+          </a:bodyPr>
+          <a:lstStyle/>
+          <a:p>
+            <a:r>
+              <a:rPr lang="en-US" altLang="zh-CN" sz="1100" b="1" dirty="0"/>
+              <a:t>Cybertwin</a:t>
+            </a:r>
+            <a:endParaRPr lang="zh-CN" altLang="en-US" sz="1100" b="1" dirty="0"/>
+          </a:p>
+        </p:txBody>
+      </p:sp>
+      <p:sp>
+        <p:nvSpPr>
+          <p:cNvPr id="730" name="文本框 729">
+            <a:extLst>
+              <a:ext uri="{FF2B5EF4-FFF2-40B4-BE49-F238E27FC236}">
+                <a16:creationId xmlns:a16="http://schemas.microsoft.com/office/drawing/2014/main" id="{14E1CF4C-B330-066B-C3D0-AB18C7F8A268}"/>
+              </a:ext>
+            </a:extLst>
+          </p:cNvPr>
+          <p:cNvSpPr txBox="1"/>
+          <p:nvPr/>
+        </p:nvSpPr>
+        <p:spPr>
+          <a:xfrm>
+            <a:off x="8350481" y="1747650"/>
+            <a:ext cx="743263" cy="230832"/>
+          </a:xfrm>
+          <a:prstGeom prst="rect">
+            <a:avLst/>
+          </a:prstGeom>
+          <a:noFill/>
+          <a:ln>
+            <a:noFill/>
+          </a:ln>
+        </p:spPr>
+        <p:txBody>
+          <a:bodyPr wrap="square" rtlCol="0">
+            <a:spAutoFit/>
+          </a:bodyPr>
+          <a:lstStyle/>
+          <a:p>
+            <a:r>
+              <a:rPr lang="en-US" altLang="zh-CN" sz="900" b="1" dirty="0"/>
+              <a:t>110101</a:t>
+            </a:r>
+            <a:endParaRPr lang="zh-CN" altLang="en-US" sz="900" b="1" dirty="0"/>
+          </a:p>
+        </p:txBody>
+      </p:sp>
+      <p:sp>
+        <p:nvSpPr>
+          <p:cNvPr id="731" name="文本框 730">
+            <a:extLst>
+              <a:ext uri="{FF2B5EF4-FFF2-40B4-BE49-F238E27FC236}">
+                <a16:creationId xmlns:a16="http://schemas.microsoft.com/office/drawing/2014/main" id="{4236313B-C157-B537-5F74-B4A0CED24117}"/>
+              </a:ext>
+            </a:extLst>
+          </p:cNvPr>
+          <p:cNvSpPr txBox="1"/>
+          <p:nvPr/>
+        </p:nvSpPr>
+        <p:spPr>
+          <a:xfrm>
+            <a:off x="8359686" y="2667824"/>
+            <a:ext cx="743263" cy="230832"/>
+          </a:xfrm>
+          <a:prstGeom prst="rect">
+            <a:avLst/>
+          </a:prstGeom>
+          <a:noFill/>
+        </p:spPr>
+        <p:txBody>
+          <a:bodyPr wrap="square" rtlCol="0">
+            <a:spAutoFit/>
+          </a:bodyPr>
+          <a:lstStyle/>
+          <a:p>
+            <a:r>
+              <a:rPr lang="en-US" altLang="zh-CN" sz="900" b="1" dirty="0"/>
+              <a:t>101010</a:t>
+            </a:r>
+            <a:endParaRPr lang="zh-CN" altLang="en-US" sz="900" b="1" dirty="0"/>
+          </a:p>
+        </p:txBody>
+      </p:sp>
+      <p:sp>
+        <p:nvSpPr>
+          <p:cNvPr id="732" name="文本框 731">
+            <a:extLst>
+              <a:ext uri="{FF2B5EF4-FFF2-40B4-BE49-F238E27FC236}">
+                <a16:creationId xmlns:a16="http://schemas.microsoft.com/office/drawing/2014/main" id="{885FAE47-5784-D89D-DC0B-927B78D29A47}"/>
+              </a:ext>
+            </a:extLst>
+          </p:cNvPr>
+          <p:cNvSpPr txBox="1"/>
+          <p:nvPr/>
+        </p:nvSpPr>
+        <p:spPr>
+          <a:xfrm>
+            <a:off x="7612705" y="3678423"/>
+            <a:ext cx="743263" cy="230832"/>
+          </a:xfrm>
+          <a:prstGeom prst="rect">
+            <a:avLst/>
+          </a:prstGeom>
+          <a:noFill/>
+        </p:spPr>
+        <p:txBody>
+          <a:bodyPr wrap="square" rtlCol="0">
+            <a:spAutoFit/>
+          </a:bodyPr>
+          <a:lstStyle/>
+          <a:p>
+            <a:r>
+              <a:rPr lang="en-US" altLang="zh-CN" sz="900" b="1" dirty="0"/>
+              <a:t>100011</a:t>
+            </a:r>
+            <a:endParaRPr lang="zh-CN" altLang="en-US" sz="900" b="1" dirty="0"/>
+          </a:p>
+        </p:txBody>
+      </p:sp>
+      <p:sp>
+        <p:nvSpPr>
+          <p:cNvPr id="733" name="文本框 732">
+            <a:extLst>
+              <a:ext uri="{FF2B5EF4-FFF2-40B4-BE49-F238E27FC236}">
+                <a16:creationId xmlns:a16="http://schemas.microsoft.com/office/drawing/2014/main" id="{D825F739-31F6-B39B-E68E-11C22268EB4F}"/>
+              </a:ext>
+            </a:extLst>
+          </p:cNvPr>
+          <p:cNvSpPr txBox="1"/>
+          <p:nvPr/>
+        </p:nvSpPr>
+        <p:spPr>
+          <a:xfrm>
+            <a:off x="3631315" y="1759763"/>
+            <a:ext cx="743263" cy="230832"/>
+          </a:xfrm>
+          <a:prstGeom prst="rect">
+            <a:avLst/>
+          </a:prstGeom>
+          <a:noFill/>
+        </p:spPr>
+        <p:txBody>
+          <a:bodyPr wrap="square" rtlCol="0">
+            <a:spAutoFit/>
+          </a:bodyPr>
+          <a:lstStyle/>
+          <a:p>
+            <a:r>
+              <a:rPr lang="en-US" altLang="zh-CN" sz="900" b="1" dirty="0"/>
+              <a:t>111010</a:t>
+            </a:r>
+            <a:endParaRPr lang="zh-CN" altLang="en-US" sz="900" b="1" dirty="0"/>
+          </a:p>
+        </p:txBody>
+      </p:sp>
+      <p:sp>
+        <p:nvSpPr>
+          <p:cNvPr id="734" name="文本框 733">
+            <a:extLst>
+              <a:ext uri="{FF2B5EF4-FFF2-40B4-BE49-F238E27FC236}">
+                <a16:creationId xmlns:a16="http://schemas.microsoft.com/office/drawing/2014/main" id="{97FEC727-BE3E-00EA-70B8-00E4F9084B2F}"/>
+              </a:ext>
+            </a:extLst>
+          </p:cNvPr>
+          <p:cNvSpPr txBox="1"/>
+          <p:nvPr/>
+        </p:nvSpPr>
+        <p:spPr>
+          <a:xfrm>
+            <a:off x="3580126" y="3718413"/>
+            <a:ext cx="743263" cy="230832"/>
+          </a:xfrm>
+          <a:prstGeom prst="rect">
+            <a:avLst/>
+          </a:prstGeom>
+          <a:noFill/>
+        </p:spPr>
+        <p:txBody>
+          <a:bodyPr wrap="square" rtlCol="0">
+            <a:spAutoFit/>
+          </a:bodyPr>
+          <a:lstStyle/>
+          <a:p>
+            <a:r>
+              <a:rPr lang="en-US" altLang="zh-CN" sz="900" b="1" dirty="0"/>
+              <a:t>001100</a:t>
+            </a:r>
+            <a:endParaRPr lang="zh-CN" altLang="en-US" sz="900" b="1" dirty="0"/>
+          </a:p>
+        </p:txBody>
+      </p:sp>
+      <p:sp>
+        <p:nvSpPr>
+          <p:cNvPr id="736" name="文本框 735">
+            <a:extLst>
+              <a:ext uri="{FF2B5EF4-FFF2-40B4-BE49-F238E27FC236}">
+                <a16:creationId xmlns:a16="http://schemas.microsoft.com/office/drawing/2014/main" id="{144A74A1-49C7-5B99-8C18-F56F9FAE5A63}"/>
+              </a:ext>
+            </a:extLst>
+          </p:cNvPr>
+          <p:cNvSpPr txBox="1"/>
+          <p:nvPr/>
+        </p:nvSpPr>
+        <p:spPr>
+          <a:xfrm>
+            <a:off x="4939995" y="1094320"/>
+            <a:ext cx="2371060" cy="261610"/>
+          </a:xfrm>
+          <a:prstGeom prst="rect">
+            <a:avLst/>
+          </a:prstGeom>
+          <a:noFill/>
+        </p:spPr>
+        <p:txBody>
+          <a:bodyPr wrap="square">
+            <a:spAutoFit/>
+          </a:bodyPr>
+          <a:lstStyle/>
+          <a:p>
+            <a:r>
+              <a:rPr lang="en-US" altLang="zh-CN" sz="1050" b="1" dirty="0"/>
+              <a:t>Cybertwin Name Resolution Service</a:t>
+            </a:r>
+            <a:endParaRPr lang="zh-CN" altLang="en-US" sz="1050" b="1" dirty="0"/>
+          </a:p>
+        </p:txBody>
+      </p:sp>
       <p:cxnSp>
         <p:nvCxnSpPr>
-          <p:cNvPr id="347" name="直接连接符 346">
-            <a:extLst>
-              <a:ext uri="{FF2B5EF4-FFF2-40B4-BE49-F238E27FC236}">
-                <a16:creationId xmlns:a16="http://schemas.microsoft.com/office/drawing/2014/main" id="{A7086806-D740-162A-BB21-687966B7C203}"/>
+          <p:cNvPr id="743" name="直接箭头连接符 742">
+            <a:extLst>
+              <a:ext uri="{FF2B5EF4-FFF2-40B4-BE49-F238E27FC236}">
+                <a16:creationId xmlns:a16="http://schemas.microsoft.com/office/drawing/2014/main" id="{D2F2617C-8A71-B46E-36F3-F26A69506423}"/>
               </a:ext>
             </a:extLst>
           </p:cNvPr>
           <p:cNvCxnSpPr>
             <a:cxnSpLocks/>
-            <a:stCxn id="309" idx="3"/>
-            <a:endCxn id="293" idx="2"/>
           </p:cNvCxnSpPr>
           <p:nvPr/>
         </p:nvCxnSpPr>
         <p:spPr>
-          <a:xfrm>
-            <a:off x="3016693" y="1579927"/>
-            <a:ext cx="1069915" cy="764294"/>
-          </a:xfrm>
-          <a:prstGeom prst="line">
-            <a:avLst/>
-          </a:prstGeom>
+          <a:xfrm flipV="1">
+            <a:off x="5983185" y="2898656"/>
+            <a:ext cx="7389" cy="388284"/>
+          </a:xfrm>
+          <a:prstGeom prst="straightConnector1">
+            <a:avLst/>
+          </a:prstGeom>
+          <a:ln w="38100">
+            <a:solidFill>
+              <a:srgbClr val="002060"/>
+            </a:solidFill>
+            <a:tailEnd type="triangle"/>
+          </a:ln>
         </p:spPr>
         <p:style>
           <a:lnRef idx="1">
@@ -19574,268 +21366,32 @@
       </p:cxnSp>
       <p:cxnSp>
         <p:nvCxnSpPr>
-          <p:cNvPr id="350" name="直接连接符 349">
-            <a:extLst>
-              <a:ext uri="{FF2B5EF4-FFF2-40B4-BE49-F238E27FC236}">
-                <a16:creationId xmlns:a16="http://schemas.microsoft.com/office/drawing/2014/main" id="{A7313D46-F20B-4014-8D90-3AB3C4277A80}"/>
+          <p:cNvPr id="747" name="直接箭头连接符 746">
+            <a:extLst>
+              <a:ext uri="{FF2B5EF4-FFF2-40B4-BE49-F238E27FC236}">
+                <a16:creationId xmlns:a16="http://schemas.microsoft.com/office/drawing/2014/main" id="{F05E5DF3-7000-DE69-7008-C617E45DD18F}"/>
               </a:ext>
             </a:extLst>
           </p:cNvPr>
           <p:cNvCxnSpPr>
             <a:cxnSpLocks/>
-            <a:stCxn id="313" idx="3"/>
-            <a:endCxn id="293" idx="2"/>
           </p:cNvCxnSpPr>
           <p:nvPr/>
         </p:nvCxnSpPr>
         <p:spPr>
-          <a:xfrm flipV="1">
-            <a:off x="3204032" y="2344221"/>
-            <a:ext cx="882576" cy="242287"/>
-          </a:xfrm>
-          <a:prstGeom prst="line">
-            <a:avLst/>
-          </a:prstGeom>
-        </p:spPr>
-        <p:style>
-          <a:lnRef idx="1">
-            <a:schemeClr val="accent1"/>
-          </a:lnRef>
-          <a:fillRef idx="0">
-            <a:schemeClr val="accent1"/>
-          </a:fillRef>
-          <a:effectRef idx="0">
-            <a:schemeClr val="accent1"/>
-          </a:effectRef>
-          <a:fontRef idx="minor">
-            <a:schemeClr val="tx1"/>
-          </a:fontRef>
-        </p:style>
-      </p:cxnSp>
-      <p:cxnSp>
-        <p:nvCxnSpPr>
-          <p:cNvPr id="353" name="直接连接符 352">
-            <a:extLst>
-              <a:ext uri="{FF2B5EF4-FFF2-40B4-BE49-F238E27FC236}">
-                <a16:creationId xmlns:a16="http://schemas.microsoft.com/office/drawing/2014/main" id="{20288D38-734D-A21B-8F85-E25685FBC35B}"/>
-              </a:ext>
-            </a:extLst>
-          </p:cNvPr>
-          <p:cNvCxnSpPr>
-            <a:cxnSpLocks/>
-            <a:stCxn id="346" idx="3"/>
-            <a:endCxn id="318" idx="2"/>
-          </p:cNvCxnSpPr>
-          <p:nvPr/>
-        </p:nvCxnSpPr>
-        <p:spPr>
           <a:xfrm>
-            <a:off x="3204032" y="3566058"/>
-            <a:ext cx="882576" cy="316075"/>
-          </a:xfrm>
-          <a:prstGeom prst="line">
-            <a:avLst/>
-          </a:prstGeom>
-        </p:spPr>
-        <p:style>
-          <a:lnRef idx="1">
-            <a:schemeClr val="accent1"/>
-          </a:lnRef>
-          <a:fillRef idx="0">
-            <a:schemeClr val="accent1"/>
-          </a:fillRef>
-          <a:effectRef idx="0">
-            <a:schemeClr val="accent1"/>
-          </a:effectRef>
-          <a:fontRef idx="minor">
-            <a:schemeClr val="tx1"/>
-          </a:fontRef>
-        </p:style>
-      </p:cxnSp>
-      <p:cxnSp>
-        <p:nvCxnSpPr>
-          <p:cNvPr id="356" name="直接连接符 355">
-            <a:extLst>
-              <a:ext uri="{FF2B5EF4-FFF2-40B4-BE49-F238E27FC236}">
-                <a16:creationId xmlns:a16="http://schemas.microsoft.com/office/drawing/2014/main" id="{9638652D-5FC4-7CEB-BE6A-B63F1C8A66B9}"/>
-              </a:ext>
-            </a:extLst>
-          </p:cNvPr>
-          <p:cNvCxnSpPr>
-            <a:cxnSpLocks/>
-            <a:stCxn id="345" idx="3"/>
-            <a:endCxn id="318" idx="2"/>
-          </p:cNvCxnSpPr>
-          <p:nvPr/>
-        </p:nvCxnSpPr>
-        <p:spPr>
-          <a:xfrm flipV="1">
-            <a:off x="3204577" y="3882133"/>
-            <a:ext cx="882031" cy="568238"/>
-          </a:xfrm>
-          <a:prstGeom prst="line">
-            <a:avLst/>
-          </a:prstGeom>
-        </p:spPr>
-        <p:style>
-          <a:lnRef idx="1">
-            <a:schemeClr val="accent1"/>
-          </a:lnRef>
-          <a:fillRef idx="0">
-            <a:schemeClr val="accent1"/>
-          </a:fillRef>
-          <a:effectRef idx="0">
-            <a:schemeClr val="accent1"/>
-          </a:effectRef>
-          <a:fontRef idx="minor">
-            <a:schemeClr val="tx1"/>
-          </a:fontRef>
-        </p:style>
-      </p:cxnSp>
-      <p:cxnSp>
-        <p:nvCxnSpPr>
-          <p:cNvPr id="359" name="直接连接符 358">
-            <a:extLst>
-              <a:ext uri="{FF2B5EF4-FFF2-40B4-BE49-F238E27FC236}">
-                <a16:creationId xmlns:a16="http://schemas.microsoft.com/office/drawing/2014/main" id="{1EFC827F-1602-DAE7-3B2D-AB0D71B8CBD8}"/>
-              </a:ext>
-            </a:extLst>
-          </p:cNvPr>
-          <p:cNvCxnSpPr>
-            <a:cxnSpLocks/>
-            <a:stCxn id="314" idx="0"/>
-            <a:endCxn id="316" idx="1"/>
-          </p:cNvCxnSpPr>
-          <p:nvPr/>
-        </p:nvCxnSpPr>
-        <p:spPr>
-          <a:xfrm>
-            <a:off x="8346911" y="2280637"/>
-            <a:ext cx="627490" cy="305784"/>
-          </a:xfrm>
-          <a:prstGeom prst="line">
-            <a:avLst/>
-          </a:prstGeom>
-        </p:spPr>
-        <p:style>
-          <a:lnRef idx="1">
-            <a:schemeClr val="accent1"/>
-          </a:lnRef>
-          <a:fillRef idx="0">
-            <a:schemeClr val="accent1"/>
-          </a:fillRef>
-          <a:effectRef idx="0">
-            <a:schemeClr val="accent1"/>
-          </a:effectRef>
-          <a:fontRef idx="minor">
-            <a:schemeClr val="tx1"/>
-          </a:fontRef>
-        </p:style>
-      </p:cxnSp>
-      <p:cxnSp>
-        <p:nvCxnSpPr>
-          <p:cNvPr id="360" name="直接连接符 359">
-            <a:extLst>
-              <a:ext uri="{FF2B5EF4-FFF2-40B4-BE49-F238E27FC236}">
-                <a16:creationId xmlns:a16="http://schemas.microsoft.com/office/drawing/2014/main" id="{C472789C-7E8A-AC2A-D9D4-C05FDF0B1909}"/>
-              </a:ext>
-            </a:extLst>
-          </p:cNvPr>
-          <p:cNvCxnSpPr>
-            <a:cxnSpLocks/>
-            <a:stCxn id="314" idx="0"/>
-            <a:endCxn id="315" idx="1"/>
-          </p:cNvCxnSpPr>
-          <p:nvPr/>
-        </p:nvCxnSpPr>
-        <p:spPr>
-          <a:xfrm flipV="1">
-            <a:off x="8346911" y="1726284"/>
-            <a:ext cx="627490" cy="554353"/>
-          </a:xfrm>
-          <a:prstGeom prst="line">
-            <a:avLst/>
-          </a:prstGeom>
-        </p:spPr>
-        <p:style>
-          <a:lnRef idx="1">
-            <a:schemeClr val="accent1"/>
-          </a:lnRef>
-          <a:fillRef idx="0">
-            <a:schemeClr val="accent1"/>
-          </a:fillRef>
-          <a:effectRef idx="0">
-            <a:schemeClr val="accent1"/>
-          </a:effectRef>
-          <a:fontRef idx="minor">
-            <a:schemeClr val="tx1"/>
-          </a:fontRef>
-        </p:style>
-      </p:cxnSp>
-      <p:cxnSp>
-        <p:nvCxnSpPr>
-          <p:cNvPr id="365" name="直接连接符 364">
-            <a:extLst>
-              <a:ext uri="{FF2B5EF4-FFF2-40B4-BE49-F238E27FC236}">
-                <a16:creationId xmlns:a16="http://schemas.microsoft.com/office/drawing/2014/main" id="{9227BC07-C627-338A-28C0-2FDEB8CD2971}"/>
-              </a:ext>
-            </a:extLst>
-          </p:cNvPr>
-          <p:cNvCxnSpPr>
-            <a:cxnSpLocks/>
-            <a:stCxn id="319" idx="0"/>
-            <a:endCxn id="343" idx="1"/>
-          </p:cNvCxnSpPr>
-          <p:nvPr/>
-        </p:nvCxnSpPr>
-        <p:spPr>
-          <a:xfrm flipV="1">
-            <a:off x="8371963" y="3552437"/>
-            <a:ext cx="602438" cy="290717"/>
-          </a:xfrm>
-          <a:prstGeom prst="line">
-            <a:avLst/>
-          </a:prstGeom>
-        </p:spPr>
-        <p:style>
-          <a:lnRef idx="1">
-            <a:schemeClr val="accent1"/>
-          </a:lnRef>
-          <a:fillRef idx="0">
-            <a:schemeClr val="accent1"/>
-          </a:fillRef>
-          <a:effectRef idx="0">
-            <a:schemeClr val="accent1"/>
-          </a:effectRef>
-          <a:fontRef idx="minor">
-            <a:schemeClr val="tx1"/>
-          </a:fontRef>
-        </p:style>
-      </p:cxnSp>
-      <p:cxnSp>
-        <p:nvCxnSpPr>
-          <p:cNvPr id="369" name="直接连接符 368">
-            <a:extLst>
-              <a:ext uri="{FF2B5EF4-FFF2-40B4-BE49-F238E27FC236}">
-                <a16:creationId xmlns:a16="http://schemas.microsoft.com/office/drawing/2014/main" id="{D55A04AE-0107-EA89-5919-0DDDA10E9D54}"/>
-              </a:ext>
-            </a:extLst>
-          </p:cNvPr>
-          <p:cNvCxnSpPr>
-            <a:cxnSpLocks/>
-            <a:stCxn id="319" idx="0"/>
-            <a:endCxn id="344" idx="1"/>
-          </p:cNvCxnSpPr>
-          <p:nvPr/>
-        </p:nvCxnSpPr>
-        <p:spPr>
-          <a:xfrm>
-            <a:off x="8371963" y="3843154"/>
-            <a:ext cx="619612" cy="600091"/>
-          </a:xfrm>
-          <a:prstGeom prst="line">
-            <a:avLst/>
-          </a:prstGeom>
+            <a:off x="6264169" y="2930055"/>
+            <a:ext cx="0" cy="389665"/>
+          </a:xfrm>
+          <a:prstGeom prst="straightConnector1">
+            <a:avLst/>
+          </a:prstGeom>
+          <a:ln w="38100">
+            <a:solidFill>
+              <a:srgbClr val="92D050"/>
+            </a:solidFill>
+            <a:tailEnd type="triangle"/>
+          </a:ln>
         </p:spPr>
         <p:style>
           <a:lnRef idx="1">
@@ -19854,10 +21410,10 @@
       </p:cxnSp>
       <p:pic>
         <p:nvPicPr>
-          <p:cNvPr id="500" name="图形 499" descr="用户 纯色填充">
-            <a:extLst>
-              <a:ext uri="{FF2B5EF4-FFF2-40B4-BE49-F238E27FC236}">
-                <a16:creationId xmlns:a16="http://schemas.microsoft.com/office/drawing/2014/main" id="{890E8601-277C-F641-DD00-A1FDD9B19033}"/>
+          <p:cNvPr id="756" name="图片 755">
+            <a:extLst>
+              <a:ext uri="{FF2B5EF4-FFF2-40B4-BE49-F238E27FC236}">
+                <a16:creationId xmlns:a16="http://schemas.microsoft.com/office/drawing/2014/main" id="{17BA5BA5-6476-947C-DCFD-35C36A002620}"/>
               </a:ext>
             </a:extLst>
           </p:cNvPr>
@@ -19867,33 +21423,63 @@
           <p:nvPr/>
         </p:nvPicPr>
         <p:blipFill>
-          <a:blip r:embed="rId2">
-            <a:extLst>
-              <a:ext uri="{96DAC541-7B7A-43D3-8B79-37D633B846F1}">
-                <asvg:svgBlip xmlns:asvg="http://schemas.microsoft.com/office/drawing/2016/SVG/main" r:embed="rId3"/>
-              </a:ext>
-            </a:extLst>
-          </a:blip>
+          <a:blip r:embed="rId5"/>
           <a:stretch>
             <a:fillRect/>
           </a:stretch>
         </p:blipFill>
         <p:spPr>
           <a:xfrm>
-            <a:off x="7483682" y="3037286"/>
-            <a:ext cx="486239" cy="486239"/>
+            <a:off x="5933641" y="3906150"/>
+            <a:ext cx="524964" cy="516761"/>
           </a:xfrm>
           <a:prstGeom prst="rect">
             <a:avLst/>
           </a:prstGeom>
         </p:spPr>
       </p:pic>
+      <p:sp>
+        <p:nvSpPr>
+          <p:cNvPr id="757" name="文本框 756">
+            <a:extLst>
+              <a:ext uri="{FF2B5EF4-FFF2-40B4-BE49-F238E27FC236}">
+                <a16:creationId xmlns:a16="http://schemas.microsoft.com/office/drawing/2014/main" id="{97299C34-491E-8F08-AFC1-D17DB6866156}"/>
+              </a:ext>
+            </a:extLst>
+          </p:cNvPr>
+          <p:cNvSpPr txBox="1"/>
+          <p:nvPr/>
+        </p:nvSpPr>
+        <p:spPr>
+          <a:xfrm>
+            <a:off x="5585500" y="4468274"/>
+            <a:ext cx="1205113" cy="253916"/>
+          </a:xfrm>
+          <a:prstGeom prst="rect">
+            <a:avLst/>
+          </a:prstGeom>
+          <a:noFill/>
+        </p:spPr>
+        <p:txBody>
+          <a:bodyPr wrap="square">
+            <a:spAutoFit/>
+          </a:bodyPr>
+          <a:lstStyle/>
+          <a:p>
+            <a:r>
+              <a:rPr lang="en-US" altLang="zh-CN" sz="1050" b="1" dirty="0"/>
+              <a:t>Data Server App</a:t>
+            </a:r>
+            <a:endParaRPr lang="zh-CN" altLang="en-US" sz="1050" b="1" dirty="0"/>
+          </a:p>
+        </p:txBody>
+      </p:sp>
       <p:pic>
         <p:nvPicPr>
-          <p:cNvPr id="709" name="图形 708" descr="用户 纯色填充">
-            <a:extLst>
-              <a:ext uri="{FF2B5EF4-FFF2-40B4-BE49-F238E27FC236}">
-                <a16:creationId xmlns:a16="http://schemas.microsoft.com/office/drawing/2014/main" id="{4B460CC0-D035-1267-0916-0735CC4DE20B}"/>
+          <p:cNvPr id="759" name="图片 758">
+            <a:extLst>
+              <a:ext uri="{FF2B5EF4-FFF2-40B4-BE49-F238E27FC236}">
+                <a16:creationId xmlns:a16="http://schemas.microsoft.com/office/drawing/2014/main" id="{969F595C-2819-9B9A-2435-B2D817BB12AE}"/>
               </a:ext>
             </a:extLst>
           </p:cNvPr>
@@ -19903,33 +21489,63 @@
           <p:nvPr/>
         </p:nvPicPr>
         <p:blipFill>
-          <a:blip r:embed="rId2">
-            <a:extLst>
-              <a:ext uri="{96DAC541-7B7A-43D3-8B79-37D633B846F1}">
-                <asvg:svgBlip xmlns:asvg="http://schemas.microsoft.com/office/drawing/2016/SVG/main" r:embed="rId3"/>
-              </a:ext>
-            </a:extLst>
-          </a:blip>
+          <a:blip r:embed="rId6"/>
           <a:stretch>
             <a:fillRect/>
           </a:stretch>
         </p:blipFill>
         <p:spPr>
           <a:xfrm>
-            <a:off x="7483681" y="1433568"/>
-            <a:ext cx="486239" cy="486239"/>
+            <a:off x="2071904" y="1118441"/>
+            <a:ext cx="396267" cy="388527"/>
           </a:xfrm>
           <a:prstGeom prst="rect">
             <a:avLst/>
           </a:prstGeom>
         </p:spPr>
       </p:pic>
+      <p:sp>
+        <p:nvSpPr>
+          <p:cNvPr id="760" name="文本框 759">
+            <a:extLst>
+              <a:ext uri="{FF2B5EF4-FFF2-40B4-BE49-F238E27FC236}">
+                <a16:creationId xmlns:a16="http://schemas.microsoft.com/office/drawing/2014/main" id="{AD74137E-05D4-2522-1F68-7766088959B7}"/>
+              </a:ext>
+            </a:extLst>
+          </p:cNvPr>
+          <p:cNvSpPr txBox="1"/>
+          <p:nvPr/>
+        </p:nvSpPr>
+        <p:spPr>
+          <a:xfrm>
+            <a:off x="1749623" y="1461468"/>
+            <a:ext cx="1205113" cy="253916"/>
+          </a:xfrm>
+          <a:prstGeom prst="rect">
+            <a:avLst/>
+          </a:prstGeom>
+          <a:noFill/>
+        </p:spPr>
+        <p:txBody>
+          <a:bodyPr wrap="square">
+            <a:spAutoFit/>
+          </a:bodyPr>
+          <a:lstStyle/>
+          <a:p>
+            <a:r>
+              <a:rPr lang="en-US" altLang="zh-CN" sz="1050" b="1" dirty="0"/>
+              <a:t>Download App</a:t>
+            </a:r>
+            <a:endParaRPr lang="zh-CN" altLang="en-US" sz="1050" b="1" dirty="0"/>
+          </a:p>
+        </p:txBody>
+      </p:sp>
       <p:pic>
         <p:nvPicPr>
-          <p:cNvPr id="710" name="图形 709" descr="用户 纯色填充">
-            <a:extLst>
-              <a:ext uri="{FF2B5EF4-FFF2-40B4-BE49-F238E27FC236}">
-                <a16:creationId xmlns:a16="http://schemas.microsoft.com/office/drawing/2014/main" id="{BCBAA454-14BB-CF95-7F0C-B74471D8939C}"/>
+          <p:cNvPr id="762" name="图片 761">
+            <a:extLst>
+              <a:ext uri="{FF2B5EF4-FFF2-40B4-BE49-F238E27FC236}">
+                <a16:creationId xmlns:a16="http://schemas.microsoft.com/office/drawing/2014/main" id="{BC52975F-301F-AB5A-C241-910DBA24381B}"/>
               </a:ext>
             </a:extLst>
           </p:cNvPr>
@@ -19939,63 +21555,57 @@
           <p:nvPr/>
         </p:nvPicPr>
         <p:blipFill>
-          <a:blip r:embed="rId2">
-            <a:extLst>
-              <a:ext uri="{96DAC541-7B7A-43D3-8B79-37D633B846F1}">
-                <asvg:svgBlip xmlns:asvg="http://schemas.microsoft.com/office/drawing/2016/SVG/main" r:embed="rId3"/>
-              </a:ext>
-            </a:extLst>
-          </a:blip>
+          <a:blip r:embed="rId7"/>
           <a:stretch>
             <a:fillRect/>
           </a:stretch>
         </p:blipFill>
         <p:spPr>
           <a:xfrm>
-            <a:off x="4062047" y="1476047"/>
-            <a:ext cx="486239" cy="486239"/>
+            <a:off x="9520956" y="1094320"/>
+            <a:ext cx="440335" cy="399054"/>
           </a:xfrm>
           <a:prstGeom prst="rect">
             <a:avLst/>
           </a:prstGeom>
         </p:spPr>
       </p:pic>
-      <p:pic>
-        <p:nvPicPr>
-          <p:cNvPr id="711" name="图形 710" descr="用户 纯色填充">
-            <a:extLst>
-              <a:ext uri="{FF2B5EF4-FFF2-40B4-BE49-F238E27FC236}">
-                <a16:creationId xmlns:a16="http://schemas.microsoft.com/office/drawing/2014/main" id="{F2AC4B08-4A1A-D439-BBE3-1EF6BD9D8A81}"/>
-              </a:ext>
-            </a:extLst>
-          </p:cNvPr>
-          <p:cNvPicPr>
-            <a:picLocks noChangeAspect="1"/>
-          </p:cNvPicPr>
-          <p:nvPr/>
-        </p:nvPicPr>
-        <p:blipFill>
-          <a:blip r:embed="rId2">
-            <a:extLst>
-              <a:ext uri="{96DAC541-7B7A-43D3-8B79-37D633B846F1}">
-                <asvg:svgBlip xmlns:asvg="http://schemas.microsoft.com/office/drawing/2016/SVG/main" r:embed="rId3"/>
-              </a:ext>
-            </a:extLst>
-          </a:blip>
-          <a:stretch>
-            <a:fillRect/>
-          </a:stretch>
-        </p:blipFill>
+      <p:sp>
+        <p:nvSpPr>
+          <p:cNvPr id="763" name="文本框 762">
+            <a:extLst>
+              <a:ext uri="{FF2B5EF4-FFF2-40B4-BE49-F238E27FC236}">
+                <a16:creationId xmlns:a16="http://schemas.microsoft.com/office/drawing/2014/main" id="{B88B5022-8F31-244E-3F21-091DB6886C66}"/>
+              </a:ext>
+            </a:extLst>
+          </p:cNvPr>
+          <p:cNvSpPr txBox="1"/>
+          <p:nvPr/>
+        </p:nvSpPr>
         <p:spPr>
           <a:xfrm>
-            <a:off x="4086609" y="3037286"/>
-            <a:ext cx="486239" cy="486239"/>
+            <a:off x="9283758" y="1439537"/>
+            <a:ext cx="1205113" cy="253916"/>
           </a:xfrm>
           <a:prstGeom prst="rect">
             <a:avLst/>
           </a:prstGeom>
-        </p:spPr>
-      </p:pic>
+          <a:noFill/>
+        </p:spPr>
+        <p:txBody>
+          <a:bodyPr wrap="square">
+            <a:spAutoFit/>
+          </a:bodyPr>
+          <a:lstStyle/>
+          <a:p>
+            <a:r>
+              <a:rPr lang="en-US" altLang="zh-CN" sz="1050" b="1" dirty="0"/>
+              <a:t>Upload App</a:t>
+            </a:r>
+            <a:endParaRPr lang="zh-CN" altLang="en-US" sz="1050" b="1" dirty="0"/>
+          </a:p>
+        </p:txBody>
+      </p:sp>
     </p:spTree>
     <p:extLst>
       <p:ext uri="{BB962C8B-B14F-4D97-AF65-F5344CB8AC3E}">
@@ -21242,7 +22852,7 @@
         </p:nvSpPr>
         <p:spPr>
           <a:xfrm>
-            <a:off x="5747143" y="1254704"/>
+            <a:off x="5747143" y="1263860"/>
             <a:ext cx="865210" cy="292716"/>
           </a:xfrm>
           <a:prstGeom prst="rect">
@@ -21458,7 +23068,7 @@
         </p:nvSpPr>
         <p:spPr>
           <a:xfrm>
-            <a:off x="5808475" y="3014605"/>
+            <a:off x="5808475" y="3062289"/>
             <a:ext cx="865210" cy="292716"/>
           </a:xfrm>
           <a:prstGeom prst="rect">
@@ -21534,8 +23144,8 @@
         </p:nvCxnSpPr>
         <p:spPr>
           <a:xfrm flipH="1">
-            <a:off x="5403012" y="1401062"/>
-            <a:ext cx="344131" cy="246993"/>
+            <a:off x="5403012" y="1410218"/>
+            <a:ext cx="344131" cy="237837"/>
           </a:xfrm>
           <a:prstGeom prst="line">
             <a:avLst/>
@@ -21655,7 +23265,7 @@
         <p:spPr>
           <a:xfrm flipH="1" flipV="1">
             <a:off x="5403012" y="2915931"/>
-            <a:ext cx="405463" cy="245032"/>
+            <a:ext cx="405463" cy="292716"/>
           </a:xfrm>
           <a:prstGeom prst="line">
             <a:avLst/>
@@ -24970,8 +26580,8 @@
             <a:srgbClr val="C6CA99"/>
           </a:solidFill>
         </p:grpSpPr>
-        <mc:AlternateContent xmlns:mc="http://schemas.openxmlformats.org/markup-compatibility/2006">
-          <mc:Choice xmlns:p14="http://schemas.microsoft.com/office/powerpoint/2010/main" Requires="p14">
+        <mc:AlternateContent xmlns:mc="http://schemas.openxmlformats.org/markup-compatibility/2006" xmlns:p14="http://schemas.microsoft.com/office/powerpoint/2010/main">
+          <mc:Choice Requires="p14">
             <p:contentPart p14:bwMode="auto" r:id="rId2">
               <p14:nvContentPartPr>
                 <p14:cNvPr id="16" name="墨迹 15">
@@ -24990,7 +26600,7 @@
               </p14:xfrm>
             </p:contentPart>
           </mc:Choice>
-          <mc:Fallback>
+          <mc:Fallback xmlns="">
             <p:pic>
               <p:nvPicPr>
                 <p:cNvPr id="16" name="墨迹 15">
@@ -26319,133 +27929,1932 @@
           <a:chExt cx="0" cy="0"/>
         </a:xfrm>
       </p:grpSpPr>
+      <p:cxnSp>
+        <p:nvCxnSpPr>
+          <p:cNvPr id="3" name="直接连接符 2">
+            <a:extLst>
+              <a:ext uri="{FF2B5EF4-FFF2-40B4-BE49-F238E27FC236}">
+                <a16:creationId xmlns:a16="http://schemas.microsoft.com/office/drawing/2014/main" id="{337FBB39-1540-B8D9-EBAF-A9E06D32072E}"/>
+              </a:ext>
+            </a:extLst>
+          </p:cNvPr>
+          <p:cNvCxnSpPr>
+            <a:cxnSpLocks/>
+          </p:cNvCxnSpPr>
+          <p:nvPr/>
+        </p:nvCxnSpPr>
+        <p:spPr>
+          <a:xfrm>
+            <a:off x="1770434" y="544749"/>
+            <a:ext cx="0" cy="3949430"/>
+          </a:xfrm>
+          <a:prstGeom prst="line">
+            <a:avLst/>
+          </a:prstGeom>
+          <a:ln w="28575">
+            <a:solidFill>
+              <a:schemeClr val="tx1"/>
+            </a:solidFill>
+          </a:ln>
+        </p:spPr>
+        <p:style>
+          <a:lnRef idx="1">
+            <a:schemeClr val="accent1"/>
+          </a:lnRef>
+          <a:fillRef idx="0">
+            <a:schemeClr val="accent1"/>
+          </a:fillRef>
+          <a:effectRef idx="0">
+            <a:schemeClr val="accent1"/>
+          </a:effectRef>
+          <a:fontRef idx="minor">
+            <a:schemeClr val="tx1"/>
+          </a:fontRef>
+        </p:style>
+      </p:cxnSp>
+      <p:cxnSp>
+        <p:nvCxnSpPr>
+          <p:cNvPr id="48" name="直接连接符 47">
+            <a:extLst>
+              <a:ext uri="{FF2B5EF4-FFF2-40B4-BE49-F238E27FC236}">
+                <a16:creationId xmlns:a16="http://schemas.microsoft.com/office/drawing/2014/main" id="{15CF8ABA-3532-9602-F26A-3D1E901BF394}"/>
+              </a:ext>
+            </a:extLst>
+          </p:cNvPr>
+          <p:cNvCxnSpPr>
+            <a:cxnSpLocks/>
+          </p:cNvCxnSpPr>
+          <p:nvPr/>
+        </p:nvCxnSpPr>
+        <p:spPr>
+          <a:xfrm flipH="1">
+            <a:off x="4646572" y="544749"/>
+            <a:ext cx="7" cy="3949430"/>
+          </a:xfrm>
+          <a:prstGeom prst="line">
+            <a:avLst/>
+          </a:prstGeom>
+          <a:ln w="28575">
+            <a:solidFill>
+              <a:schemeClr val="tx1"/>
+            </a:solidFill>
+          </a:ln>
+        </p:spPr>
+        <p:style>
+          <a:lnRef idx="1">
+            <a:schemeClr val="accent1"/>
+          </a:lnRef>
+          <a:fillRef idx="0">
+            <a:schemeClr val="accent1"/>
+          </a:fillRef>
+          <a:effectRef idx="0">
+            <a:schemeClr val="accent1"/>
+          </a:effectRef>
+          <a:fontRef idx="minor">
+            <a:schemeClr val="tx1"/>
+          </a:fontRef>
+        </p:style>
+      </p:cxnSp>
+      <p:cxnSp>
+        <p:nvCxnSpPr>
+          <p:cNvPr id="50" name="直接箭头连接符 49">
+            <a:extLst>
+              <a:ext uri="{FF2B5EF4-FFF2-40B4-BE49-F238E27FC236}">
+                <a16:creationId xmlns:a16="http://schemas.microsoft.com/office/drawing/2014/main" id="{48B4D9EE-2F49-1C47-A71A-6DCD452B6F62}"/>
+              </a:ext>
+            </a:extLst>
+          </p:cNvPr>
+          <p:cNvCxnSpPr/>
+          <p:nvPr/>
+        </p:nvCxnSpPr>
+        <p:spPr>
+          <a:xfrm>
+            <a:off x="1770434" y="856034"/>
+            <a:ext cx="2876145" cy="311285"/>
+          </a:xfrm>
+          <a:prstGeom prst="straightConnector1">
+            <a:avLst/>
+          </a:prstGeom>
+          <a:ln>
+            <a:tailEnd type="triangle"/>
+          </a:ln>
+        </p:spPr>
+        <p:style>
+          <a:lnRef idx="1">
+            <a:schemeClr val="accent1"/>
+          </a:lnRef>
+          <a:fillRef idx="0">
+            <a:schemeClr val="accent1"/>
+          </a:fillRef>
+          <a:effectRef idx="0">
+            <a:schemeClr val="accent1"/>
+          </a:effectRef>
+          <a:fontRef idx="minor">
+            <a:schemeClr val="tx1"/>
+          </a:fontRef>
+        </p:style>
+      </p:cxnSp>
+      <p:cxnSp>
+        <p:nvCxnSpPr>
+          <p:cNvPr id="51" name="直接箭头连接符 50">
+            <a:extLst>
+              <a:ext uri="{FF2B5EF4-FFF2-40B4-BE49-F238E27FC236}">
+                <a16:creationId xmlns:a16="http://schemas.microsoft.com/office/drawing/2014/main" id="{EBA101FD-023F-A1F2-1B64-C7B23EE2E30D}"/>
+              </a:ext>
+            </a:extLst>
+          </p:cNvPr>
+          <p:cNvCxnSpPr/>
+          <p:nvPr/>
+        </p:nvCxnSpPr>
+        <p:spPr>
+          <a:xfrm>
+            <a:off x="1770434" y="1167319"/>
+            <a:ext cx="2876145" cy="311285"/>
+          </a:xfrm>
+          <a:prstGeom prst="straightConnector1">
+            <a:avLst/>
+          </a:prstGeom>
+          <a:ln>
+            <a:tailEnd type="triangle"/>
+          </a:ln>
+        </p:spPr>
+        <p:style>
+          <a:lnRef idx="1">
+            <a:schemeClr val="accent1"/>
+          </a:lnRef>
+          <a:fillRef idx="0">
+            <a:schemeClr val="accent1"/>
+          </a:fillRef>
+          <a:effectRef idx="0">
+            <a:schemeClr val="accent1"/>
+          </a:effectRef>
+          <a:fontRef idx="minor">
+            <a:schemeClr val="tx1"/>
+          </a:fontRef>
+        </p:style>
+      </p:cxnSp>
+      <p:cxnSp>
+        <p:nvCxnSpPr>
+          <p:cNvPr id="52" name="直接箭头连接符 51">
+            <a:extLst>
+              <a:ext uri="{FF2B5EF4-FFF2-40B4-BE49-F238E27FC236}">
+                <a16:creationId xmlns:a16="http://schemas.microsoft.com/office/drawing/2014/main" id="{A4B4B002-2726-35C0-0DBB-F682303F368F}"/>
+              </a:ext>
+            </a:extLst>
+          </p:cNvPr>
+          <p:cNvCxnSpPr>
+            <a:cxnSpLocks/>
+          </p:cNvCxnSpPr>
+          <p:nvPr/>
+        </p:nvCxnSpPr>
+        <p:spPr>
+          <a:xfrm flipH="1">
+            <a:off x="1770433" y="1167319"/>
+            <a:ext cx="2876145" cy="554477"/>
+          </a:xfrm>
+          <a:prstGeom prst="straightConnector1">
+            <a:avLst/>
+          </a:prstGeom>
+          <a:ln>
+            <a:tailEnd type="triangle"/>
+          </a:ln>
+        </p:spPr>
+        <p:style>
+          <a:lnRef idx="1">
+            <a:schemeClr val="accent1"/>
+          </a:lnRef>
+          <a:fillRef idx="0">
+            <a:schemeClr val="accent1"/>
+          </a:fillRef>
+          <a:effectRef idx="0">
+            <a:schemeClr val="accent1"/>
+          </a:effectRef>
+          <a:fontRef idx="minor">
+            <a:schemeClr val="tx1"/>
+          </a:fontRef>
+        </p:style>
+      </p:cxnSp>
+      <p:cxnSp>
+        <p:nvCxnSpPr>
+          <p:cNvPr id="56" name="直接箭头连接符 55">
+            <a:extLst>
+              <a:ext uri="{FF2B5EF4-FFF2-40B4-BE49-F238E27FC236}">
+                <a16:creationId xmlns:a16="http://schemas.microsoft.com/office/drawing/2014/main" id="{DE009A10-CC46-C394-4136-29F97F9EF434}"/>
+              </a:ext>
+            </a:extLst>
+          </p:cNvPr>
+          <p:cNvCxnSpPr>
+            <a:cxnSpLocks/>
+          </p:cNvCxnSpPr>
+          <p:nvPr/>
+        </p:nvCxnSpPr>
+        <p:spPr>
+          <a:xfrm flipH="1">
+            <a:off x="1770432" y="1478604"/>
+            <a:ext cx="2876145" cy="554477"/>
+          </a:xfrm>
+          <a:prstGeom prst="straightConnector1">
+            <a:avLst/>
+          </a:prstGeom>
+          <a:ln>
+            <a:tailEnd type="triangle"/>
+          </a:ln>
+        </p:spPr>
+        <p:style>
+          <a:lnRef idx="1">
+            <a:schemeClr val="accent1"/>
+          </a:lnRef>
+          <a:fillRef idx="0">
+            <a:schemeClr val="accent1"/>
+          </a:fillRef>
+          <a:effectRef idx="0">
+            <a:schemeClr val="accent1"/>
+          </a:effectRef>
+          <a:fontRef idx="minor">
+            <a:schemeClr val="tx1"/>
+          </a:fontRef>
+        </p:style>
+      </p:cxnSp>
+      <p:cxnSp>
+        <p:nvCxnSpPr>
+          <p:cNvPr id="57" name="直接箭头连接符 56">
+            <a:extLst>
+              <a:ext uri="{FF2B5EF4-FFF2-40B4-BE49-F238E27FC236}">
+                <a16:creationId xmlns:a16="http://schemas.microsoft.com/office/drawing/2014/main" id="{A541ED0B-A040-B228-A6F1-B37FEC8716C5}"/>
+              </a:ext>
+            </a:extLst>
+          </p:cNvPr>
+          <p:cNvCxnSpPr/>
+          <p:nvPr/>
+        </p:nvCxnSpPr>
+        <p:spPr>
+          <a:xfrm>
+            <a:off x="1770431" y="2207283"/>
+            <a:ext cx="2876145" cy="311285"/>
+          </a:xfrm>
+          <a:prstGeom prst="straightConnector1">
+            <a:avLst/>
+          </a:prstGeom>
+          <a:ln>
+            <a:tailEnd type="triangle"/>
+          </a:ln>
+        </p:spPr>
+        <p:style>
+          <a:lnRef idx="1">
+            <a:schemeClr val="accent1"/>
+          </a:lnRef>
+          <a:fillRef idx="0">
+            <a:schemeClr val="accent1"/>
+          </a:fillRef>
+          <a:effectRef idx="0">
+            <a:schemeClr val="accent1"/>
+          </a:effectRef>
+          <a:fontRef idx="minor">
+            <a:schemeClr val="tx1"/>
+          </a:fontRef>
+        </p:style>
+      </p:cxnSp>
+      <p:cxnSp>
+        <p:nvCxnSpPr>
+          <p:cNvPr id="58" name="直接箭头连接符 57">
+            <a:extLst>
+              <a:ext uri="{FF2B5EF4-FFF2-40B4-BE49-F238E27FC236}">
+                <a16:creationId xmlns:a16="http://schemas.microsoft.com/office/drawing/2014/main" id="{1B8D3A41-E103-72AC-4E50-984D6C37912E}"/>
+              </a:ext>
+            </a:extLst>
+          </p:cNvPr>
+          <p:cNvCxnSpPr>
+            <a:cxnSpLocks/>
+          </p:cNvCxnSpPr>
+          <p:nvPr/>
+        </p:nvCxnSpPr>
+        <p:spPr>
+          <a:xfrm flipH="1">
+            <a:off x="1781027" y="2553846"/>
+            <a:ext cx="2836491" cy="251201"/>
+          </a:xfrm>
+          <a:prstGeom prst="straightConnector1">
+            <a:avLst/>
+          </a:prstGeom>
+          <a:ln>
+            <a:tailEnd type="triangle"/>
+          </a:ln>
+        </p:spPr>
+        <p:style>
+          <a:lnRef idx="1">
+            <a:schemeClr val="accent1"/>
+          </a:lnRef>
+          <a:fillRef idx="0">
+            <a:schemeClr val="accent1"/>
+          </a:fillRef>
+          <a:effectRef idx="0">
+            <a:schemeClr val="accent1"/>
+          </a:effectRef>
+          <a:fontRef idx="minor">
+            <a:schemeClr val="tx1"/>
+          </a:fontRef>
+        </p:style>
+      </p:cxnSp>
+      <p:cxnSp>
+        <p:nvCxnSpPr>
+          <p:cNvPr id="63" name="直接箭头连接符 62">
+            <a:extLst>
+              <a:ext uri="{FF2B5EF4-FFF2-40B4-BE49-F238E27FC236}">
+                <a16:creationId xmlns:a16="http://schemas.microsoft.com/office/drawing/2014/main" id="{31EC815D-9A6B-6F8F-AF98-C8B569B26142}"/>
+              </a:ext>
+            </a:extLst>
+          </p:cNvPr>
+          <p:cNvCxnSpPr/>
+          <p:nvPr/>
+        </p:nvCxnSpPr>
+        <p:spPr>
+          <a:xfrm>
+            <a:off x="1781027" y="3267289"/>
+            <a:ext cx="2876145" cy="311285"/>
+          </a:xfrm>
+          <a:prstGeom prst="straightConnector1">
+            <a:avLst/>
+          </a:prstGeom>
+          <a:ln>
+            <a:tailEnd type="triangle"/>
+          </a:ln>
+        </p:spPr>
+        <p:style>
+          <a:lnRef idx="1">
+            <a:schemeClr val="accent1"/>
+          </a:lnRef>
+          <a:fillRef idx="0">
+            <a:schemeClr val="accent1"/>
+          </a:fillRef>
+          <a:effectRef idx="0">
+            <a:schemeClr val="accent1"/>
+          </a:effectRef>
+          <a:fontRef idx="minor">
+            <a:schemeClr val="tx1"/>
+          </a:fontRef>
+        </p:style>
+      </p:cxnSp>
+      <p:cxnSp>
+        <p:nvCxnSpPr>
+          <p:cNvPr id="64" name="直接箭头连接符 63">
+            <a:extLst>
+              <a:ext uri="{FF2B5EF4-FFF2-40B4-BE49-F238E27FC236}">
+                <a16:creationId xmlns:a16="http://schemas.microsoft.com/office/drawing/2014/main" id="{DF6D5FD7-0D74-A223-943C-BA2994AD506F}"/>
+              </a:ext>
+            </a:extLst>
+          </p:cNvPr>
+          <p:cNvCxnSpPr>
+            <a:cxnSpLocks/>
+          </p:cNvCxnSpPr>
+          <p:nvPr/>
+        </p:nvCxnSpPr>
+        <p:spPr>
+          <a:xfrm flipH="1">
+            <a:off x="1820684" y="3609722"/>
+            <a:ext cx="2836488" cy="366810"/>
+          </a:xfrm>
+          <a:prstGeom prst="straightConnector1">
+            <a:avLst/>
+          </a:prstGeom>
+          <a:ln>
+            <a:tailEnd type="triangle"/>
+          </a:ln>
+        </p:spPr>
+        <p:style>
+          <a:lnRef idx="1">
+            <a:schemeClr val="accent1"/>
+          </a:lnRef>
+          <a:fillRef idx="0">
+            <a:schemeClr val="accent1"/>
+          </a:fillRef>
+          <a:effectRef idx="0">
+            <a:schemeClr val="accent1"/>
+          </a:effectRef>
+          <a:fontRef idx="minor">
+            <a:schemeClr val="tx1"/>
+          </a:fontRef>
+        </p:style>
+      </p:cxnSp>
+      <p:cxnSp>
+        <p:nvCxnSpPr>
+          <p:cNvPr id="69" name="直接箭头连接符 68">
+            <a:extLst>
+              <a:ext uri="{FF2B5EF4-FFF2-40B4-BE49-F238E27FC236}">
+                <a16:creationId xmlns:a16="http://schemas.microsoft.com/office/drawing/2014/main" id="{C8BFCF15-E1B6-B580-13AC-A529CF86C34C}"/>
+              </a:ext>
+            </a:extLst>
+          </p:cNvPr>
+          <p:cNvCxnSpPr/>
+          <p:nvPr/>
+        </p:nvCxnSpPr>
+        <p:spPr>
+          <a:xfrm>
+            <a:off x="1770431" y="2967043"/>
+            <a:ext cx="2876145" cy="311285"/>
+          </a:xfrm>
+          <a:prstGeom prst="straightConnector1">
+            <a:avLst/>
+          </a:prstGeom>
+          <a:ln>
+            <a:tailEnd type="triangle"/>
+          </a:ln>
+        </p:spPr>
+        <p:style>
+          <a:lnRef idx="1">
+            <a:schemeClr val="accent1"/>
+          </a:lnRef>
+          <a:fillRef idx="0">
+            <a:schemeClr val="accent1"/>
+          </a:fillRef>
+          <a:effectRef idx="0">
+            <a:schemeClr val="accent1"/>
+          </a:effectRef>
+          <a:fontRef idx="minor">
+            <a:schemeClr val="tx1"/>
+          </a:fontRef>
+        </p:style>
+      </p:cxnSp>
+      <p:cxnSp>
+        <p:nvCxnSpPr>
+          <p:cNvPr id="70" name="直接箭头连接符 69">
+            <a:extLst>
+              <a:ext uri="{FF2B5EF4-FFF2-40B4-BE49-F238E27FC236}">
+                <a16:creationId xmlns:a16="http://schemas.microsoft.com/office/drawing/2014/main" id="{5FD5ACB9-0F91-6A4B-1C32-5CE3C14F37E4}"/>
+              </a:ext>
+            </a:extLst>
+          </p:cNvPr>
+          <p:cNvCxnSpPr/>
+          <p:nvPr/>
+        </p:nvCxnSpPr>
+        <p:spPr>
+          <a:xfrm>
+            <a:off x="1755903" y="4007680"/>
+            <a:ext cx="2876145" cy="311285"/>
+          </a:xfrm>
+          <a:prstGeom prst="straightConnector1">
+            <a:avLst/>
+          </a:prstGeom>
+          <a:ln>
+            <a:tailEnd type="triangle"/>
+          </a:ln>
+        </p:spPr>
+        <p:style>
+          <a:lnRef idx="1">
+            <a:schemeClr val="accent1"/>
+          </a:lnRef>
+          <a:fillRef idx="0">
+            <a:schemeClr val="accent1"/>
+          </a:fillRef>
+          <a:effectRef idx="0">
+            <a:schemeClr val="accent1"/>
+          </a:effectRef>
+          <a:fontRef idx="minor">
+            <a:schemeClr val="tx1"/>
+          </a:fontRef>
+        </p:style>
+      </p:cxnSp>
       <p:sp>
         <p:nvSpPr>
-          <p:cNvPr id="2" name="标题 1">
-            <a:extLst>
-              <a:ext uri="{FF2B5EF4-FFF2-40B4-BE49-F238E27FC236}">
-                <a16:creationId xmlns:a16="http://schemas.microsoft.com/office/drawing/2014/main" id="{28DF375B-E1F0-0B38-0345-F8CFD100B88B}"/>
-              </a:ext>
-            </a:extLst>
-          </p:cNvPr>
-          <p:cNvSpPr>
-            <a:spLocks noGrp="1"/>
-          </p:cNvSpPr>
-          <p:nvPr>
-            <p:ph type="title"/>
-          </p:nvPr>
+          <p:cNvPr id="73" name="文本框 72">
+            <a:extLst>
+              <a:ext uri="{FF2B5EF4-FFF2-40B4-BE49-F238E27FC236}">
+                <a16:creationId xmlns:a16="http://schemas.microsoft.com/office/drawing/2014/main" id="{68BB746D-0432-E478-82B2-6503410D57BC}"/>
+              </a:ext>
+            </a:extLst>
+          </p:cNvPr>
+          <p:cNvSpPr txBox="1"/>
+          <p:nvPr/>
         </p:nvSpPr>
-        <p:spPr/>
+        <p:spPr>
+          <a:xfrm>
+            <a:off x="2740061" y="729656"/>
+            <a:ext cx="878767" cy="276999"/>
+          </a:xfrm>
+          <a:prstGeom prst="rect">
+            <a:avLst/>
+          </a:prstGeom>
+          <a:noFill/>
+        </p:spPr>
         <p:txBody>
-          <a:bodyPr/>
+          <a:bodyPr wrap="none" rtlCol="0">
+            <a:spAutoFit/>
+          </a:bodyPr>
           <a:lstStyle/>
           <a:p>
             <a:r>
-              <a:rPr kumimoji="1" lang="zh-CN" altLang="en-US" dirty="0"/>
-              <a:t>背景：</a:t>
+              <a:rPr lang="en-US" altLang="zh-CN" sz="1200" dirty="0"/>
+              <a:t>Path1 SYN</a:t>
+            </a:r>
+            <a:endParaRPr lang="zh-CN" altLang="en-US" sz="1200" dirty="0"/>
+          </a:p>
+        </p:txBody>
+      </p:sp>
+      <p:sp>
+        <p:nvSpPr>
+          <p:cNvPr id="74" name="文本框 73">
+            <a:extLst>
+              <a:ext uri="{FF2B5EF4-FFF2-40B4-BE49-F238E27FC236}">
+                <a16:creationId xmlns:a16="http://schemas.microsoft.com/office/drawing/2014/main" id="{B4DFE4C6-B6B0-FDEE-F740-67A94708C731}"/>
+              </a:ext>
+            </a:extLst>
+          </p:cNvPr>
+          <p:cNvSpPr txBox="1"/>
+          <p:nvPr/>
+        </p:nvSpPr>
+        <p:spPr>
+          <a:xfrm>
+            <a:off x="2754593" y="1040334"/>
+            <a:ext cx="878767" cy="276999"/>
+          </a:xfrm>
+          <a:prstGeom prst="rect">
+            <a:avLst/>
+          </a:prstGeom>
+          <a:noFill/>
+        </p:spPr>
+        <p:txBody>
+          <a:bodyPr wrap="none" rtlCol="0">
+            <a:spAutoFit/>
+          </a:bodyPr>
+          <a:lstStyle/>
+          <a:p>
+            <a:r>
+              <a:rPr lang="en-US" altLang="zh-CN" sz="1200" dirty="0"/>
+              <a:t>Path2 SYN</a:t>
+            </a:r>
+            <a:endParaRPr lang="zh-CN" altLang="en-US" sz="1200" dirty="0"/>
+          </a:p>
+        </p:txBody>
+      </p:sp>
+      <p:sp>
+        <p:nvSpPr>
+          <p:cNvPr id="75" name="文本框 74">
+            <a:extLst>
+              <a:ext uri="{FF2B5EF4-FFF2-40B4-BE49-F238E27FC236}">
+                <a16:creationId xmlns:a16="http://schemas.microsoft.com/office/drawing/2014/main" id="{DAF493DB-3AEC-630E-A5CE-D5B7003BBFE6}"/>
+              </a:ext>
+            </a:extLst>
+          </p:cNvPr>
+          <p:cNvSpPr txBox="1"/>
+          <p:nvPr/>
+        </p:nvSpPr>
+        <p:spPr>
+          <a:xfrm>
+            <a:off x="2395481" y="1347952"/>
+            <a:ext cx="883575" cy="276999"/>
+          </a:xfrm>
+          <a:prstGeom prst="rect">
+            <a:avLst/>
+          </a:prstGeom>
+          <a:noFill/>
+        </p:spPr>
+        <p:txBody>
+          <a:bodyPr wrap="none" rtlCol="0">
+            <a:spAutoFit/>
+          </a:bodyPr>
+          <a:lstStyle/>
+          <a:p>
+            <a:r>
+              <a:rPr lang="en-US" altLang="zh-CN" sz="1200" dirty="0"/>
+              <a:t>Path1 ACK</a:t>
+            </a:r>
+            <a:endParaRPr lang="zh-CN" altLang="en-US" sz="1200" dirty="0"/>
+          </a:p>
+        </p:txBody>
+      </p:sp>
+      <p:sp>
+        <p:nvSpPr>
+          <p:cNvPr id="76" name="文本框 75">
+            <a:extLst>
+              <a:ext uri="{FF2B5EF4-FFF2-40B4-BE49-F238E27FC236}">
+                <a16:creationId xmlns:a16="http://schemas.microsoft.com/office/drawing/2014/main" id="{5E6257DB-C24C-7B25-A14F-18CD8E77C204}"/>
+              </a:ext>
+            </a:extLst>
+          </p:cNvPr>
+          <p:cNvSpPr txBox="1"/>
+          <p:nvPr/>
+        </p:nvSpPr>
+        <p:spPr>
+          <a:xfrm>
+            <a:off x="2395481" y="1688178"/>
+            <a:ext cx="883575" cy="276999"/>
+          </a:xfrm>
+          <a:prstGeom prst="rect">
+            <a:avLst/>
+          </a:prstGeom>
+          <a:noFill/>
+        </p:spPr>
+        <p:txBody>
+          <a:bodyPr wrap="none" rtlCol="0">
+            <a:spAutoFit/>
+          </a:bodyPr>
+          <a:lstStyle/>
+          <a:p>
+            <a:r>
+              <a:rPr lang="en-US" altLang="zh-CN" sz="1200" dirty="0"/>
+              <a:t>Path2 ACK</a:t>
+            </a:r>
+            <a:endParaRPr lang="zh-CN" altLang="en-US" sz="1200" dirty="0"/>
+          </a:p>
+        </p:txBody>
+      </p:sp>
+      <p:sp>
+        <p:nvSpPr>
+          <p:cNvPr id="77" name="文本框 76">
+            <a:extLst>
+              <a:ext uri="{FF2B5EF4-FFF2-40B4-BE49-F238E27FC236}">
+                <a16:creationId xmlns:a16="http://schemas.microsoft.com/office/drawing/2014/main" id="{535C4A89-C662-F976-2B51-E64D84A042C8}"/>
+              </a:ext>
+            </a:extLst>
+          </p:cNvPr>
+          <p:cNvSpPr txBox="1"/>
+          <p:nvPr/>
+        </p:nvSpPr>
+        <p:spPr>
+          <a:xfrm>
+            <a:off x="2640058" y="2149928"/>
+            <a:ext cx="952505" cy="276999"/>
+          </a:xfrm>
+          <a:prstGeom prst="rect">
+            <a:avLst/>
+          </a:prstGeom>
+          <a:noFill/>
+        </p:spPr>
+        <p:txBody>
+          <a:bodyPr wrap="none" rtlCol="0">
+            <a:spAutoFit/>
+          </a:bodyPr>
+          <a:lstStyle/>
+          <a:p>
+            <a:r>
+              <a:rPr lang="en-US" altLang="zh-CN" sz="1200" dirty="0"/>
+              <a:t>PATH1 SYN</a:t>
+            </a:r>
+            <a:endParaRPr lang="zh-CN" altLang="en-US" sz="1200" dirty="0"/>
+          </a:p>
+        </p:txBody>
+      </p:sp>
+      <p:sp>
+        <p:nvSpPr>
+          <p:cNvPr id="78" name="文本框 77">
+            <a:extLst>
+              <a:ext uri="{FF2B5EF4-FFF2-40B4-BE49-F238E27FC236}">
+                <a16:creationId xmlns:a16="http://schemas.microsoft.com/office/drawing/2014/main" id="{EB21D39E-F3B2-2906-0D97-FF5BEC31E239}"/>
+              </a:ext>
+            </a:extLst>
+          </p:cNvPr>
+          <p:cNvSpPr txBox="1"/>
+          <p:nvPr/>
+        </p:nvSpPr>
+        <p:spPr>
+          <a:xfrm>
+            <a:off x="2635250" y="2543774"/>
+            <a:ext cx="957313" cy="276999"/>
+          </a:xfrm>
+          <a:prstGeom prst="rect">
+            <a:avLst/>
+          </a:prstGeom>
+          <a:noFill/>
+        </p:spPr>
+        <p:txBody>
+          <a:bodyPr wrap="none" rtlCol="0">
+            <a:spAutoFit/>
+          </a:bodyPr>
+          <a:lstStyle/>
+          <a:p>
+            <a:r>
+              <a:rPr lang="en-US" altLang="zh-CN" sz="1200" dirty="0"/>
+              <a:t>PATH1 ACK</a:t>
+            </a:r>
+            <a:endParaRPr lang="zh-CN" altLang="en-US" sz="1200" dirty="0"/>
+          </a:p>
+        </p:txBody>
+      </p:sp>
+      <p:sp>
+        <p:nvSpPr>
+          <p:cNvPr id="82" name="文本框 81">
+            <a:extLst>
+              <a:ext uri="{FF2B5EF4-FFF2-40B4-BE49-F238E27FC236}">
+                <a16:creationId xmlns:a16="http://schemas.microsoft.com/office/drawing/2014/main" id="{2EE0B6F6-1BD9-3D00-D48B-5FA6BAE11FB9}"/>
+              </a:ext>
+            </a:extLst>
+          </p:cNvPr>
+          <p:cNvSpPr txBox="1"/>
+          <p:nvPr/>
+        </p:nvSpPr>
+        <p:spPr>
+          <a:xfrm>
+            <a:off x="2680855" y="3237047"/>
+            <a:ext cx="952505" cy="276999"/>
+          </a:xfrm>
+          <a:prstGeom prst="rect">
+            <a:avLst/>
+          </a:prstGeom>
+          <a:noFill/>
+        </p:spPr>
+        <p:txBody>
+          <a:bodyPr wrap="none" rtlCol="0">
+            <a:spAutoFit/>
+          </a:bodyPr>
+          <a:lstStyle/>
+          <a:p>
+            <a:r>
+              <a:rPr lang="en-US" altLang="zh-CN" sz="1200" dirty="0"/>
+              <a:t>PATH2 SYN</a:t>
+            </a:r>
+            <a:endParaRPr lang="zh-CN" altLang="en-US" sz="1200" dirty="0"/>
+          </a:p>
+        </p:txBody>
+      </p:sp>
+      <p:sp>
+        <p:nvSpPr>
+          <p:cNvPr id="83" name="文本框 82">
+            <a:extLst>
+              <a:ext uri="{FF2B5EF4-FFF2-40B4-BE49-F238E27FC236}">
+                <a16:creationId xmlns:a16="http://schemas.microsoft.com/office/drawing/2014/main" id="{A4823D2B-FCFD-87A6-3DC2-910CDB82CB07}"/>
+              </a:ext>
+            </a:extLst>
+          </p:cNvPr>
+          <p:cNvSpPr txBox="1"/>
+          <p:nvPr/>
+        </p:nvSpPr>
+        <p:spPr>
+          <a:xfrm>
+            <a:off x="2824444" y="2904552"/>
+            <a:ext cx="566181" cy="276999"/>
+          </a:xfrm>
+          <a:prstGeom prst="rect">
+            <a:avLst/>
+          </a:prstGeom>
+          <a:noFill/>
+        </p:spPr>
+        <p:txBody>
+          <a:bodyPr wrap="none" rtlCol="0">
+            <a:spAutoFit/>
+          </a:bodyPr>
+          <a:lstStyle/>
+          <a:p>
+            <a:r>
+              <a:rPr lang="en-US" altLang="zh-CN" sz="1200" dirty="0"/>
+              <a:t>DATA</a:t>
+            </a:r>
+            <a:endParaRPr lang="zh-CN" altLang="en-US" sz="1200" dirty="0"/>
+          </a:p>
+        </p:txBody>
+      </p:sp>
+      <p:sp>
+        <p:nvSpPr>
+          <p:cNvPr id="86" name="左大括号 85">
+            <a:extLst>
+              <a:ext uri="{FF2B5EF4-FFF2-40B4-BE49-F238E27FC236}">
+                <a16:creationId xmlns:a16="http://schemas.microsoft.com/office/drawing/2014/main" id="{2AC5FB17-3E30-BC9A-F1EC-2D909FC66B69}"/>
+              </a:ext>
+            </a:extLst>
+          </p:cNvPr>
+          <p:cNvSpPr/>
+          <p:nvPr/>
+        </p:nvSpPr>
+        <p:spPr>
+          <a:xfrm>
+            <a:off x="1529038" y="856034"/>
+            <a:ext cx="212335" cy="1177047"/>
+          </a:xfrm>
+          <a:prstGeom prst="leftBrace">
+            <a:avLst/>
+          </a:prstGeom>
+        </p:spPr>
+        <p:style>
+          <a:lnRef idx="1">
+            <a:schemeClr val="accent1"/>
+          </a:lnRef>
+          <a:fillRef idx="0">
+            <a:schemeClr val="accent1"/>
+          </a:fillRef>
+          <a:effectRef idx="0">
+            <a:schemeClr val="accent1"/>
+          </a:effectRef>
+          <a:fontRef idx="minor">
+            <a:schemeClr val="tx1"/>
+          </a:fontRef>
+        </p:style>
+        <p:txBody>
+          <a:bodyPr rtlCol="0" anchor="ctr"/>
+          <a:lstStyle/>
+          <a:p>
+            <a:pPr algn="ctr"/>
+            <a:endParaRPr lang="zh-CN" altLang="en-US"/>
+          </a:p>
+        </p:txBody>
+      </p:sp>
+      <p:sp>
+        <p:nvSpPr>
+          <p:cNvPr id="89" name="椭圆 88">
+            <a:extLst>
+              <a:ext uri="{FF2B5EF4-FFF2-40B4-BE49-F238E27FC236}">
+                <a16:creationId xmlns:a16="http://schemas.microsoft.com/office/drawing/2014/main" id="{8EDCD3CB-3022-4238-F917-C058CA89D123}"/>
+              </a:ext>
+            </a:extLst>
+          </p:cNvPr>
+          <p:cNvSpPr/>
+          <p:nvPr/>
+        </p:nvSpPr>
+        <p:spPr>
+          <a:xfrm>
+            <a:off x="1235412" y="1347952"/>
+            <a:ext cx="212335" cy="198746"/>
+          </a:xfrm>
+          <a:prstGeom prst="ellipse">
+            <a:avLst/>
+          </a:prstGeom>
+        </p:spPr>
+        <p:style>
+          <a:lnRef idx="2">
+            <a:schemeClr val="accent1">
+              <a:shade val="15000"/>
+            </a:schemeClr>
+          </a:lnRef>
+          <a:fillRef idx="1">
+            <a:schemeClr val="accent1"/>
+          </a:fillRef>
+          <a:effectRef idx="0">
+            <a:schemeClr val="accent1"/>
+          </a:effectRef>
+          <a:fontRef idx="minor">
+            <a:schemeClr val="lt1"/>
+          </a:fontRef>
+        </p:style>
+        <p:txBody>
+          <a:bodyPr rtlCol="0" anchor="ctr"/>
+          <a:lstStyle/>
+          <a:p>
+            <a:pPr algn="ctr"/>
+            <a:r>
+              <a:rPr lang="en-US" altLang="zh-CN" sz="1200" dirty="0"/>
+              <a:t>1</a:t>
+            </a:r>
+            <a:endParaRPr lang="zh-CN" altLang="en-US" dirty="0"/>
+          </a:p>
+        </p:txBody>
+      </p:sp>
+    </p:spTree>
+    <p:extLst>
+      <p:ext uri="{BB962C8B-B14F-4D97-AF65-F5344CB8AC3E}">
+        <p14:creationId xmlns:p14="http://schemas.microsoft.com/office/powerpoint/2010/main" val="1156290636"/>
+      </p:ext>
+    </p:extLst>
+  </p:cSld>
+  <p:clrMapOvr>
+    <a:masterClrMapping/>
+  </p:clrMapOvr>
+</p:sld>
+</file>
+
+<file path=ppt/slides/slide9.xml><?xml version="1.0" encoding="utf-8"?>
+<p:sld xmlns:a="http://schemas.openxmlformats.org/drawingml/2006/main" xmlns:r="http://schemas.openxmlformats.org/officeDocument/2006/relationships" xmlns:p="http://schemas.openxmlformats.org/presentationml/2006/main">
+  <p:cSld>
+    <p:spTree>
+      <p:nvGrpSpPr>
+        <p:cNvPr id="1" name=""/>
+        <p:cNvGrpSpPr/>
+        <p:nvPr/>
+      </p:nvGrpSpPr>
+      <p:grpSpPr>
+        <a:xfrm>
+          <a:off x="0" y="0"/>
+          <a:ext cx="0" cy="0"/>
+          <a:chOff x="0" y="0"/>
+          <a:chExt cx="0" cy="0"/>
+        </a:xfrm>
+      </p:grpSpPr>
+      <p:sp>
+        <p:nvSpPr>
+          <p:cNvPr id="29" name="矩形 28">
+            <a:extLst>
+              <a:ext uri="{FF2B5EF4-FFF2-40B4-BE49-F238E27FC236}">
+                <a16:creationId xmlns:a16="http://schemas.microsoft.com/office/drawing/2014/main" id="{0CEF79F5-0A82-073A-0E50-8B5B1928A0FB}"/>
+              </a:ext>
+            </a:extLst>
+          </p:cNvPr>
+          <p:cNvSpPr/>
+          <p:nvPr/>
+        </p:nvSpPr>
+        <p:spPr>
+          <a:xfrm>
+            <a:off x="4036979" y="1653702"/>
+            <a:ext cx="4863830" cy="2976664"/>
+          </a:xfrm>
+          <a:prstGeom prst="rect">
+            <a:avLst/>
+          </a:prstGeom>
+          <a:solidFill>
+            <a:schemeClr val="accent1"/>
+          </a:solidFill>
+        </p:spPr>
+        <p:style>
+          <a:lnRef idx="2">
+            <a:schemeClr val="accent1">
+              <a:shade val="15000"/>
+            </a:schemeClr>
+          </a:lnRef>
+          <a:fillRef idx="1">
+            <a:schemeClr val="accent1"/>
+          </a:fillRef>
+          <a:effectRef idx="0">
+            <a:schemeClr val="accent1"/>
+          </a:effectRef>
+          <a:fontRef idx="minor">
+            <a:schemeClr val="lt1"/>
+          </a:fontRef>
+        </p:style>
+        <p:txBody>
+          <a:bodyPr rtlCol="0" anchor="ctr"/>
+          <a:lstStyle/>
+          <a:p>
+            <a:pPr algn="ctr"/>
+            <a:endParaRPr lang="zh-CN" altLang="en-US"/>
+          </a:p>
+        </p:txBody>
+      </p:sp>
+      <p:sp>
+        <p:nvSpPr>
+          <p:cNvPr id="30" name="矩形 29">
+            <a:extLst>
+              <a:ext uri="{FF2B5EF4-FFF2-40B4-BE49-F238E27FC236}">
+                <a16:creationId xmlns:a16="http://schemas.microsoft.com/office/drawing/2014/main" id="{17C858FC-C2CF-63C9-1D37-A7983199985B}"/>
+              </a:ext>
+            </a:extLst>
+          </p:cNvPr>
+          <p:cNvSpPr/>
+          <p:nvPr/>
+        </p:nvSpPr>
+        <p:spPr>
+          <a:xfrm>
+            <a:off x="4148843" y="1731523"/>
+            <a:ext cx="4654690" cy="2830749"/>
+          </a:xfrm>
+          <a:prstGeom prst="rect">
+            <a:avLst/>
+          </a:prstGeom>
+          <a:solidFill>
+            <a:schemeClr val="bg1"/>
+          </a:solidFill>
+        </p:spPr>
+        <p:style>
+          <a:lnRef idx="2">
+            <a:schemeClr val="accent1">
+              <a:shade val="15000"/>
+            </a:schemeClr>
+          </a:lnRef>
+          <a:fillRef idx="1">
+            <a:schemeClr val="accent1"/>
+          </a:fillRef>
+          <a:effectRef idx="0">
+            <a:schemeClr val="accent1"/>
+          </a:effectRef>
+          <a:fontRef idx="minor">
+            <a:schemeClr val="lt1"/>
+          </a:fontRef>
+        </p:style>
+        <p:txBody>
+          <a:bodyPr rtlCol="0" anchor="ctr"/>
+          <a:lstStyle/>
+          <a:p>
+            <a:pPr algn="ctr"/>
+            <a:endParaRPr lang="zh-CN" altLang="en-US"/>
+          </a:p>
+        </p:txBody>
+      </p:sp>
+      <p:sp>
+        <p:nvSpPr>
+          <p:cNvPr id="5" name="矩形: 圆角 4">
+            <a:extLst>
+              <a:ext uri="{FF2B5EF4-FFF2-40B4-BE49-F238E27FC236}">
+                <a16:creationId xmlns:a16="http://schemas.microsoft.com/office/drawing/2014/main" id="{69BC2F73-A8B3-C091-B151-FE802B7CEA31}"/>
+              </a:ext>
+            </a:extLst>
+          </p:cNvPr>
+          <p:cNvSpPr/>
+          <p:nvPr/>
+        </p:nvSpPr>
+        <p:spPr>
+          <a:xfrm>
+            <a:off x="4338558" y="3139821"/>
+            <a:ext cx="4216954" cy="1334902"/>
+          </a:xfrm>
+          <a:prstGeom prst="roundRect">
+            <a:avLst/>
+          </a:prstGeom>
+        </p:spPr>
+        <p:style>
+          <a:lnRef idx="2">
+            <a:schemeClr val="accent2">
+              <a:shade val="15000"/>
+            </a:schemeClr>
+          </a:lnRef>
+          <a:fillRef idx="1">
+            <a:schemeClr val="accent2"/>
+          </a:fillRef>
+          <a:effectRef idx="0">
+            <a:schemeClr val="accent2"/>
+          </a:effectRef>
+          <a:fontRef idx="minor">
+            <a:schemeClr val="lt1"/>
+          </a:fontRef>
+        </p:style>
+        <p:txBody>
+          <a:bodyPr rtlCol="0" anchor="ctr"/>
+          <a:lstStyle/>
+          <a:p>
+            <a:pPr algn="ctr"/>
+            <a:endParaRPr lang="zh-CN" altLang="en-US" dirty="0"/>
+          </a:p>
+        </p:txBody>
+      </p:sp>
+      <p:sp>
+        <p:nvSpPr>
+          <p:cNvPr id="9" name="矩形: 圆角 8">
+            <a:extLst>
+              <a:ext uri="{FF2B5EF4-FFF2-40B4-BE49-F238E27FC236}">
+                <a16:creationId xmlns:a16="http://schemas.microsoft.com/office/drawing/2014/main" id="{EF8033A0-6DFC-C669-E3B6-E432B696FE68}"/>
+              </a:ext>
+            </a:extLst>
+          </p:cNvPr>
+          <p:cNvSpPr/>
+          <p:nvPr/>
+        </p:nvSpPr>
+        <p:spPr>
+          <a:xfrm>
+            <a:off x="4353128" y="2247373"/>
+            <a:ext cx="4216954" cy="418290"/>
+          </a:xfrm>
+          <a:prstGeom prst="roundRect">
+            <a:avLst/>
+          </a:prstGeom>
+        </p:spPr>
+        <p:style>
+          <a:lnRef idx="2">
+            <a:schemeClr val="accent6">
+              <a:shade val="15000"/>
+            </a:schemeClr>
+          </a:lnRef>
+          <a:fillRef idx="1">
+            <a:schemeClr val="accent6"/>
+          </a:fillRef>
+          <a:effectRef idx="0">
+            <a:schemeClr val="accent6"/>
+          </a:effectRef>
+          <a:fontRef idx="minor">
+            <a:schemeClr val="lt1"/>
+          </a:fontRef>
+        </p:style>
+        <p:txBody>
+          <a:bodyPr rtlCol="0" anchor="ctr"/>
+          <a:lstStyle/>
+          <a:p>
+            <a:pPr algn="ctr"/>
+            <a:r>
+              <a:rPr lang="en-US" altLang="zh-CN" dirty="0"/>
+              <a:t>Cybertwin Communication Model</a:t>
+            </a:r>
+            <a:endParaRPr lang="zh-CN" altLang="en-US" dirty="0"/>
+          </a:p>
+        </p:txBody>
+      </p:sp>
+      <p:sp>
+        <p:nvSpPr>
+          <p:cNvPr id="10" name="矩形: 圆角 9">
+            <a:extLst>
+              <a:ext uri="{FF2B5EF4-FFF2-40B4-BE49-F238E27FC236}">
+                <a16:creationId xmlns:a16="http://schemas.microsoft.com/office/drawing/2014/main" id="{8F92C7A0-02EF-D751-0853-E23B7EF945F5}"/>
+              </a:ext>
+            </a:extLst>
+          </p:cNvPr>
+          <p:cNvSpPr/>
+          <p:nvPr/>
+        </p:nvSpPr>
+        <p:spPr>
+          <a:xfrm>
+            <a:off x="4348265" y="2696830"/>
+            <a:ext cx="987357" cy="418290"/>
+          </a:xfrm>
+          <a:prstGeom prst="roundRect">
+            <a:avLst/>
+          </a:prstGeom>
+        </p:spPr>
+        <p:style>
+          <a:lnRef idx="2">
+            <a:schemeClr val="accent4">
+              <a:shade val="15000"/>
+            </a:schemeClr>
+          </a:lnRef>
+          <a:fillRef idx="1">
+            <a:schemeClr val="accent4"/>
+          </a:fillRef>
+          <a:effectRef idx="0">
+            <a:schemeClr val="accent4"/>
+          </a:effectRef>
+          <a:fontRef idx="minor">
+            <a:schemeClr val="lt1"/>
+          </a:fontRef>
+        </p:style>
+        <p:txBody>
+          <a:bodyPr rtlCol="0" anchor="ctr"/>
+          <a:lstStyle/>
+          <a:p>
+            <a:pPr algn="ctr"/>
+            <a:r>
+              <a:rPr lang="en-US" altLang="zh-CN" dirty="0"/>
+              <a:t>CNRS</a:t>
+            </a:r>
+            <a:endParaRPr lang="zh-CN" altLang="en-US" dirty="0"/>
+          </a:p>
+        </p:txBody>
+      </p:sp>
+      <p:sp>
+        <p:nvSpPr>
+          <p:cNvPr id="11" name="矩形: 圆角 10">
+            <a:extLst>
+              <a:ext uri="{FF2B5EF4-FFF2-40B4-BE49-F238E27FC236}">
+                <a16:creationId xmlns:a16="http://schemas.microsoft.com/office/drawing/2014/main" id="{EBD72247-A560-334D-DC1E-43FA62E04293}"/>
+              </a:ext>
+            </a:extLst>
+          </p:cNvPr>
+          <p:cNvSpPr/>
+          <p:nvPr/>
+        </p:nvSpPr>
+        <p:spPr>
+          <a:xfrm>
+            <a:off x="5359947" y="2690364"/>
+            <a:ext cx="841442" cy="418290"/>
+          </a:xfrm>
+          <a:prstGeom prst="roundRect">
+            <a:avLst/>
+          </a:prstGeom>
+        </p:spPr>
+        <p:style>
+          <a:lnRef idx="2">
+            <a:schemeClr val="accent4">
+              <a:shade val="15000"/>
+            </a:schemeClr>
+          </a:lnRef>
+          <a:fillRef idx="1">
+            <a:schemeClr val="accent4"/>
+          </a:fillRef>
+          <a:effectRef idx="0">
+            <a:schemeClr val="accent4"/>
+          </a:effectRef>
+          <a:fontRef idx="minor">
+            <a:schemeClr val="lt1"/>
+          </a:fontRef>
+        </p:style>
+        <p:txBody>
+          <a:bodyPr rtlCol="0" anchor="ctr"/>
+          <a:lstStyle/>
+          <a:p>
+            <a:pPr algn="ctr"/>
+            <a:r>
+              <a:rPr lang="en-US" altLang="zh-CN" dirty="0"/>
+              <a:t>MDTP</a:t>
+            </a:r>
+            <a:endParaRPr lang="zh-CN" altLang="en-US" dirty="0"/>
+          </a:p>
+        </p:txBody>
+      </p:sp>
+      <p:sp>
+        <p:nvSpPr>
+          <p:cNvPr id="12" name="矩形: 圆角 11">
+            <a:extLst>
+              <a:ext uri="{FF2B5EF4-FFF2-40B4-BE49-F238E27FC236}">
+                <a16:creationId xmlns:a16="http://schemas.microsoft.com/office/drawing/2014/main" id="{B18C2C49-6319-9FAD-A3BB-59C35CB0B3B4}"/>
+              </a:ext>
+            </a:extLst>
+          </p:cNvPr>
+          <p:cNvSpPr/>
+          <p:nvPr/>
+        </p:nvSpPr>
+        <p:spPr>
+          <a:xfrm>
+            <a:off x="6254905" y="2696830"/>
+            <a:ext cx="1089500" cy="418290"/>
+          </a:xfrm>
+          <a:prstGeom prst="roundRect">
+            <a:avLst/>
+          </a:prstGeom>
+        </p:spPr>
+        <p:style>
+          <a:lnRef idx="2">
+            <a:schemeClr val="accent4">
+              <a:shade val="15000"/>
+            </a:schemeClr>
+          </a:lnRef>
+          <a:fillRef idx="1">
+            <a:schemeClr val="accent4"/>
+          </a:fillRef>
+          <a:effectRef idx="0">
+            <a:schemeClr val="accent4"/>
+          </a:effectRef>
+          <a:fontRef idx="minor">
+            <a:schemeClr val="lt1"/>
+          </a:fontRef>
+        </p:style>
+        <p:txBody>
+          <a:bodyPr rtlCol="0" anchor="ctr"/>
+          <a:lstStyle/>
+          <a:p>
+            <a:pPr algn="ctr"/>
+            <a:r>
+              <a:rPr lang="en-US" altLang="zh-CN" sz="1600" dirty="0" err="1"/>
+              <a:t>ZeroTrust</a:t>
+            </a:r>
+            <a:endParaRPr lang="zh-CN" altLang="en-US" sz="1600" dirty="0"/>
+          </a:p>
+        </p:txBody>
+      </p:sp>
+      <p:sp>
+        <p:nvSpPr>
+          <p:cNvPr id="16" name="流程图: 资料带 15">
+            <a:extLst>
+              <a:ext uri="{FF2B5EF4-FFF2-40B4-BE49-F238E27FC236}">
+                <a16:creationId xmlns:a16="http://schemas.microsoft.com/office/drawing/2014/main" id="{D951E970-2FE6-D450-7EA4-DFD30C16F47D}"/>
+              </a:ext>
+            </a:extLst>
+          </p:cNvPr>
+          <p:cNvSpPr/>
+          <p:nvPr/>
+        </p:nvSpPr>
+        <p:spPr>
+          <a:xfrm>
+            <a:off x="5622593" y="5204298"/>
+            <a:ext cx="1809345" cy="932938"/>
+          </a:xfrm>
+          <a:prstGeom prst="flowChartPunchedTape">
+            <a:avLst/>
+          </a:prstGeom>
+          <a:ln w="28575"/>
+        </p:spPr>
+        <p:style>
+          <a:lnRef idx="2">
+            <a:schemeClr val="accent1">
+              <a:shade val="15000"/>
+            </a:schemeClr>
+          </a:lnRef>
+          <a:fillRef idx="1">
+            <a:schemeClr val="accent1"/>
+          </a:fillRef>
+          <a:effectRef idx="0">
+            <a:schemeClr val="accent1"/>
+          </a:effectRef>
+          <a:fontRef idx="minor">
+            <a:schemeClr val="lt1"/>
+          </a:fontRef>
+        </p:style>
+        <p:txBody>
+          <a:bodyPr rtlCol="0" anchor="ctr"/>
+          <a:lstStyle/>
+          <a:p>
+            <a:pPr algn="ctr"/>
+            <a:r>
+              <a:rPr lang="en-US" altLang="zh-CN" sz="1400" b="1" dirty="0"/>
+              <a:t>Simulation Results: Data, Figure</a:t>
+            </a:r>
+            <a:endParaRPr lang="zh-CN" altLang="en-US" sz="1400" b="1" dirty="0"/>
+          </a:p>
+        </p:txBody>
+      </p:sp>
+      <p:sp>
+        <p:nvSpPr>
+          <p:cNvPr id="17" name="矩形: 圆角 16">
+            <a:extLst>
+              <a:ext uri="{FF2B5EF4-FFF2-40B4-BE49-F238E27FC236}">
+                <a16:creationId xmlns:a16="http://schemas.microsoft.com/office/drawing/2014/main" id="{5C338657-CB44-E1F9-18E8-71A0CE9FE52E}"/>
+              </a:ext>
+            </a:extLst>
+          </p:cNvPr>
+          <p:cNvSpPr/>
+          <p:nvPr/>
+        </p:nvSpPr>
+        <p:spPr>
+          <a:xfrm>
+            <a:off x="7378478" y="2696830"/>
+            <a:ext cx="1138144" cy="418290"/>
+          </a:xfrm>
+          <a:prstGeom prst="roundRect">
+            <a:avLst/>
+          </a:prstGeom>
+        </p:spPr>
+        <p:style>
+          <a:lnRef idx="2">
+            <a:schemeClr val="accent4">
+              <a:shade val="15000"/>
+            </a:schemeClr>
+          </a:lnRef>
+          <a:fillRef idx="1">
+            <a:schemeClr val="accent4"/>
+          </a:fillRef>
+          <a:effectRef idx="0">
+            <a:schemeClr val="accent4"/>
+          </a:effectRef>
+          <a:fontRef idx="minor">
+            <a:schemeClr val="lt1"/>
+          </a:fontRef>
+        </p:style>
+        <p:txBody>
+          <a:bodyPr rtlCol="0" anchor="ctr"/>
+          <a:lstStyle/>
+          <a:p>
+            <a:pPr algn="ctr"/>
+            <a:r>
+              <a:rPr lang="en-US" altLang="zh-CN" sz="1600" dirty="0"/>
+              <a:t>Mobility</a:t>
+            </a:r>
+            <a:endParaRPr lang="zh-CN" altLang="en-US" sz="1600" dirty="0"/>
+          </a:p>
+        </p:txBody>
+      </p:sp>
+      <p:sp>
+        <p:nvSpPr>
+          <p:cNvPr id="21" name="箭头: 右 20">
+            <a:extLst>
+              <a:ext uri="{FF2B5EF4-FFF2-40B4-BE49-F238E27FC236}">
+                <a16:creationId xmlns:a16="http://schemas.microsoft.com/office/drawing/2014/main" id="{8E368B00-E536-5BD5-3E17-8EE589C85243}"/>
+              </a:ext>
+            </a:extLst>
+          </p:cNvPr>
+          <p:cNvSpPr/>
+          <p:nvPr/>
+        </p:nvSpPr>
+        <p:spPr>
+          <a:xfrm rot="5400000">
+            <a:off x="6159874" y="4837437"/>
+            <a:ext cx="455340" cy="274662"/>
+          </a:xfrm>
+          <a:prstGeom prst="rightArrow">
+            <a:avLst/>
+          </a:prstGeom>
+        </p:spPr>
+        <p:style>
+          <a:lnRef idx="2">
+            <a:schemeClr val="accent1">
+              <a:shade val="15000"/>
+            </a:schemeClr>
+          </a:lnRef>
+          <a:fillRef idx="1">
+            <a:schemeClr val="accent1"/>
+          </a:fillRef>
+          <a:effectRef idx="0">
+            <a:schemeClr val="accent1"/>
+          </a:effectRef>
+          <a:fontRef idx="minor">
+            <a:schemeClr val="lt1"/>
+          </a:fontRef>
+        </p:style>
+        <p:txBody>
+          <a:bodyPr rtlCol="0" anchor="ctr"/>
+          <a:lstStyle/>
+          <a:p>
+            <a:pPr algn="ctr"/>
+            <a:endParaRPr lang="zh-CN" altLang="en-US"/>
+          </a:p>
+        </p:txBody>
+      </p:sp>
+      <p:sp>
+        <p:nvSpPr>
+          <p:cNvPr id="25" name="矩形: 圆角 24">
+            <a:extLst>
+              <a:ext uri="{FF2B5EF4-FFF2-40B4-BE49-F238E27FC236}">
+                <a16:creationId xmlns:a16="http://schemas.microsoft.com/office/drawing/2014/main" id="{D16EF67A-3DCA-703A-145D-C8ACF704EE3B}"/>
+              </a:ext>
+            </a:extLst>
+          </p:cNvPr>
+          <p:cNvSpPr/>
+          <p:nvPr/>
+        </p:nvSpPr>
+        <p:spPr>
+          <a:xfrm>
+            <a:off x="4367711" y="1785811"/>
+            <a:ext cx="4216953" cy="436861"/>
+          </a:xfrm>
+          <a:prstGeom prst="roundRect">
+            <a:avLst/>
+          </a:prstGeom>
+        </p:spPr>
+        <p:style>
+          <a:lnRef idx="2">
+            <a:schemeClr val="accent1">
+              <a:shade val="15000"/>
+            </a:schemeClr>
+          </a:lnRef>
+          <a:fillRef idx="1">
+            <a:schemeClr val="accent1"/>
+          </a:fillRef>
+          <a:effectRef idx="0">
+            <a:schemeClr val="accent1"/>
+          </a:effectRef>
+          <a:fontRef idx="minor">
+            <a:schemeClr val="lt1"/>
+          </a:fontRef>
+        </p:style>
+        <p:txBody>
+          <a:bodyPr rtlCol="0" anchor="ctr"/>
+          <a:lstStyle/>
+          <a:p>
+            <a:pPr algn="ctr"/>
+            <a:r>
+              <a:rPr lang="en-US" altLang="zh-CN" dirty="0"/>
+              <a:t>Compiler</a:t>
+            </a:r>
+            <a:endParaRPr lang="zh-CN" altLang="en-US" dirty="0"/>
+          </a:p>
+        </p:txBody>
+      </p:sp>
+      <p:sp>
+        <p:nvSpPr>
+          <p:cNvPr id="32" name="标注: 下箭头 31">
+            <a:extLst>
+              <a:ext uri="{FF2B5EF4-FFF2-40B4-BE49-F238E27FC236}">
+                <a16:creationId xmlns:a16="http://schemas.microsoft.com/office/drawing/2014/main" id="{720E49E2-2544-6E80-CE6C-FE5600BD4850}"/>
+              </a:ext>
+            </a:extLst>
+          </p:cNvPr>
+          <p:cNvSpPr/>
+          <p:nvPr/>
+        </p:nvSpPr>
+        <p:spPr>
+          <a:xfrm>
+            <a:off x="4353128" y="765343"/>
+            <a:ext cx="1245145" cy="768757"/>
+          </a:xfrm>
+          <a:prstGeom prst="downArrowCallout">
+            <a:avLst/>
+          </a:prstGeom>
+        </p:spPr>
+        <p:style>
+          <a:lnRef idx="2">
+            <a:schemeClr val="accent1">
+              <a:shade val="15000"/>
+            </a:schemeClr>
+          </a:lnRef>
+          <a:fillRef idx="1">
+            <a:schemeClr val="accent1"/>
+          </a:fillRef>
+          <a:effectRef idx="0">
+            <a:schemeClr val="accent1"/>
+          </a:effectRef>
+          <a:fontRef idx="minor">
+            <a:schemeClr val="lt1"/>
+          </a:fontRef>
+        </p:style>
+        <p:txBody>
+          <a:bodyPr rtlCol="0" anchor="ctr"/>
+          <a:lstStyle/>
+          <a:p>
+            <a:pPr algn="ctr"/>
+            <a:r>
+              <a:rPr lang="en-US" altLang="zh-CN" sz="1600" b="1" dirty="0"/>
+              <a:t>Network Topology</a:t>
+            </a:r>
+            <a:endParaRPr lang="zh-CN" altLang="en-US" sz="1600" b="1" dirty="0"/>
+          </a:p>
+        </p:txBody>
+      </p:sp>
+      <p:sp>
+        <p:nvSpPr>
+          <p:cNvPr id="33" name="标注: 下箭头 32">
+            <a:extLst>
+              <a:ext uri="{FF2B5EF4-FFF2-40B4-BE49-F238E27FC236}">
+                <a16:creationId xmlns:a16="http://schemas.microsoft.com/office/drawing/2014/main" id="{9263724B-098B-CF0E-44CE-05326B2580E5}"/>
+              </a:ext>
+            </a:extLst>
+          </p:cNvPr>
+          <p:cNvSpPr/>
+          <p:nvPr/>
+        </p:nvSpPr>
+        <p:spPr>
+          <a:xfrm>
+            <a:off x="5938736" y="771987"/>
+            <a:ext cx="1245145" cy="768757"/>
+          </a:xfrm>
+          <a:prstGeom prst="downArrowCallout">
+            <a:avLst/>
+          </a:prstGeom>
+        </p:spPr>
+        <p:style>
+          <a:lnRef idx="2">
+            <a:schemeClr val="accent1">
+              <a:shade val="15000"/>
+            </a:schemeClr>
+          </a:lnRef>
+          <a:fillRef idx="1">
+            <a:schemeClr val="accent1"/>
+          </a:fillRef>
+          <a:effectRef idx="0">
+            <a:schemeClr val="accent1"/>
+          </a:effectRef>
+          <a:fontRef idx="minor">
+            <a:schemeClr val="lt1"/>
+          </a:fontRef>
+        </p:style>
+        <p:txBody>
+          <a:bodyPr rtlCol="0" anchor="ctr"/>
+          <a:lstStyle/>
+          <a:p>
+            <a:pPr algn="ctr"/>
+            <a:r>
+              <a:rPr lang="en-US" altLang="zh-CN" sz="1200" b="1" dirty="0"/>
+              <a:t>Elements:</a:t>
+            </a:r>
+          </a:p>
+          <a:p>
+            <a:pPr algn="ctr"/>
+            <a:r>
+              <a:rPr lang="en-US" altLang="zh-CN" sz="1200" b="1" dirty="0"/>
+              <a:t>Apps &amp; Setups</a:t>
+            </a:r>
+            <a:endParaRPr lang="zh-CN" altLang="en-US" sz="1200" b="1" dirty="0"/>
+          </a:p>
+          <a:p>
+            <a:pPr algn="ctr"/>
+            <a:endParaRPr lang="zh-CN" altLang="en-US" sz="1600" b="1" dirty="0"/>
+          </a:p>
+        </p:txBody>
+      </p:sp>
+      <p:sp>
+        <p:nvSpPr>
+          <p:cNvPr id="34" name="标注: 下箭头 33">
+            <a:extLst>
+              <a:ext uri="{FF2B5EF4-FFF2-40B4-BE49-F238E27FC236}">
+                <a16:creationId xmlns:a16="http://schemas.microsoft.com/office/drawing/2014/main" id="{5850C5A0-283A-E63A-3047-76A832A10CF2}"/>
+              </a:ext>
+            </a:extLst>
+          </p:cNvPr>
+          <p:cNvSpPr/>
+          <p:nvPr/>
+        </p:nvSpPr>
+        <p:spPr>
+          <a:xfrm>
+            <a:off x="7431938" y="757360"/>
+            <a:ext cx="1245145" cy="768757"/>
+          </a:xfrm>
+          <a:prstGeom prst="downArrowCallout">
+            <a:avLst/>
+          </a:prstGeom>
+        </p:spPr>
+        <p:style>
+          <a:lnRef idx="2">
+            <a:schemeClr val="accent1">
+              <a:shade val="15000"/>
+            </a:schemeClr>
+          </a:lnRef>
+          <a:fillRef idx="1">
+            <a:schemeClr val="accent1"/>
+          </a:fillRef>
+          <a:effectRef idx="0">
+            <a:schemeClr val="accent1"/>
+          </a:effectRef>
+          <a:fontRef idx="minor">
+            <a:schemeClr val="lt1"/>
+          </a:fontRef>
+        </p:style>
+        <p:txBody>
+          <a:bodyPr rtlCol="0" anchor="ctr"/>
+          <a:lstStyle/>
+          <a:p>
+            <a:pPr algn="ctr"/>
+            <a:r>
+              <a:rPr lang="en-US" altLang="zh-CN" sz="1200" b="1" dirty="0"/>
+              <a:t>System Config</a:t>
+            </a:r>
+            <a:endParaRPr lang="zh-CN" altLang="en-US" sz="1200" b="1" dirty="0"/>
+          </a:p>
+          <a:p>
+            <a:pPr algn="ctr"/>
+            <a:endParaRPr lang="zh-CN" altLang="en-US" sz="1600" b="1" dirty="0"/>
+          </a:p>
+        </p:txBody>
+      </p:sp>
+      <p:sp>
+        <p:nvSpPr>
+          <p:cNvPr id="37" name="文本框 36">
+            <a:extLst>
+              <a:ext uri="{FF2B5EF4-FFF2-40B4-BE49-F238E27FC236}">
+                <a16:creationId xmlns:a16="http://schemas.microsoft.com/office/drawing/2014/main" id="{6C484125-1271-3D2B-A061-70A924AD19E3}"/>
+              </a:ext>
+            </a:extLst>
+          </p:cNvPr>
+          <p:cNvSpPr txBox="1"/>
+          <p:nvPr/>
+        </p:nvSpPr>
+        <p:spPr>
+          <a:xfrm>
+            <a:off x="5800118" y="4804702"/>
+            <a:ext cx="1071127" cy="369332"/>
+          </a:xfrm>
+          <a:prstGeom prst="rect">
+            <a:avLst/>
+          </a:prstGeom>
+          <a:noFill/>
+        </p:spPr>
+        <p:txBody>
+          <a:bodyPr wrap="none" rtlCol="0">
+            <a:spAutoFit/>
+          </a:bodyPr>
+          <a:lstStyle/>
+          <a:p>
+            <a:r>
+              <a:rPr lang="en-US" altLang="zh-CN" b="1" dirty="0"/>
+              <a:t>OUTPUT</a:t>
             </a:r>
           </a:p>
         </p:txBody>
       </p:sp>
-      <p:pic>
-        <p:nvPicPr>
-          <p:cNvPr id="5" name="内容占位符 4">
-            <a:extLst>
-              <a:ext uri="{FF2B5EF4-FFF2-40B4-BE49-F238E27FC236}">
-                <a16:creationId xmlns:a16="http://schemas.microsoft.com/office/drawing/2014/main" id="{21C40F97-90EC-5496-AEF8-728DFB328F25}"/>
-              </a:ext>
-            </a:extLst>
-          </p:cNvPr>
-          <p:cNvPicPr>
-            <a:picLocks noGrp="1" noChangeAspect="1"/>
-          </p:cNvPicPr>
-          <p:nvPr>
-            <p:ph idx="1"/>
-          </p:nvPr>
-        </p:nvPicPr>
-        <p:blipFill>
-          <a:blip r:embed="rId2"/>
-          <a:stretch>
-            <a:fillRect/>
-          </a:stretch>
-        </p:blipFill>
+      <p:sp>
+        <p:nvSpPr>
+          <p:cNvPr id="13" name="文本框 12">
+            <a:extLst>
+              <a:ext uri="{FF2B5EF4-FFF2-40B4-BE49-F238E27FC236}">
+                <a16:creationId xmlns:a16="http://schemas.microsoft.com/office/drawing/2014/main" id="{86B0F5F2-2228-4627-8A0A-3EAED2F13855}"/>
+              </a:ext>
+            </a:extLst>
+          </p:cNvPr>
+          <p:cNvSpPr txBox="1"/>
+          <p:nvPr/>
+        </p:nvSpPr>
         <p:spPr>
           <a:xfrm>
-            <a:off x="3920331" y="1825625"/>
-            <a:ext cx="4351338" cy="4351338"/>
-          </a:xfrm>
-        </p:spPr>
-      </p:pic>
-      <p:pic>
-        <p:nvPicPr>
-          <p:cNvPr id="7" name="图片 6">
-            <a:extLst>
-              <a:ext uri="{FF2B5EF4-FFF2-40B4-BE49-F238E27FC236}">
-                <a16:creationId xmlns:a16="http://schemas.microsoft.com/office/drawing/2014/main" id="{72EBBA06-999C-DF53-C18A-66FD5C55176C}"/>
-              </a:ext>
-            </a:extLst>
-          </p:cNvPr>
-          <p:cNvPicPr>
-            <a:picLocks noChangeAspect="1"/>
-          </p:cNvPicPr>
-          <p:nvPr/>
-        </p:nvPicPr>
-        <p:blipFill>
-          <a:blip r:embed="rId3"/>
-          <a:stretch>
-            <a:fillRect/>
-          </a:stretch>
-        </p:blipFill>
+            <a:off x="6135550" y="1284370"/>
+            <a:ext cx="851515" cy="369332"/>
+          </a:xfrm>
+          <a:prstGeom prst="rect">
+            <a:avLst/>
+          </a:prstGeom>
+          <a:noFill/>
+        </p:spPr>
+        <p:txBody>
+          <a:bodyPr wrap="none" rtlCol="0">
+            <a:spAutoFit/>
+          </a:bodyPr>
+          <a:lstStyle/>
+          <a:p>
+            <a:r>
+              <a:rPr lang="en-US" altLang="zh-CN" b="1" dirty="0"/>
+              <a:t>INPUT</a:t>
+            </a:r>
+          </a:p>
+        </p:txBody>
+      </p:sp>
+      <p:sp>
+        <p:nvSpPr>
+          <p:cNvPr id="38" name="矩形 37">
+            <a:extLst>
+              <a:ext uri="{FF2B5EF4-FFF2-40B4-BE49-F238E27FC236}">
+                <a16:creationId xmlns:a16="http://schemas.microsoft.com/office/drawing/2014/main" id="{5BBC6B4D-80A6-12C1-43A7-273CE5FA8273}"/>
+              </a:ext>
+            </a:extLst>
+          </p:cNvPr>
+          <p:cNvSpPr/>
+          <p:nvPr/>
+        </p:nvSpPr>
         <p:spPr>
           <a:xfrm>
-            <a:off x="2255685" y="2393010"/>
-            <a:ext cx="1005510" cy="1005510"/>
+            <a:off x="4708747" y="4156760"/>
+            <a:ext cx="3453319" cy="242908"/>
           </a:xfrm>
           <a:prstGeom prst="rect">
             <a:avLst/>
           </a:prstGeom>
         </p:spPr>
-      </p:pic>
-      <p:pic>
-        <p:nvPicPr>
-          <p:cNvPr id="8" name="图形 7">
-            <a:extLst>
-              <a:ext uri="{FF2B5EF4-FFF2-40B4-BE49-F238E27FC236}">
-                <a16:creationId xmlns:a16="http://schemas.microsoft.com/office/drawing/2014/main" id="{D69A6807-A4CC-DC7D-4AD7-6C694D51D7C0}"/>
-              </a:ext>
-            </a:extLst>
-          </p:cNvPr>
-          <p:cNvPicPr>
-            <a:picLocks noChangeAspect="1"/>
-          </p:cNvPicPr>
-          <p:nvPr/>
-        </p:nvPicPr>
-        <p:blipFill>
-          <a:blip r:embed="rId4">
-            <a:extLst>
-              <a:ext uri="{96DAC541-7B7A-43D3-8B79-37D633B846F1}">
-                <asvg:svgBlip xmlns:asvg="http://schemas.microsoft.com/office/drawing/2016/SVG/main" r:embed="rId5"/>
-              </a:ext>
-            </a:extLst>
-          </a:blip>
-          <a:stretch>
-            <a:fillRect/>
-          </a:stretch>
-        </p:blipFill>
+        <p:style>
+          <a:lnRef idx="2">
+            <a:schemeClr val="accent1">
+              <a:shade val="15000"/>
+            </a:schemeClr>
+          </a:lnRef>
+          <a:fillRef idx="1">
+            <a:schemeClr val="accent1"/>
+          </a:fillRef>
+          <a:effectRef idx="0">
+            <a:schemeClr val="accent1"/>
+          </a:effectRef>
+          <a:fontRef idx="minor">
+            <a:schemeClr val="lt1"/>
+          </a:fontRef>
+        </p:style>
+        <p:txBody>
+          <a:bodyPr rtlCol="0" anchor="ctr"/>
+          <a:lstStyle/>
+          <a:p>
+            <a:pPr algn="ctr"/>
+            <a:r>
+              <a:rPr lang="en-US" altLang="zh-CN" dirty="0"/>
+              <a:t>STL </a:t>
+            </a:r>
+            <a:endParaRPr lang="zh-CN" altLang="en-US" dirty="0"/>
+          </a:p>
+        </p:txBody>
+      </p:sp>
+      <p:sp>
+        <p:nvSpPr>
+          <p:cNvPr id="41" name="矩形 40">
+            <a:extLst>
+              <a:ext uri="{FF2B5EF4-FFF2-40B4-BE49-F238E27FC236}">
+                <a16:creationId xmlns:a16="http://schemas.microsoft.com/office/drawing/2014/main" id="{E0C92743-F292-D9A1-A347-911D560F78C8}"/>
+              </a:ext>
+            </a:extLst>
+          </p:cNvPr>
+          <p:cNvSpPr/>
+          <p:nvPr/>
+        </p:nvSpPr>
         <p:spPr>
           <a:xfrm>
-            <a:off x="1005766" y="2746434"/>
-            <a:ext cx="514178" cy="580220"/>
+            <a:off x="6088958" y="3221611"/>
+            <a:ext cx="2073108" cy="927299"/>
           </a:xfrm>
           <a:prstGeom prst="rect">
             <a:avLst/>
           </a:prstGeom>
         </p:spPr>
-      </p:pic>
+        <p:style>
+          <a:lnRef idx="2">
+            <a:schemeClr val="accent1">
+              <a:shade val="15000"/>
+            </a:schemeClr>
+          </a:lnRef>
+          <a:fillRef idx="1">
+            <a:schemeClr val="accent1"/>
+          </a:fillRef>
+          <a:effectRef idx="0">
+            <a:schemeClr val="accent1"/>
+          </a:effectRef>
+          <a:fontRef idx="minor">
+            <a:schemeClr val="lt1"/>
+          </a:fontRef>
+        </p:style>
+        <p:txBody>
+          <a:bodyPr rtlCol="0" anchor="ctr"/>
+          <a:lstStyle/>
+          <a:p>
+            <a:pPr algn="ctr"/>
+            <a:r>
+              <a:rPr lang="en-US" altLang="zh-CN" dirty="0"/>
+              <a:t>C++ Applications</a:t>
+            </a:r>
+            <a:endParaRPr lang="zh-CN" altLang="en-US" dirty="0"/>
+          </a:p>
+        </p:txBody>
+      </p:sp>
+      <p:sp>
+        <p:nvSpPr>
+          <p:cNvPr id="42" name="矩形 41">
+            <a:extLst>
+              <a:ext uri="{FF2B5EF4-FFF2-40B4-BE49-F238E27FC236}">
+                <a16:creationId xmlns:a16="http://schemas.microsoft.com/office/drawing/2014/main" id="{2982A364-B4A8-DBE5-6DAB-655C0081E3E3}"/>
+              </a:ext>
+            </a:extLst>
+          </p:cNvPr>
+          <p:cNvSpPr/>
+          <p:nvPr/>
+        </p:nvSpPr>
+        <p:spPr>
+          <a:xfrm>
+            <a:off x="4725984" y="3221611"/>
+            <a:ext cx="1362974" cy="927300"/>
+          </a:xfrm>
+          <a:prstGeom prst="rect">
+            <a:avLst/>
+          </a:prstGeom>
+        </p:spPr>
+        <p:style>
+          <a:lnRef idx="2">
+            <a:schemeClr val="accent1">
+              <a:shade val="15000"/>
+            </a:schemeClr>
+          </a:lnRef>
+          <a:fillRef idx="1">
+            <a:schemeClr val="accent1"/>
+          </a:fillRef>
+          <a:effectRef idx="0">
+            <a:schemeClr val="accent1"/>
+          </a:effectRef>
+          <a:fontRef idx="minor">
+            <a:schemeClr val="lt1"/>
+          </a:fontRef>
+        </p:style>
+        <p:txBody>
+          <a:bodyPr rtlCol="0" anchor="ctr"/>
+          <a:lstStyle/>
+          <a:p>
+            <a:pPr algn="ctr"/>
+            <a:r>
+              <a:rPr lang="en-US" altLang="zh-CN" dirty="0"/>
+              <a:t>Python Application</a:t>
+            </a:r>
+            <a:endParaRPr lang="zh-CN" altLang="en-US" dirty="0"/>
+          </a:p>
+        </p:txBody>
+      </p:sp>
+      <p:sp>
+        <p:nvSpPr>
+          <p:cNvPr id="39" name="矩形 38">
+            <a:extLst>
+              <a:ext uri="{FF2B5EF4-FFF2-40B4-BE49-F238E27FC236}">
+                <a16:creationId xmlns:a16="http://schemas.microsoft.com/office/drawing/2014/main" id="{7816E39A-E721-E24C-6CEA-FCE9639B744A}"/>
+              </a:ext>
+            </a:extLst>
+          </p:cNvPr>
+          <p:cNvSpPr/>
+          <p:nvPr/>
+        </p:nvSpPr>
+        <p:spPr>
+          <a:xfrm>
+            <a:off x="5589243" y="3825736"/>
+            <a:ext cx="1721795" cy="331024"/>
+          </a:xfrm>
+          <a:prstGeom prst="rect">
+            <a:avLst/>
+          </a:prstGeom>
+        </p:spPr>
+        <p:style>
+          <a:lnRef idx="2">
+            <a:schemeClr val="accent1">
+              <a:shade val="15000"/>
+            </a:schemeClr>
+          </a:lnRef>
+          <a:fillRef idx="1">
+            <a:schemeClr val="accent1"/>
+          </a:fillRef>
+          <a:effectRef idx="0">
+            <a:schemeClr val="accent1"/>
+          </a:effectRef>
+          <a:fontRef idx="minor">
+            <a:schemeClr val="lt1"/>
+          </a:fontRef>
+        </p:style>
+        <p:txBody>
+          <a:bodyPr rtlCol="0" anchor="ctr"/>
+          <a:lstStyle/>
+          <a:p>
+            <a:pPr algn="ctr"/>
+            <a:r>
+              <a:rPr lang="en-US" altLang="zh-CN" dirty="0"/>
+              <a:t>Core</a:t>
+            </a:r>
+            <a:endParaRPr lang="zh-CN" altLang="en-US" dirty="0"/>
+          </a:p>
+        </p:txBody>
+      </p:sp>
+      <p:sp>
+        <p:nvSpPr>
+          <p:cNvPr id="40" name="矩形 39">
+            <a:extLst>
+              <a:ext uri="{FF2B5EF4-FFF2-40B4-BE49-F238E27FC236}">
+                <a16:creationId xmlns:a16="http://schemas.microsoft.com/office/drawing/2014/main" id="{4BD30C6B-B0A8-BC3E-ADCD-2FD4A77DA79A}"/>
+              </a:ext>
+            </a:extLst>
+          </p:cNvPr>
+          <p:cNvSpPr/>
+          <p:nvPr/>
+        </p:nvSpPr>
+        <p:spPr>
+          <a:xfrm>
+            <a:off x="5899115" y="3494712"/>
+            <a:ext cx="1056739" cy="331024"/>
+          </a:xfrm>
+          <a:prstGeom prst="rect">
+            <a:avLst/>
+          </a:prstGeom>
+        </p:spPr>
+        <p:style>
+          <a:lnRef idx="2">
+            <a:schemeClr val="accent1">
+              <a:shade val="15000"/>
+            </a:schemeClr>
+          </a:lnRef>
+          <a:fillRef idx="1">
+            <a:schemeClr val="accent1"/>
+          </a:fillRef>
+          <a:effectRef idx="0">
+            <a:schemeClr val="accent1"/>
+          </a:effectRef>
+          <a:fontRef idx="minor">
+            <a:schemeClr val="lt1"/>
+          </a:fontRef>
+        </p:style>
+        <p:txBody>
+          <a:bodyPr rtlCol="0" anchor="ctr"/>
+          <a:lstStyle/>
+          <a:p>
+            <a:pPr algn="ctr"/>
+            <a:r>
+              <a:rPr lang="en-US" altLang="zh-CN" dirty="0"/>
+              <a:t>Models</a:t>
+            </a:r>
+            <a:endParaRPr lang="zh-CN" altLang="en-US" dirty="0"/>
+          </a:p>
+        </p:txBody>
+      </p:sp>
     </p:spTree>
     <p:extLst>
       <p:ext uri="{BB962C8B-B14F-4D97-AF65-F5344CB8AC3E}">
-        <p14:creationId xmlns:p14="http://schemas.microsoft.com/office/powerpoint/2010/main" val="3833007692"/>
+        <p14:creationId xmlns:p14="http://schemas.microsoft.com/office/powerpoint/2010/main" val="4003949321"/>
       </p:ext>
     </p:extLst>
   </p:cSld>

--- a/arch/CybertwinSimArch.pptx
+++ b/arch/CybertwinSimArch.pptx
@@ -235,7 +235,7 @@
           <a:p>
             <a:fld id="{8B53DC8C-93B3-6741-B9FD-FAE061E511FF}" type="datetimeFigureOut">
               <a:rPr kumimoji="1" lang="zh-CN" altLang="en-US" smtClean="0"/>
-              <a:t>2023/6/16</a:t>
+              <a:t>2023/6/17</a:t>
             </a:fld>
             <a:endParaRPr kumimoji="1" lang="zh-CN" altLang="en-US"/>
           </a:p>
@@ -901,7 +901,7 @@
           <a:p>
             <a:fld id="{A628586D-C04B-DD40-AE90-D0D282D0CC3F}" type="datetimeFigureOut">
               <a:rPr kumimoji="1" lang="zh-CN" altLang="en-US" smtClean="0"/>
-              <a:t>2023/6/16</a:t>
+              <a:t>2023/6/17</a:t>
             </a:fld>
             <a:endParaRPr kumimoji="1" lang="zh-CN" altLang="en-US"/>
           </a:p>
@@ -1099,7 +1099,7 @@
           <a:p>
             <a:fld id="{A628586D-C04B-DD40-AE90-D0D282D0CC3F}" type="datetimeFigureOut">
               <a:rPr kumimoji="1" lang="zh-CN" altLang="en-US" smtClean="0"/>
-              <a:t>2023/6/16</a:t>
+              <a:t>2023/6/17</a:t>
             </a:fld>
             <a:endParaRPr kumimoji="1" lang="zh-CN" altLang="en-US"/>
           </a:p>
@@ -1307,7 +1307,7 @@
           <a:p>
             <a:fld id="{A628586D-C04B-DD40-AE90-D0D282D0CC3F}" type="datetimeFigureOut">
               <a:rPr kumimoji="1" lang="zh-CN" altLang="en-US" smtClean="0"/>
-              <a:t>2023/6/16</a:t>
+              <a:t>2023/6/17</a:t>
             </a:fld>
             <a:endParaRPr kumimoji="1" lang="zh-CN" altLang="en-US"/>
           </a:p>
@@ -1505,7 +1505,7 @@
           <a:p>
             <a:fld id="{A628586D-C04B-DD40-AE90-D0D282D0CC3F}" type="datetimeFigureOut">
               <a:rPr kumimoji="1" lang="zh-CN" altLang="en-US" smtClean="0"/>
-              <a:t>2023/6/16</a:t>
+              <a:t>2023/6/17</a:t>
             </a:fld>
             <a:endParaRPr kumimoji="1" lang="zh-CN" altLang="en-US"/>
           </a:p>
@@ -1780,7 +1780,7 @@
           <a:p>
             <a:fld id="{A628586D-C04B-DD40-AE90-D0D282D0CC3F}" type="datetimeFigureOut">
               <a:rPr kumimoji="1" lang="zh-CN" altLang="en-US" smtClean="0"/>
-              <a:t>2023/6/16</a:t>
+              <a:t>2023/6/17</a:t>
             </a:fld>
             <a:endParaRPr kumimoji="1" lang="zh-CN" altLang="en-US"/>
           </a:p>
@@ -2045,7 +2045,7 @@
           <a:p>
             <a:fld id="{A628586D-C04B-DD40-AE90-D0D282D0CC3F}" type="datetimeFigureOut">
               <a:rPr kumimoji="1" lang="zh-CN" altLang="en-US" smtClean="0"/>
-              <a:t>2023/6/16</a:t>
+              <a:t>2023/6/17</a:t>
             </a:fld>
             <a:endParaRPr kumimoji="1" lang="zh-CN" altLang="en-US"/>
           </a:p>
@@ -2457,7 +2457,7 @@
           <a:p>
             <a:fld id="{A628586D-C04B-DD40-AE90-D0D282D0CC3F}" type="datetimeFigureOut">
               <a:rPr kumimoji="1" lang="zh-CN" altLang="en-US" smtClean="0"/>
-              <a:t>2023/6/16</a:t>
+              <a:t>2023/6/17</a:t>
             </a:fld>
             <a:endParaRPr kumimoji="1" lang="zh-CN" altLang="en-US"/>
           </a:p>
@@ -2598,7 +2598,7 @@
           <a:p>
             <a:fld id="{A628586D-C04B-DD40-AE90-D0D282D0CC3F}" type="datetimeFigureOut">
               <a:rPr kumimoji="1" lang="zh-CN" altLang="en-US" smtClean="0"/>
-              <a:t>2023/6/16</a:t>
+              <a:t>2023/6/17</a:t>
             </a:fld>
             <a:endParaRPr kumimoji="1" lang="zh-CN" altLang="en-US"/>
           </a:p>
@@ -2711,7 +2711,7 @@
           <a:p>
             <a:fld id="{A628586D-C04B-DD40-AE90-D0D282D0CC3F}" type="datetimeFigureOut">
               <a:rPr kumimoji="1" lang="zh-CN" altLang="en-US" smtClean="0"/>
-              <a:t>2023/6/16</a:t>
+              <a:t>2023/6/17</a:t>
             </a:fld>
             <a:endParaRPr kumimoji="1" lang="zh-CN" altLang="en-US"/>
           </a:p>
@@ -3022,7 +3022,7 @@
           <a:p>
             <a:fld id="{A628586D-C04B-DD40-AE90-D0D282D0CC3F}" type="datetimeFigureOut">
               <a:rPr kumimoji="1" lang="zh-CN" altLang="en-US" smtClean="0"/>
-              <a:t>2023/6/16</a:t>
+              <a:t>2023/6/17</a:t>
             </a:fld>
             <a:endParaRPr kumimoji="1" lang="zh-CN" altLang="en-US"/>
           </a:p>
@@ -3310,7 +3310,7 @@
           <a:p>
             <a:fld id="{A628586D-C04B-DD40-AE90-D0D282D0CC3F}" type="datetimeFigureOut">
               <a:rPr kumimoji="1" lang="zh-CN" altLang="en-US" smtClean="0"/>
-              <a:t>2023/6/16</a:t>
+              <a:t>2023/6/17</a:t>
             </a:fld>
             <a:endParaRPr kumimoji="1" lang="zh-CN" altLang="en-US"/>
           </a:p>
@@ -3551,7 +3551,7 @@
           <a:p>
             <a:fld id="{A628586D-C04B-DD40-AE90-D0D282D0CC3F}" type="datetimeFigureOut">
               <a:rPr kumimoji="1" lang="zh-CN" altLang="en-US" smtClean="0"/>
-              <a:t>2023/6/16</a:t>
+              <a:t>2023/6/17</a:t>
             </a:fld>
             <a:endParaRPr kumimoji="1" lang="zh-CN" altLang="en-US"/>
           </a:p>
@@ -4071,9 +4071,9 @@
           <p:nvPr/>
         </p:nvCxnSpPr>
         <p:spPr>
-          <a:xfrm>
-            <a:off x="3448719" y="778790"/>
-            <a:ext cx="0" cy="3949430"/>
+          <a:xfrm flipH="1">
+            <a:off x="4794478" y="941628"/>
+            <a:ext cx="19575" cy="3325572"/>
           </a:xfrm>
           <a:prstGeom prst="line">
             <a:avLst/>
@@ -4114,9 +4114,9 @@
           <p:nvPr/>
         </p:nvCxnSpPr>
         <p:spPr>
-          <a:xfrm flipH="1">
-            <a:off x="5308272" y="792795"/>
-            <a:ext cx="7" cy="3949430"/>
+          <a:xfrm>
+            <a:off x="6673613" y="955633"/>
+            <a:ext cx="7066" cy="3372527"/>
           </a:xfrm>
           <a:prstGeom prst="line">
             <a:avLst/>
@@ -4158,8 +4158,8 @@
         </p:nvCxnSpPr>
         <p:spPr>
           <a:xfrm>
-            <a:off x="3091757" y="1046845"/>
-            <a:ext cx="2231892" cy="192843"/>
+            <a:off x="4475057" y="1287183"/>
+            <a:ext cx="2179960" cy="83247"/>
           </a:xfrm>
           <a:prstGeom prst="straightConnector1">
             <a:avLst/>
@@ -4202,8 +4202,8 @@
         </p:nvCxnSpPr>
         <p:spPr>
           <a:xfrm>
-            <a:off x="3448719" y="1267502"/>
-            <a:ext cx="2208837" cy="159382"/>
+            <a:off x="4818405" y="1501642"/>
+            <a:ext cx="2204485" cy="88080"/>
           </a:xfrm>
           <a:prstGeom prst="straightConnector1">
             <a:avLst/>
@@ -4246,8 +4246,8 @@
         </p:nvCxnSpPr>
         <p:spPr>
           <a:xfrm flipH="1">
-            <a:off x="3062703" y="1282174"/>
-            <a:ext cx="2245569" cy="248463"/>
+            <a:off x="4475057" y="1438051"/>
+            <a:ext cx="2175899" cy="200641"/>
           </a:xfrm>
           <a:prstGeom prst="straightConnector1">
             <a:avLst/>
@@ -4290,8 +4290,8 @@
         </p:nvCxnSpPr>
         <p:spPr>
           <a:xfrm flipH="1">
-            <a:off x="3419384" y="1463803"/>
-            <a:ext cx="2199992" cy="321760"/>
+            <a:off x="4818405" y="1721165"/>
+            <a:ext cx="2177675" cy="222550"/>
           </a:xfrm>
           <a:prstGeom prst="straightConnector1">
             <a:avLst/>
@@ -4334,8 +4334,8 @@
         </p:nvCxnSpPr>
         <p:spPr>
           <a:xfrm>
-            <a:off x="3099435" y="2004670"/>
-            <a:ext cx="2224214" cy="298647"/>
+            <a:off x="4462143" y="2272921"/>
+            <a:ext cx="2192874" cy="142265"/>
           </a:xfrm>
           <a:prstGeom prst="straightConnector1">
             <a:avLst/>
@@ -4378,8 +4378,8 @@
         </p:nvCxnSpPr>
         <p:spPr>
           <a:xfrm flipH="1">
-            <a:off x="3062703" y="2342586"/>
-            <a:ext cx="2222423" cy="516203"/>
+            <a:off x="4447069" y="2780975"/>
+            <a:ext cx="2207948" cy="157349"/>
           </a:xfrm>
           <a:prstGeom prst="straightConnector1">
             <a:avLst/>
@@ -4422,13 +4422,16 @@
         </p:nvCxnSpPr>
         <p:spPr>
           <a:xfrm>
-            <a:off x="3131945" y="3092966"/>
-            <a:ext cx="2562689" cy="383290"/>
+            <a:off x="4476685" y="3385067"/>
+            <a:ext cx="2176703" cy="125595"/>
           </a:xfrm>
           <a:prstGeom prst="straightConnector1">
             <a:avLst/>
           </a:prstGeom>
-          <a:ln>
+          <a:ln w="12700">
+            <a:solidFill>
+              <a:srgbClr val="FFC000"/>
+            </a:solidFill>
             <a:tailEnd type="triangle"/>
           </a:ln>
         </p:spPr>
@@ -4463,8 +4466,8 @@
         </p:nvCxnSpPr>
         <p:spPr>
           <a:xfrm flipH="1">
-            <a:off x="3081735" y="2838040"/>
-            <a:ext cx="2588938" cy="522487"/>
+            <a:off x="4805215" y="3006796"/>
+            <a:ext cx="2187608" cy="201413"/>
           </a:xfrm>
           <a:prstGeom prst="straightConnector1">
             <a:avLst/>
@@ -4504,47 +4507,8 @@
         </p:nvCxnSpPr>
         <p:spPr>
           <a:xfrm>
-            <a:off x="3432204" y="2447647"/>
-            <a:ext cx="2207669" cy="260931"/>
-          </a:xfrm>
-          <a:prstGeom prst="straightConnector1">
-            <a:avLst/>
-          </a:prstGeom>
-          <a:ln>
-            <a:tailEnd type="triangle"/>
-          </a:ln>
-        </p:spPr>
-        <p:style>
-          <a:lnRef idx="1">
-            <a:schemeClr val="accent1"/>
-          </a:lnRef>
-          <a:fillRef idx="0">
-            <a:schemeClr val="accent1"/>
-          </a:fillRef>
-          <a:effectRef idx="0">
-            <a:schemeClr val="accent1"/>
-          </a:effectRef>
-          <a:fontRef idx="minor">
-            <a:schemeClr val="tx1"/>
-          </a:fontRef>
-        </p:style>
-      </p:cxnSp>
-      <p:cxnSp>
-        <p:nvCxnSpPr>
-          <p:cNvPr id="70" name="直接箭头连接符 69">
-            <a:extLst>
-              <a:ext uri="{FF2B5EF4-FFF2-40B4-BE49-F238E27FC236}">
-                <a16:creationId xmlns:a16="http://schemas.microsoft.com/office/drawing/2014/main" id="{5FD5ACB9-0F91-6A4B-1C32-5CE3C14F37E4}"/>
-              </a:ext>
-            </a:extLst>
-          </p:cNvPr>
-          <p:cNvCxnSpPr/>
-          <p:nvPr/>
-        </p:nvCxnSpPr>
-        <p:spPr>
-          <a:xfrm>
-            <a:off x="3933495" y="4231416"/>
-            <a:ext cx="2876145" cy="311285"/>
+            <a:off x="4807578" y="2532359"/>
+            <a:ext cx="2206467" cy="145515"/>
           </a:xfrm>
           <a:prstGeom prst="straightConnector1">
             <a:avLst/>
@@ -4582,7 +4546,7 @@
         </p:nvSpPr>
         <p:spPr>
           <a:xfrm>
-            <a:off x="3483619" y="953959"/>
+            <a:off x="4848953" y="1116797"/>
             <a:ext cx="611065" cy="200055"/>
           </a:xfrm>
           <a:prstGeom prst="rect">
@@ -4618,7 +4582,7 @@
         </p:nvSpPr>
         <p:spPr>
           <a:xfrm>
-            <a:off x="3857669" y="1173649"/>
+            <a:off x="5365147" y="1342508"/>
             <a:ext cx="611065" cy="200055"/>
           </a:xfrm>
           <a:prstGeom prst="rect">
@@ -4654,7 +4618,7 @@
         </p:nvSpPr>
         <p:spPr>
           <a:xfrm>
-            <a:off x="3471866" y="1388376"/>
+            <a:off x="4837200" y="1551214"/>
             <a:ext cx="614271" cy="200055"/>
           </a:xfrm>
           <a:prstGeom prst="rect">
@@ -4690,7 +4654,7 @@
         </p:nvSpPr>
         <p:spPr>
           <a:xfrm>
-            <a:off x="3860072" y="1639128"/>
+            <a:off x="5382524" y="1829922"/>
             <a:ext cx="614271" cy="200055"/>
           </a:xfrm>
           <a:prstGeom prst="rect">
@@ -4726,8 +4690,8 @@
         </p:nvSpPr>
         <p:spPr>
           <a:xfrm>
-            <a:off x="3212849" y="1933975"/>
-            <a:ext cx="1643399" cy="200055"/>
+            <a:off x="4570365" y="2185149"/>
+            <a:ext cx="1340432" cy="200055"/>
           </a:xfrm>
           <a:prstGeom prst="rect">
             <a:avLst/>
@@ -4742,7 +4706,7 @@
           <a:p>
             <a:r>
               <a:rPr lang="en-US" altLang="zh-CN" sz="700" b="1" dirty="0"/>
-              <a:t>PATH1 CUID1, Path ID1, Sender Key</a:t>
+              <a:t>CUID1, Path ID1, Sender Key</a:t>
             </a:r>
             <a:endParaRPr lang="zh-CN" altLang="en-US" sz="700" b="1" dirty="0"/>
           </a:p>
@@ -4762,8 +4726,8 @@
         </p:nvSpPr>
         <p:spPr>
           <a:xfrm>
-            <a:off x="3183193" y="2637756"/>
-            <a:ext cx="1702710" cy="200055"/>
+            <a:off x="4614032" y="2769262"/>
+            <a:ext cx="1452642" cy="200055"/>
           </a:xfrm>
           <a:prstGeom prst="rect">
             <a:avLst/>
@@ -4778,7 +4742,7 @@
           <a:p>
             <a:r>
               <a:rPr lang="en-US" altLang="zh-CN" sz="700" b="1" dirty="0"/>
-              <a:t>PATH1 CUID2, Path ID1, Receiver Key</a:t>
+              <a:t>CUID2, Path ID1, Receiver Key</a:t>
             </a:r>
             <a:endParaRPr lang="zh-CN" altLang="en-US" sz="700" b="1" dirty="0"/>
           </a:p>
@@ -4786,10 +4750,10 @@
       </p:sp>
       <p:sp>
         <p:nvSpPr>
-          <p:cNvPr id="82" name="文本框 81">
-            <a:extLst>
-              <a:ext uri="{FF2B5EF4-FFF2-40B4-BE49-F238E27FC236}">
-                <a16:creationId xmlns:a16="http://schemas.microsoft.com/office/drawing/2014/main" id="{2EE0B6F6-1BD9-3D00-D48B-5FA6BAE11FB9}"/>
+          <p:cNvPr id="83" name="文本框 82">
+            <a:extLst>
+              <a:ext uri="{FF2B5EF4-FFF2-40B4-BE49-F238E27FC236}">
+                <a16:creationId xmlns:a16="http://schemas.microsoft.com/office/drawing/2014/main" id="{A4823D2B-FCFD-87A6-3DC2-910CDB82CB07}"/>
               </a:ext>
             </a:extLst>
           </p:cNvPr>
@@ -4798,8 +4762,8 @@
         </p:nvSpPr>
         <p:spPr>
           <a:xfrm>
-            <a:off x="4858447" y="3460783"/>
-            <a:ext cx="952505" cy="276999"/>
+            <a:off x="4632207" y="3301300"/>
+            <a:ext cx="1342034" cy="307777"/>
           </a:xfrm>
           <a:prstGeom prst="rect">
             <a:avLst/>
@@ -4813,140 +4777,12 @@
           <a:lstStyle/>
           <a:p>
             <a:r>
-              <a:rPr lang="en-US" altLang="zh-CN" sz="1200" dirty="0"/>
-              <a:t>PATH2 SYN</a:t>
+              <a:rPr lang="en-US" altLang="zh-CN" sz="700" b="1" dirty="0"/>
+              <a:t>Path ID1, Conn ID, Data Seq </a:t>
             </a:r>
-            <a:endParaRPr lang="zh-CN" altLang="en-US" sz="1200" dirty="0"/>
           </a:p>
-        </p:txBody>
-      </p:sp>
-      <p:sp>
-        <p:nvSpPr>
-          <p:cNvPr id="83" name="文本框 82">
-            <a:extLst>
-              <a:ext uri="{FF2B5EF4-FFF2-40B4-BE49-F238E27FC236}">
-                <a16:creationId xmlns:a16="http://schemas.microsoft.com/office/drawing/2014/main" id="{A4823D2B-FCFD-87A6-3DC2-910CDB82CB07}"/>
-              </a:ext>
-            </a:extLst>
-          </p:cNvPr>
-          <p:cNvSpPr txBox="1"/>
-          <p:nvPr/>
-        </p:nvSpPr>
-        <p:spPr>
-          <a:xfrm>
-            <a:off x="4234924" y="3542971"/>
-            <a:ext cx="566181" cy="276999"/>
-          </a:xfrm>
-          <a:prstGeom prst="rect">
-            <a:avLst/>
-          </a:prstGeom>
-          <a:noFill/>
-        </p:spPr>
-        <p:txBody>
-          <a:bodyPr wrap="none" rtlCol="0">
-            <a:spAutoFit/>
-          </a:bodyPr>
-          <a:lstStyle/>
           <a:p>
-            <a:r>
-              <a:rPr lang="en-US" altLang="zh-CN" sz="1200" dirty="0"/>
-              <a:t>DATA</a:t>
-            </a:r>
-            <a:endParaRPr lang="zh-CN" altLang="en-US" sz="1200" dirty="0"/>
-          </a:p>
-        </p:txBody>
-      </p:sp>
-      <p:sp>
-        <p:nvSpPr>
-          <p:cNvPr id="86" name="左大括号 85">
-            <a:extLst>
-              <a:ext uri="{FF2B5EF4-FFF2-40B4-BE49-F238E27FC236}">
-                <a16:creationId xmlns:a16="http://schemas.microsoft.com/office/drawing/2014/main" id="{2AC5FB17-3E30-BC9A-F1EC-2D909FC66B69}"/>
-              </a:ext>
-            </a:extLst>
-          </p:cNvPr>
-          <p:cNvSpPr/>
-          <p:nvPr/>
-        </p:nvSpPr>
-        <p:spPr>
-          <a:xfrm>
-            <a:off x="2761461" y="1543677"/>
-            <a:ext cx="287723" cy="460993"/>
-          </a:xfrm>
-          <a:prstGeom prst="leftBrace">
-            <a:avLst/>
-          </a:prstGeom>
-        </p:spPr>
-        <p:style>
-          <a:lnRef idx="1">
-            <a:schemeClr val="accent1"/>
-          </a:lnRef>
-          <a:fillRef idx="0">
-            <a:schemeClr val="accent1"/>
-          </a:fillRef>
-          <a:effectRef idx="0">
-            <a:schemeClr val="accent1"/>
-          </a:effectRef>
-          <a:fontRef idx="minor">
-            <a:schemeClr val="tx1"/>
-          </a:fontRef>
-        </p:style>
-        <p:txBody>
-          <a:bodyPr rtlCol="0" anchor="ctr"/>
-          <a:lstStyle/>
-          <a:p>
-            <a:pPr algn="ctr"/>
-            <a:endParaRPr lang="zh-CN" altLang="en-US"/>
-          </a:p>
-        </p:txBody>
-      </p:sp>
-      <p:sp>
-        <p:nvSpPr>
-          <p:cNvPr id="89" name="椭圆 88">
-            <a:extLst>
-              <a:ext uri="{FF2B5EF4-FFF2-40B4-BE49-F238E27FC236}">
-                <a16:creationId xmlns:a16="http://schemas.microsoft.com/office/drawing/2014/main" id="{8EDCD3CB-3022-4238-F917-C058CA89D123}"/>
-              </a:ext>
-            </a:extLst>
-          </p:cNvPr>
-          <p:cNvSpPr/>
-          <p:nvPr/>
-        </p:nvSpPr>
-        <p:spPr>
-          <a:xfrm>
-            <a:off x="2451288" y="1664925"/>
-            <a:ext cx="212335" cy="198746"/>
-          </a:xfrm>
-          <a:prstGeom prst="ellipse">
-            <a:avLst/>
-          </a:prstGeom>
-        </p:spPr>
-        <p:style>
-          <a:lnRef idx="2">
-            <a:schemeClr val="accent1">
-              <a:shade val="15000"/>
-            </a:schemeClr>
-          </a:lnRef>
-          <a:fillRef idx="1">
-            <a:schemeClr val="accent1"/>
-          </a:fillRef>
-          <a:effectRef idx="0">
-            <a:schemeClr val="accent1"/>
-          </a:effectRef>
-          <a:fontRef idx="minor">
-            <a:schemeClr val="lt1"/>
-          </a:fontRef>
-        </p:style>
-        <p:txBody>
-          <a:bodyPr rtlCol="0" anchor="ctr"/>
-          <a:lstStyle/>
-          <a:p>
-            <a:pPr algn="ctr"/>
-            <a:r>
-              <a:rPr lang="en-US" altLang="zh-CN" sz="1200" dirty="0"/>
-              <a:t>1</a:t>
-            </a:r>
-            <a:endParaRPr lang="zh-CN" altLang="en-US" dirty="0"/>
+            <a:endParaRPr lang="zh-CN" altLang="en-US" sz="700" dirty="0"/>
           </a:p>
         </p:txBody>
       </p:sp>
@@ -4965,9 +4801,9 @@
           <p:nvPr/>
         </p:nvCxnSpPr>
         <p:spPr>
-          <a:xfrm>
-            <a:off x="3091757" y="792795"/>
-            <a:ext cx="0" cy="3949430"/>
+          <a:xfrm flipH="1">
+            <a:off x="4451042" y="955633"/>
+            <a:ext cx="6049" cy="3311567"/>
           </a:xfrm>
           <a:prstGeom prst="line">
             <a:avLst/>
@@ -5008,9 +4844,9 @@
           <p:nvPr/>
         </p:nvCxnSpPr>
         <p:spPr>
-          <a:xfrm flipH="1">
-            <a:off x="5648711" y="793618"/>
-            <a:ext cx="7" cy="3949430"/>
+          <a:xfrm>
+            <a:off x="7014052" y="956456"/>
+            <a:ext cx="180" cy="3371704"/>
           </a:xfrm>
           <a:prstGeom prst="line">
             <a:avLst/>
@@ -5050,7 +4886,7 @@
         </p:nvSpPr>
         <p:spPr>
           <a:xfrm>
-            <a:off x="3487224" y="2291867"/>
+            <a:off x="4949655" y="2453177"/>
             <a:ext cx="1643378" cy="200055"/>
           </a:xfrm>
           <a:prstGeom prst="rect">
@@ -5066,7 +4902,7 @@
           <a:p>
             <a:r>
               <a:rPr lang="en-US" altLang="zh-CN" sz="700" b="1" dirty="0"/>
-              <a:t>PATH2 CUID1, Path ID2, Sender Key</a:t>
+              <a:t>CUID1, Path ID2, Sender Key</a:t>
             </a:r>
             <a:endParaRPr lang="zh-CN" altLang="en-US" sz="700" b="1" dirty="0"/>
           </a:p>
@@ -5086,8 +4922,8 @@
         </p:nvSpPr>
         <p:spPr>
           <a:xfrm>
-            <a:off x="5897351" y="2461254"/>
-            <a:ext cx="1702710" cy="200055"/>
+            <a:off x="4948246" y="3057481"/>
+            <a:ext cx="1452642" cy="200055"/>
           </a:xfrm>
           <a:prstGeom prst="rect">
             <a:avLst/>
@@ -5102,7 +4938,2244 @@
           <a:p>
             <a:r>
               <a:rPr lang="en-US" altLang="zh-CN" sz="700" b="1" dirty="0"/>
-              <a:t>PATH1 CUID2, Path ID1, Receiver Key</a:t>
+              <a:t>CUID2, Path ID2, Receiver Key</a:t>
+            </a:r>
+            <a:endParaRPr lang="zh-CN" altLang="en-US" sz="700" b="1" dirty="0"/>
+          </a:p>
+        </p:txBody>
+      </p:sp>
+      <p:cxnSp>
+        <p:nvCxnSpPr>
+          <p:cNvPr id="40" name="直线连接符 39">
+            <a:extLst>
+              <a:ext uri="{FF2B5EF4-FFF2-40B4-BE49-F238E27FC236}">
+                <a16:creationId xmlns:a16="http://schemas.microsoft.com/office/drawing/2014/main" id="{A0A66628-1026-E60E-5F06-428984A08AE6}"/>
+              </a:ext>
+            </a:extLst>
+          </p:cNvPr>
+          <p:cNvCxnSpPr/>
+          <p:nvPr/>
+        </p:nvCxnSpPr>
+        <p:spPr>
+          <a:xfrm>
+            <a:off x="4300151" y="950125"/>
+            <a:ext cx="293836" cy="0"/>
+          </a:xfrm>
+          <a:prstGeom prst="line">
+            <a:avLst/>
+          </a:prstGeom>
+          <a:ln w="19050">
+            <a:solidFill>
+              <a:schemeClr val="tx1"/>
+            </a:solidFill>
+          </a:ln>
+        </p:spPr>
+        <p:style>
+          <a:lnRef idx="1">
+            <a:schemeClr val="accent1"/>
+          </a:lnRef>
+          <a:fillRef idx="0">
+            <a:schemeClr val="accent1"/>
+          </a:fillRef>
+          <a:effectRef idx="0">
+            <a:schemeClr val="accent1"/>
+          </a:effectRef>
+          <a:fontRef idx="minor">
+            <a:schemeClr val="tx1"/>
+          </a:fontRef>
+        </p:style>
+      </p:cxnSp>
+      <p:cxnSp>
+        <p:nvCxnSpPr>
+          <p:cNvPr id="41" name="直线连接符 40">
+            <a:extLst>
+              <a:ext uri="{FF2B5EF4-FFF2-40B4-BE49-F238E27FC236}">
+                <a16:creationId xmlns:a16="http://schemas.microsoft.com/office/drawing/2014/main" id="{051985C7-00BE-95F2-FBFB-1A157493E0A1}"/>
+              </a:ext>
+            </a:extLst>
+          </p:cNvPr>
+          <p:cNvCxnSpPr/>
+          <p:nvPr/>
+        </p:nvCxnSpPr>
+        <p:spPr>
+          <a:xfrm>
+            <a:off x="4662665" y="947975"/>
+            <a:ext cx="293836" cy="0"/>
+          </a:xfrm>
+          <a:prstGeom prst="line">
+            <a:avLst/>
+          </a:prstGeom>
+          <a:ln w="19050">
+            <a:solidFill>
+              <a:schemeClr val="tx1"/>
+            </a:solidFill>
+          </a:ln>
+        </p:spPr>
+        <p:style>
+          <a:lnRef idx="1">
+            <a:schemeClr val="accent1"/>
+          </a:lnRef>
+          <a:fillRef idx="0">
+            <a:schemeClr val="accent1"/>
+          </a:fillRef>
+          <a:effectRef idx="0">
+            <a:schemeClr val="accent1"/>
+          </a:effectRef>
+          <a:fontRef idx="minor">
+            <a:schemeClr val="tx1"/>
+          </a:fontRef>
+        </p:style>
+      </p:cxnSp>
+      <p:cxnSp>
+        <p:nvCxnSpPr>
+          <p:cNvPr id="44" name="直线连接符 43">
+            <a:extLst>
+              <a:ext uri="{FF2B5EF4-FFF2-40B4-BE49-F238E27FC236}">
+                <a16:creationId xmlns:a16="http://schemas.microsoft.com/office/drawing/2014/main" id="{4601F24F-DF96-7327-AEB7-E8489CEB97DC}"/>
+              </a:ext>
+            </a:extLst>
+          </p:cNvPr>
+          <p:cNvCxnSpPr/>
+          <p:nvPr/>
+        </p:nvCxnSpPr>
+        <p:spPr>
+          <a:xfrm>
+            <a:off x="6512460" y="950125"/>
+            <a:ext cx="293836" cy="0"/>
+          </a:xfrm>
+          <a:prstGeom prst="line">
+            <a:avLst/>
+          </a:prstGeom>
+          <a:ln w="19050">
+            <a:solidFill>
+              <a:schemeClr val="tx1"/>
+            </a:solidFill>
+          </a:ln>
+        </p:spPr>
+        <p:style>
+          <a:lnRef idx="1">
+            <a:schemeClr val="accent1"/>
+          </a:lnRef>
+          <a:fillRef idx="0">
+            <a:schemeClr val="accent1"/>
+          </a:fillRef>
+          <a:effectRef idx="0">
+            <a:schemeClr val="accent1"/>
+          </a:effectRef>
+          <a:fontRef idx="minor">
+            <a:schemeClr val="tx1"/>
+          </a:fontRef>
+        </p:style>
+      </p:cxnSp>
+      <p:cxnSp>
+        <p:nvCxnSpPr>
+          <p:cNvPr id="45" name="直线连接符 44">
+            <a:extLst>
+              <a:ext uri="{FF2B5EF4-FFF2-40B4-BE49-F238E27FC236}">
+                <a16:creationId xmlns:a16="http://schemas.microsoft.com/office/drawing/2014/main" id="{072D4377-12B8-5FE0-DA00-A6932BCF0409}"/>
+              </a:ext>
+            </a:extLst>
+          </p:cNvPr>
+          <p:cNvCxnSpPr/>
+          <p:nvPr/>
+        </p:nvCxnSpPr>
+        <p:spPr>
+          <a:xfrm>
+            <a:off x="6867127" y="950963"/>
+            <a:ext cx="293836" cy="0"/>
+          </a:xfrm>
+          <a:prstGeom prst="line">
+            <a:avLst/>
+          </a:prstGeom>
+          <a:ln w="19050">
+            <a:solidFill>
+              <a:schemeClr val="tx1"/>
+            </a:solidFill>
+          </a:ln>
+        </p:spPr>
+        <p:style>
+          <a:lnRef idx="1">
+            <a:schemeClr val="accent1"/>
+          </a:lnRef>
+          <a:fillRef idx="0">
+            <a:schemeClr val="accent1"/>
+          </a:fillRef>
+          <a:effectRef idx="0">
+            <a:schemeClr val="accent1"/>
+          </a:effectRef>
+          <a:fontRef idx="minor">
+            <a:schemeClr val="tx1"/>
+          </a:fontRef>
+        </p:style>
+      </p:cxnSp>
+      <p:sp>
+        <p:nvSpPr>
+          <p:cNvPr id="46" name="文本框 45">
+            <a:extLst>
+              <a:ext uri="{FF2B5EF4-FFF2-40B4-BE49-F238E27FC236}">
+                <a16:creationId xmlns:a16="http://schemas.microsoft.com/office/drawing/2014/main" id="{A88357E2-98D8-CA37-8B68-6CFB3878DFF4}"/>
+              </a:ext>
+            </a:extLst>
+          </p:cNvPr>
+          <p:cNvSpPr txBox="1"/>
+          <p:nvPr/>
+        </p:nvSpPr>
+        <p:spPr>
+          <a:xfrm>
+            <a:off x="4180351" y="768849"/>
+            <a:ext cx="548548" cy="200055"/>
+          </a:xfrm>
+          <a:prstGeom prst="rect">
+            <a:avLst/>
+          </a:prstGeom>
+          <a:noFill/>
+        </p:spPr>
+        <p:txBody>
+          <a:bodyPr wrap="none" rtlCol="0">
+            <a:spAutoFit/>
+          </a:bodyPr>
+          <a:lstStyle/>
+          <a:p>
+            <a:r>
+              <a:rPr kumimoji="1" lang="en-US" altLang="zh-CN" sz="700" b="1" dirty="0"/>
+              <a:t>address1</a:t>
+            </a:r>
+            <a:endParaRPr kumimoji="1" lang="zh-CN" altLang="en-US" sz="700" b="1" dirty="0"/>
+          </a:p>
+        </p:txBody>
+      </p:sp>
+      <p:sp>
+        <p:nvSpPr>
+          <p:cNvPr id="47" name="文本框 46">
+            <a:extLst>
+              <a:ext uri="{FF2B5EF4-FFF2-40B4-BE49-F238E27FC236}">
+                <a16:creationId xmlns:a16="http://schemas.microsoft.com/office/drawing/2014/main" id="{F5640507-9590-BEDE-0E9A-F4484A7C962C}"/>
+              </a:ext>
+            </a:extLst>
+          </p:cNvPr>
+          <p:cNvSpPr txBox="1"/>
+          <p:nvPr/>
+        </p:nvSpPr>
+        <p:spPr>
+          <a:xfrm>
+            <a:off x="4570365" y="774517"/>
+            <a:ext cx="548548" cy="200055"/>
+          </a:xfrm>
+          <a:prstGeom prst="rect">
+            <a:avLst/>
+          </a:prstGeom>
+          <a:noFill/>
+        </p:spPr>
+        <p:txBody>
+          <a:bodyPr wrap="none" rtlCol="0">
+            <a:spAutoFit/>
+          </a:bodyPr>
+          <a:lstStyle/>
+          <a:p>
+            <a:r>
+              <a:rPr kumimoji="1" lang="en-US" altLang="zh-CN" sz="700" b="1" dirty="0"/>
+              <a:t>address2</a:t>
+            </a:r>
+            <a:endParaRPr kumimoji="1" lang="zh-CN" altLang="en-US" sz="700" b="1" dirty="0"/>
+          </a:p>
+        </p:txBody>
+      </p:sp>
+      <p:sp>
+        <p:nvSpPr>
+          <p:cNvPr id="49" name="文本框 48">
+            <a:extLst>
+              <a:ext uri="{FF2B5EF4-FFF2-40B4-BE49-F238E27FC236}">
+                <a16:creationId xmlns:a16="http://schemas.microsoft.com/office/drawing/2014/main" id="{EF4B43E7-C9A6-9C39-DFD5-EB0AF11F8DDA}"/>
+              </a:ext>
+            </a:extLst>
+          </p:cNvPr>
+          <p:cNvSpPr txBox="1"/>
+          <p:nvPr/>
+        </p:nvSpPr>
+        <p:spPr>
+          <a:xfrm>
+            <a:off x="6385104" y="783195"/>
+            <a:ext cx="548548" cy="200055"/>
+          </a:xfrm>
+          <a:prstGeom prst="rect">
+            <a:avLst/>
+          </a:prstGeom>
+          <a:noFill/>
+        </p:spPr>
+        <p:txBody>
+          <a:bodyPr wrap="none" rtlCol="0">
+            <a:spAutoFit/>
+          </a:bodyPr>
+          <a:lstStyle/>
+          <a:p>
+            <a:r>
+              <a:rPr kumimoji="1" lang="en-US" altLang="zh-CN" sz="700" b="1" dirty="0"/>
+              <a:t>address1</a:t>
+            </a:r>
+            <a:endParaRPr kumimoji="1" lang="zh-CN" altLang="en-US" sz="700" b="1" dirty="0"/>
+          </a:p>
+        </p:txBody>
+      </p:sp>
+      <p:sp>
+        <p:nvSpPr>
+          <p:cNvPr id="53" name="文本框 52">
+            <a:extLst>
+              <a:ext uri="{FF2B5EF4-FFF2-40B4-BE49-F238E27FC236}">
+                <a16:creationId xmlns:a16="http://schemas.microsoft.com/office/drawing/2014/main" id="{8E7161B8-06E0-E842-2AD8-B3A11C743C2E}"/>
+              </a:ext>
+            </a:extLst>
+          </p:cNvPr>
+          <p:cNvSpPr txBox="1"/>
+          <p:nvPr/>
+        </p:nvSpPr>
+        <p:spPr>
+          <a:xfrm>
+            <a:off x="6779481" y="788702"/>
+            <a:ext cx="548548" cy="200055"/>
+          </a:xfrm>
+          <a:prstGeom prst="rect">
+            <a:avLst/>
+          </a:prstGeom>
+          <a:noFill/>
+        </p:spPr>
+        <p:txBody>
+          <a:bodyPr wrap="none" rtlCol="0">
+            <a:spAutoFit/>
+          </a:bodyPr>
+          <a:lstStyle/>
+          <a:p>
+            <a:r>
+              <a:rPr kumimoji="1" lang="en-US" altLang="zh-CN" sz="700" b="1" dirty="0"/>
+              <a:t>address2</a:t>
+            </a:r>
+            <a:endParaRPr kumimoji="1" lang="zh-CN" altLang="en-US" sz="700" b="1" dirty="0"/>
+          </a:p>
+        </p:txBody>
+      </p:sp>
+      <p:sp>
+        <p:nvSpPr>
+          <p:cNvPr id="54" name="文本框 53">
+            <a:extLst>
+              <a:ext uri="{FF2B5EF4-FFF2-40B4-BE49-F238E27FC236}">
+                <a16:creationId xmlns:a16="http://schemas.microsoft.com/office/drawing/2014/main" id="{334FBDD8-489E-9AC9-09EA-989D501E63D1}"/>
+              </a:ext>
+            </a:extLst>
+          </p:cNvPr>
+          <p:cNvSpPr txBox="1"/>
+          <p:nvPr/>
+        </p:nvSpPr>
+        <p:spPr>
+          <a:xfrm>
+            <a:off x="4284997" y="583809"/>
+            <a:ext cx="755335" cy="215444"/>
+          </a:xfrm>
+          <a:prstGeom prst="rect">
+            <a:avLst/>
+          </a:prstGeom>
+          <a:noFill/>
+        </p:spPr>
+        <p:txBody>
+          <a:bodyPr wrap="none" rtlCol="0">
+            <a:spAutoFit/>
+          </a:bodyPr>
+          <a:lstStyle/>
+          <a:p>
+            <a:r>
+              <a:rPr kumimoji="1" lang="en-US" altLang="zh-CN" sz="800" b="1" dirty="0"/>
+              <a:t>Cybertwin A</a:t>
+            </a:r>
+            <a:endParaRPr kumimoji="1" lang="zh-CN" altLang="en-US" sz="800" b="1" dirty="0"/>
+          </a:p>
+        </p:txBody>
+      </p:sp>
+      <p:sp>
+        <p:nvSpPr>
+          <p:cNvPr id="55" name="文本框 54">
+            <a:extLst>
+              <a:ext uri="{FF2B5EF4-FFF2-40B4-BE49-F238E27FC236}">
+                <a16:creationId xmlns:a16="http://schemas.microsoft.com/office/drawing/2014/main" id="{2BCA56EF-60FA-0C0A-8C5E-0028E853C8A1}"/>
+              </a:ext>
+            </a:extLst>
+          </p:cNvPr>
+          <p:cNvSpPr txBox="1"/>
+          <p:nvPr/>
+        </p:nvSpPr>
+        <p:spPr>
+          <a:xfrm>
+            <a:off x="6445691" y="597671"/>
+            <a:ext cx="748923" cy="215444"/>
+          </a:xfrm>
+          <a:prstGeom prst="rect">
+            <a:avLst/>
+          </a:prstGeom>
+          <a:noFill/>
+        </p:spPr>
+        <p:txBody>
+          <a:bodyPr wrap="none" rtlCol="0">
+            <a:spAutoFit/>
+          </a:bodyPr>
+          <a:lstStyle/>
+          <a:p>
+            <a:r>
+              <a:rPr kumimoji="1" lang="en-US" altLang="zh-CN" sz="800" b="1" dirty="0"/>
+              <a:t>Cybertwin B</a:t>
+            </a:r>
+            <a:endParaRPr kumimoji="1" lang="zh-CN" altLang="en-US" sz="800" b="1" dirty="0"/>
+          </a:p>
+        </p:txBody>
+      </p:sp>
+      <p:cxnSp>
+        <p:nvCxnSpPr>
+          <p:cNvPr id="61" name="直线连接符 60">
+            <a:extLst>
+              <a:ext uri="{FF2B5EF4-FFF2-40B4-BE49-F238E27FC236}">
+                <a16:creationId xmlns:a16="http://schemas.microsoft.com/office/drawing/2014/main" id="{D965EECA-E599-91BF-934D-E48444BF784B}"/>
+              </a:ext>
+            </a:extLst>
+          </p:cNvPr>
+          <p:cNvCxnSpPr>
+            <a:cxnSpLocks/>
+          </p:cNvCxnSpPr>
+          <p:nvPr/>
+        </p:nvCxnSpPr>
+        <p:spPr>
+          <a:xfrm>
+            <a:off x="3946668" y="2069667"/>
+            <a:ext cx="3292888" cy="21616"/>
+          </a:xfrm>
+          <a:prstGeom prst="line">
+            <a:avLst/>
+          </a:prstGeom>
+          <a:ln w="12700">
+            <a:solidFill>
+              <a:schemeClr val="tx1">
+                <a:lumMod val="85000"/>
+                <a:lumOff val="15000"/>
+              </a:schemeClr>
+            </a:solidFill>
+            <a:prstDash val="dashDot"/>
+          </a:ln>
+        </p:spPr>
+        <p:style>
+          <a:lnRef idx="1">
+            <a:schemeClr val="accent1"/>
+          </a:lnRef>
+          <a:fillRef idx="0">
+            <a:schemeClr val="accent1"/>
+          </a:fillRef>
+          <a:effectRef idx="0">
+            <a:schemeClr val="accent1"/>
+          </a:effectRef>
+          <a:fontRef idx="minor">
+            <a:schemeClr val="tx1"/>
+          </a:fontRef>
+        </p:style>
+      </p:cxnSp>
+      <p:cxnSp>
+        <p:nvCxnSpPr>
+          <p:cNvPr id="62" name="直线连接符 61">
+            <a:extLst>
+              <a:ext uri="{FF2B5EF4-FFF2-40B4-BE49-F238E27FC236}">
+                <a16:creationId xmlns:a16="http://schemas.microsoft.com/office/drawing/2014/main" id="{F09EFB63-384D-F340-9445-34E6F7EA3868}"/>
+              </a:ext>
+            </a:extLst>
+          </p:cNvPr>
+          <p:cNvCxnSpPr>
+            <a:cxnSpLocks/>
+          </p:cNvCxnSpPr>
+          <p:nvPr/>
+        </p:nvCxnSpPr>
+        <p:spPr>
+          <a:xfrm>
+            <a:off x="3946668" y="1116797"/>
+            <a:ext cx="3292887" cy="0"/>
+          </a:xfrm>
+          <a:prstGeom prst="line">
+            <a:avLst/>
+          </a:prstGeom>
+          <a:ln w="12700">
+            <a:solidFill>
+              <a:schemeClr val="tx1">
+                <a:lumMod val="85000"/>
+                <a:lumOff val="15000"/>
+              </a:schemeClr>
+            </a:solidFill>
+            <a:prstDash val="dashDot"/>
+          </a:ln>
+        </p:spPr>
+        <p:style>
+          <a:lnRef idx="1">
+            <a:schemeClr val="accent1"/>
+          </a:lnRef>
+          <a:fillRef idx="0">
+            <a:schemeClr val="accent1"/>
+          </a:fillRef>
+          <a:effectRef idx="0">
+            <a:schemeClr val="accent1"/>
+          </a:effectRef>
+          <a:fontRef idx="minor">
+            <a:schemeClr val="tx1"/>
+          </a:fontRef>
+        </p:style>
+      </p:cxnSp>
+      <p:sp>
+        <p:nvSpPr>
+          <p:cNvPr id="79" name="文本框 78">
+            <a:extLst>
+              <a:ext uri="{FF2B5EF4-FFF2-40B4-BE49-F238E27FC236}">
+                <a16:creationId xmlns:a16="http://schemas.microsoft.com/office/drawing/2014/main" id="{339DAACD-AC57-4B79-3BEC-FEF509E08120}"/>
+              </a:ext>
+            </a:extLst>
+          </p:cNvPr>
+          <p:cNvSpPr txBox="1"/>
+          <p:nvPr/>
+        </p:nvSpPr>
+        <p:spPr>
+          <a:xfrm>
+            <a:off x="3923964" y="1216824"/>
+            <a:ext cx="292388" cy="727122"/>
+          </a:xfrm>
+          <a:prstGeom prst="rect">
+            <a:avLst/>
+          </a:prstGeom>
+          <a:noFill/>
+        </p:spPr>
+        <p:txBody>
+          <a:bodyPr vert="eaVert" wrap="none" rtlCol="0">
+            <a:spAutoFit/>
+          </a:bodyPr>
+          <a:lstStyle/>
+          <a:p>
+            <a:r>
+              <a:rPr kumimoji="1" lang="en-US" altLang="zh-CN" sz="700" b="1" dirty="0"/>
+              <a:t>TCP Handshake</a:t>
+            </a:r>
+            <a:endParaRPr kumimoji="1" lang="zh-CN" altLang="en-US" sz="700" b="1" dirty="0"/>
+          </a:p>
+        </p:txBody>
+      </p:sp>
+      <p:cxnSp>
+        <p:nvCxnSpPr>
+          <p:cNvPr id="91" name="直接箭头连接符 63">
+            <a:extLst>
+              <a:ext uri="{FF2B5EF4-FFF2-40B4-BE49-F238E27FC236}">
+                <a16:creationId xmlns:a16="http://schemas.microsoft.com/office/drawing/2014/main" id="{47961B9F-8841-8EE7-1F40-E793D476BF0E}"/>
+              </a:ext>
+            </a:extLst>
+          </p:cNvPr>
+          <p:cNvCxnSpPr>
+            <a:cxnSpLocks/>
+          </p:cNvCxnSpPr>
+          <p:nvPr/>
+        </p:nvCxnSpPr>
+        <p:spPr>
+          <a:xfrm>
+            <a:off x="4832019" y="3645283"/>
+            <a:ext cx="2160804" cy="130287"/>
+          </a:xfrm>
+          <a:prstGeom prst="straightConnector1">
+            <a:avLst/>
+          </a:prstGeom>
+          <a:ln>
+            <a:tailEnd type="triangle"/>
+          </a:ln>
+        </p:spPr>
+        <p:style>
+          <a:lnRef idx="1">
+            <a:schemeClr val="accent1"/>
+          </a:lnRef>
+          <a:fillRef idx="0">
+            <a:schemeClr val="accent1"/>
+          </a:fillRef>
+          <a:effectRef idx="0">
+            <a:schemeClr val="accent1"/>
+          </a:effectRef>
+          <a:fontRef idx="minor">
+            <a:schemeClr val="tx1"/>
+          </a:fontRef>
+        </p:style>
+      </p:cxnSp>
+      <p:cxnSp>
+        <p:nvCxnSpPr>
+          <p:cNvPr id="97" name="直线连接符 96">
+            <a:extLst>
+              <a:ext uri="{FF2B5EF4-FFF2-40B4-BE49-F238E27FC236}">
+                <a16:creationId xmlns:a16="http://schemas.microsoft.com/office/drawing/2014/main" id="{43FCC99F-30CB-B754-56F6-40EDE65A0D1B}"/>
+              </a:ext>
+            </a:extLst>
+          </p:cNvPr>
+          <p:cNvCxnSpPr>
+            <a:cxnSpLocks/>
+          </p:cNvCxnSpPr>
+          <p:nvPr/>
+        </p:nvCxnSpPr>
+        <p:spPr>
+          <a:xfrm>
+            <a:off x="3946668" y="4018051"/>
+            <a:ext cx="3292888" cy="21616"/>
+          </a:xfrm>
+          <a:prstGeom prst="line">
+            <a:avLst/>
+          </a:prstGeom>
+          <a:ln w="12700">
+            <a:solidFill>
+              <a:schemeClr val="tx1">
+                <a:lumMod val="85000"/>
+                <a:lumOff val="15000"/>
+              </a:schemeClr>
+            </a:solidFill>
+            <a:prstDash val="dashDot"/>
+          </a:ln>
+        </p:spPr>
+        <p:style>
+          <a:lnRef idx="1">
+            <a:schemeClr val="accent1"/>
+          </a:lnRef>
+          <a:fillRef idx="0">
+            <a:schemeClr val="accent1"/>
+          </a:fillRef>
+          <a:effectRef idx="0">
+            <a:schemeClr val="accent1"/>
+          </a:effectRef>
+          <a:fontRef idx="minor">
+            <a:schemeClr val="tx1"/>
+          </a:fontRef>
+        </p:style>
+      </p:cxnSp>
+      <p:sp>
+        <p:nvSpPr>
+          <p:cNvPr id="99" name="文本框 98">
+            <a:extLst>
+              <a:ext uri="{FF2B5EF4-FFF2-40B4-BE49-F238E27FC236}">
+                <a16:creationId xmlns:a16="http://schemas.microsoft.com/office/drawing/2014/main" id="{9AE4E349-5220-678B-720F-EE88566D9124}"/>
+              </a:ext>
+            </a:extLst>
+          </p:cNvPr>
+          <p:cNvSpPr txBox="1"/>
+          <p:nvPr/>
+        </p:nvSpPr>
+        <p:spPr>
+          <a:xfrm>
+            <a:off x="3910376" y="2309844"/>
+            <a:ext cx="292388" cy="1613583"/>
+          </a:xfrm>
+          <a:prstGeom prst="rect">
+            <a:avLst/>
+          </a:prstGeom>
+          <a:noFill/>
+        </p:spPr>
+        <p:txBody>
+          <a:bodyPr vert="eaVert" wrap="none" rtlCol="0">
+            <a:spAutoFit/>
+          </a:bodyPr>
+          <a:lstStyle/>
+          <a:p>
+            <a:r>
+              <a:rPr kumimoji="1" lang="en-US" altLang="zh-CN" sz="700" b="1" dirty="0"/>
+              <a:t>MDTP Handshake (path aggregation)</a:t>
+            </a:r>
+            <a:endParaRPr kumimoji="1" lang="zh-CN" altLang="en-US" sz="700" b="1" dirty="0"/>
+          </a:p>
+        </p:txBody>
+      </p:sp>
+      <p:sp>
+        <p:nvSpPr>
+          <p:cNvPr id="109" name="文本框 108">
+            <a:extLst>
+              <a:ext uri="{FF2B5EF4-FFF2-40B4-BE49-F238E27FC236}">
+                <a16:creationId xmlns:a16="http://schemas.microsoft.com/office/drawing/2014/main" id="{B96B05C0-168A-BC62-5772-EA7F89ED86F5}"/>
+              </a:ext>
+            </a:extLst>
+          </p:cNvPr>
+          <p:cNvSpPr txBox="1"/>
+          <p:nvPr/>
+        </p:nvSpPr>
+        <p:spPr>
+          <a:xfrm>
+            <a:off x="4954607" y="3568668"/>
+            <a:ext cx="1250663" cy="307777"/>
+          </a:xfrm>
+          <a:prstGeom prst="rect">
+            <a:avLst/>
+          </a:prstGeom>
+          <a:noFill/>
+        </p:spPr>
+        <p:txBody>
+          <a:bodyPr wrap="none" rtlCol="0">
+            <a:spAutoFit/>
+          </a:bodyPr>
+          <a:lstStyle/>
+          <a:p>
+            <a:r>
+              <a:rPr lang="en-US" altLang="zh-CN" sz="700" b="1" dirty="0"/>
+              <a:t>Path1, Conn ID, Data Seq </a:t>
+            </a:r>
+          </a:p>
+          <a:p>
+            <a:endParaRPr lang="zh-CN" altLang="en-US" sz="700" dirty="0"/>
+          </a:p>
+        </p:txBody>
+      </p:sp>
+      <p:cxnSp>
+        <p:nvCxnSpPr>
+          <p:cNvPr id="120" name="直接连接符 2">
+            <a:extLst>
+              <a:ext uri="{FF2B5EF4-FFF2-40B4-BE49-F238E27FC236}">
+                <a16:creationId xmlns:a16="http://schemas.microsoft.com/office/drawing/2014/main" id="{A3534A1B-E2FC-C969-F5CB-A903F24A0E2E}"/>
+              </a:ext>
+            </a:extLst>
+          </p:cNvPr>
+          <p:cNvCxnSpPr>
+            <a:cxnSpLocks/>
+          </p:cNvCxnSpPr>
+          <p:nvPr/>
+        </p:nvCxnSpPr>
+        <p:spPr>
+          <a:xfrm flipH="1">
+            <a:off x="8829079" y="972110"/>
+            <a:ext cx="19575" cy="3325572"/>
+          </a:xfrm>
+          <a:prstGeom prst="line">
+            <a:avLst/>
+          </a:prstGeom>
+          <a:ln w="19050">
+            <a:solidFill>
+              <a:schemeClr val="tx1"/>
+            </a:solidFill>
+          </a:ln>
+        </p:spPr>
+        <p:style>
+          <a:lnRef idx="1">
+            <a:schemeClr val="accent1"/>
+          </a:lnRef>
+          <a:fillRef idx="0">
+            <a:schemeClr val="accent1"/>
+          </a:fillRef>
+          <a:effectRef idx="0">
+            <a:schemeClr val="accent1"/>
+          </a:effectRef>
+          <a:fontRef idx="minor">
+            <a:schemeClr val="tx1"/>
+          </a:fontRef>
+        </p:style>
+      </p:cxnSp>
+      <p:cxnSp>
+        <p:nvCxnSpPr>
+          <p:cNvPr id="121" name="直接连接符 47">
+            <a:extLst>
+              <a:ext uri="{FF2B5EF4-FFF2-40B4-BE49-F238E27FC236}">
+                <a16:creationId xmlns:a16="http://schemas.microsoft.com/office/drawing/2014/main" id="{84CE8C3E-AD9A-B85D-05E4-C7969D0515DC}"/>
+              </a:ext>
+            </a:extLst>
+          </p:cNvPr>
+          <p:cNvCxnSpPr>
+            <a:cxnSpLocks/>
+          </p:cNvCxnSpPr>
+          <p:nvPr/>
+        </p:nvCxnSpPr>
+        <p:spPr>
+          <a:xfrm>
+            <a:off x="10708214" y="986115"/>
+            <a:ext cx="7066" cy="3372527"/>
+          </a:xfrm>
+          <a:prstGeom prst="line">
+            <a:avLst/>
+          </a:prstGeom>
+          <a:ln w="19050">
+            <a:solidFill>
+              <a:schemeClr val="tx1"/>
+            </a:solidFill>
+          </a:ln>
+        </p:spPr>
+        <p:style>
+          <a:lnRef idx="1">
+            <a:schemeClr val="accent1"/>
+          </a:lnRef>
+          <a:fillRef idx="0">
+            <a:schemeClr val="accent1"/>
+          </a:fillRef>
+          <a:effectRef idx="0">
+            <a:schemeClr val="accent1"/>
+          </a:effectRef>
+          <a:fontRef idx="minor">
+            <a:schemeClr val="tx1"/>
+          </a:fontRef>
+        </p:style>
+      </p:cxnSp>
+      <p:cxnSp>
+        <p:nvCxnSpPr>
+          <p:cNvPr id="138" name="直接连接符 2">
+            <a:extLst>
+              <a:ext uri="{FF2B5EF4-FFF2-40B4-BE49-F238E27FC236}">
+                <a16:creationId xmlns:a16="http://schemas.microsoft.com/office/drawing/2014/main" id="{1E079BC0-F4FB-154E-C375-12A72397D146}"/>
+              </a:ext>
+            </a:extLst>
+          </p:cNvPr>
+          <p:cNvCxnSpPr>
+            <a:cxnSpLocks/>
+          </p:cNvCxnSpPr>
+          <p:nvPr/>
+        </p:nvCxnSpPr>
+        <p:spPr>
+          <a:xfrm flipH="1">
+            <a:off x="8485643" y="986115"/>
+            <a:ext cx="6049" cy="3311567"/>
+          </a:xfrm>
+          <a:prstGeom prst="line">
+            <a:avLst/>
+          </a:prstGeom>
+          <a:ln w="19050">
+            <a:solidFill>
+              <a:schemeClr val="tx1"/>
+            </a:solidFill>
+          </a:ln>
+        </p:spPr>
+        <p:style>
+          <a:lnRef idx="1">
+            <a:schemeClr val="accent1"/>
+          </a:lnRef>
+          <a:fillRef idx="0">
+            <a:schemeClr val="accent1"/>
+          </a:fillRef>
+          <a:effectRef idx="0">
+            <a:schemeClr val="accent1"/>
+          </a:effectRef>
+          <a:fontRef idx="minor">
+            <a:schemeClr val="tx1"/>
+          </a:fontRef>
+        </p:style>
+      </p:cxnSp>
+      <p:cxnSp>
+        <p:nvCxnSpPr>
+          <p:cNvPr id="139" name="直接连接符 47">
+            <a:extLst>
+              <a:ext uri="{FF2B5EF4-FFF2-40B4-BE49-F238E27FC236}">
+                <a16:creationId xmlns:a16="http://schemas.microsoft.com/office/drawing/2014/main" id="{371979C3-459C-1F0E-0AA0-8F7A8E2838EA}"/>
+              </a:ext>
+            </a:extLst>
+          </p:cNvPr>
+          <p:cNvCxnSpPr>
+            <a:cxnSpLocks/>
+          </p:cNvCxnSpPr>
+          <p:nvPr/>
+        </p:nvCxnSpPr>
+        <p:spPr>
+          <a:xfrm>
+            <a:off x="11048653" y="986938"/>
+            <a:ext cx="180" cy="3371704"/>
+          </a:xfrm>
+          <a:prstGeom prst="line">
+            <a:avLst/>
+          </a:prstGeom>
+          <a:ln w="19050">
+            <a:solidFill>
+              <a:schemeClr val="tx1"/>
+            </a:solidFill>
+          </a:ln>
+        </p:spPr>
+        <p:style>
+          <a:lnRef idx="1">
+            <a:schemeClr val="accent1"/>
+          </a:lnRef>
+          <a:fillRef idx="0">
+            <a:schemeClr val="accent1"/>
+          </a:fillRef>
+          <a:effectRef idx="0">
+            <a:schemeClr val="accent1"/>
+          </a:effectRef>
+          <a:fontRef idx="minor">
+            <a:schemeClr val="tx1"/>
+          </a:fontRef>
+        </p:style>
+      </p:cxnSp>
+      <p:cxnSp>
+        <p:nvCxnSpPr>
+          <p:cNvPr id="142" name="直线连接符 141">
+            <a:extLst>
+              <a:ext uri="{FF2B5EF4-FFF2-40B4-BE49-F238E27FC236}">
+                <a16:creationId xmlns:a16="http://schemas.microsoft.com/office/drawing/2014/main" id="{FFA1AD02-E96C-3417-F32C-D59337C13B00}"/>
+              </a:ext>
+            </a:extLst>
+          </p:cNvPr>
+          <p:cNvCxnSpPr/>
+          <p:nvPr/>
+        </p:nvCxnSpPr>
+        <p:spPr>
+          <a:xfrm>
+            <a:off x="8334752" y="980607"/>
+            <a:ext cx="293836" cy="0"/>
+          </a:xfrm>
+          <a:prstGeom prst="line">
+            <a:avLst/>
+          </a:prstGeom>
+          <a:ln w="19050">
+            <a:solidFill>
+              <a:schemeClr val="tx1"/>
+            </a:solidFill>
+          </a:ln>
+        </p:spPr>
+        <p:style>
+          <a:lnRef idx="1">
+            <a:schemeClr val="accent1"/>
+          </a:lnRef>
+          <a:fillRef idx="0">
+            <a:schemeClr val="accent1"/>
+          </a:fillRef>
+          <a:effectRef idx="0">
+            <a:schemeClr val="accent1"/>
+          </a:effectRef>
+          <a:fontRef idx="minor">
+            <a:schemeClr val="tx1"/>
+          </a:fontRef>
+        </p:style>
+      </p:cxnSp>
+      <p:cxnSp>
+        <p:nvCxnSpPr>
+          <p:cNvPr id="143" name="直线连接符 142">
+            <a:extLst>
+              <a:ext uri="{FF2B5EF4-FFF2-40B4-BE49-F238E27FC236}">
+                <a16:creationId xmlns:a16="http://schemas.microsoft.com/office/drawing/2014/main" id="{AC129543-EEBF-EE59-6CAE-762E023E3312}"/>
+              </a:ext>
+            </a:extLst>
+          </p:cNvPr>
+          <p:cNvCxnSpPr/>
+          <p:nvPr/>
+        </p:nvCxnSpPr>
+        <p:spPr>
+          <a:xfrm>
+            <a:off x="8697266" y="978457"/>
+            <a:ext cx="293836" cy="0"/>
+          </a:xfrm>
+          <a:prstGeom prst="line">
+            <a:avLst/>
+          </a:prstGeom>
+          <a:ln w="19050">
+            <a:solidFill>
+              <a:schemeClr val="tx1"/>
+            </a:solidFill>
+          </a:ln>
+        </p:spPr>
+        <p:style>
+          <a:lnRef idx="1">
+            <a:schemeClr val="accent1"/>
+          </a:lnRef>
+          <a:fillRef idx="0">
+            <a:schemeClr val="accent1"/>
+          </a:fillRef>
+          <a:effectRef idx="0">
+            <a:schemeClr val="accent1"/>
+          </a:effectRef>
+          <a:fontRef idx="minor">
+            <a:schemeClr val="tx1"/>
+          </a:fontRef>
+        </p:style>
+      </p:cxnSp>
+      <p:cxnSp>
+        <p:nvCxnSpPr>
+          <p:cNvPr id="144" name="直线连接符 143">
+            <a:extLst>
+              <a:ext uri="{FF2B5EF4-FFF2-40B4-BE49-F238E27FC236}">
+                <a16:creationId xmlns:a16="http://schemas.microsoft.com/office/drawing/2014/main" id="{BED8ED29-2C28-C83F-2791-320696E29E9A}"/>
+              </a:ext>
+            </a:extLst>
+          </p:cNvPr>
+          <p:cNvCxnSpPr/>
+          <p:nvPr/>
+        </p:nvCxnSpPr>
+        <p:spPr>
+          <a:xfrm>
+            <a:off x="10547061" y="980607"/>
+            <a:ext cx="293836" cy="0"/>
+          </a:xfrm>
+          <a:prstGeom prst="line">
+            <a:avLst/>
+          </a:prstGeom>
+          <a:ln w="19050">
+            <a:solidFill>
+              <a:schemeClr val="tx1"/>
+            </a:solidFill>
+          </a:ln>
+        </p:spPr>
+        <p:style>
+          <a:lnRef idx="1">
+            <a:schemeClr val="accent1"/>
+          </a:lnRef>
+          <a:fillRef idx="0">
+            <a:schemeClr val="accent1"/>
+          </a:fillRef>
+          <a:effectRef idx="0">
+            <a:schemeClr val="accent1"/>
+          </a:effectRef>
+          <a:fontRef idx="minor">
+            <a:schemeClr val="tx1"/>
+          </a:fontRef>
+        </p:style>
+      </p:cxnSp>
+      <p:cxnSp>
+        <p:nvCxnSpPr>
+          <p:cNvPr id="145" name="直线连接符 144">
+            <a:extLst>
+              <a:ext uri="{FF2B5EF4-FFF2-40B4-BE49-F238E27FC236}">
+                <a16:creationId xmlns:a16="http://schemas.microsoft.com/office/drawing/2014/main" id="{793BBE7A-55A6-CAFD-3760-E9602E78F26E}"/>
+              </a:ext>
+            </a:extLst>
+          </p:cNvPr>
+          <p:cNvCxnSpPr/>
+          <p:nvPr/>
+        </p:nvCxnSpPr>
+        <p:spPr>
+          <a:xfrm>
+            <a:off x="10901728" y="981445"/>
+            <a:ext cx="293836" cy="0"/>
+          </a:xfrm>
+          <a:prstGeom prst="line">
+            <a:avLst/>
+          </a:prstGeom>
+          <a:ln w="19050">
+            <a:solidFill>
+              <a:schemeClr val="tx1"/>
+            </a:solidFill>
+          </a:ln>
+        </p:spPr>
+        <p:style>
+          <a:lnRef idx="1">
+            <a:schemeClr val="accent1"/>
+          </a:lnRef>
+          <a:fillRef idx="0">
+            <a:schemeClr val="accent1"/>
+          </a:fillRef>
+          <a:effectRef idx="0">
+            <a:schemeClr val="accent1"/>
+          </a:effectRef>
+          <a:fontRef idx="minor">
+            <a:schemeClr val="tx1"/>
+          </a:fontRef>
+        </p:style>
+      </p:cxnSp>
+      <p:sp>
+        <p:nvSpPr>
+          <p:cNvPr id="146" name="文本框 145">
+            <a:extLst>
+              <a:ext uri="{FF2B5EF4-FFF2-40B4-BE49-F238E27FC236}">
+                <a16:creationId xmlns:a16="http://schemas.microsoft.com/office/drawing/2014/main" id="{B357E631-2FE7-995C-5F1D-766CBB4A18F4}"/>
+              </a:ext>
+            </a:extLst>
+          </p:cNvPr>
+          <p:cNvSpPr txBox="1"/>
+          <p:nvPr/>
+        </p:nvSpPr>
+        <p:spPr>
+          <a:xfrm>
+            <a:off x="8214952" y="799331"/>
+            <a:ext cx="548548" cy="200055"/>
+          </a:xfrm>
+          <a:prstGeom prst="rect">
+            <a:avLst/>
+          </a:prstGeom>
+          <a:noFill/>
+        </p:spPr>
+        <p:txBody>
+          <a:bodyPr wrap="none" rtlCol="0">
+            <a:spAutoFit/>
+          </a:bodyPr>
+          <a:lstStyle/>
+          <a:p>
+            <a:r>
+              <a:rPr kumimoji="1" lang="en-US" altLang="zh-CN" sz="700" b="1" dirty="0"/>
+              <a:t>address1</a:t>
+            </a:r>
+            <a:endParaRPr kumimoji="1" lang="zh-CN" altLang="en-US" sz="700" b="1" dirty="0"/>
+          </a:p>
+        </p:txBody>
+      </p:sp>
+      <p:sp>
+        <p:nvSpPr>
+          <p:cNvPr id="147" name="文本框 146">
+            <a:extLst>
+              <a:ext uri="{FF2B5EF4-FFF2-40B4-BE49-F238E27FC236}">
+                <a16:creationId xmlns:a16="http://schemas.microsoft.com/office/drawing/2014/main" id="{53A00971-2E2D-DA05-46CB-953D2C9B281B}"/>
+              </a:ext>
+            </a:extLst>
+          </p:cNvPr>
+          <p:cNvSpPr txBox="1"/>
+          <p:nvPr/>
+        </p:nvSpPr>
+        <p:spPr>
+          <a:xfrm>
+            <a:off x="8604966" y="804999"/>
+            <a:ext cx="548548" cy="200055"/>
+          </a:xfrm>
+          <a:prstGeom prst="rect">
+            <a:avLst/>
+          </a:prstGeom>
+          <a:noFill/>
+        </p:spPr>
+        <p:txBody>
+          <a:bodyPr wrap="none" rtlCol="0">
+            <a:spAutoFit/>
+          </a:bodyPr>
+          <a:lstStyle/>
+          <a:p>
+            <a:r>
+              <a:rPr kumimoji="1" lang="en-US" altLang="zh-CN" sz="700" b="1" dirty="0"/>
+              <a:t>address2</a:t>
+            </a:r>
+            <a:endParaRPr kumimoji="1" lang="zh-CN" altLang="en-US" sz="700" b="1" dirty="0"/>
+          </a:p>
+        </p:txBody>
+      </p:sp>
+      <p:sp>
+        <p:nvSpPr>
+          <p:cNvPr id="148" name="文本框 147">
+            <a:extLst>
+              <a:ext uri="{FF2B5EF4-FFF2-40B4-BE49-F238E27FC236}">
+                <a16:creationId xmlns:a16="http://schemas.microsoft.com/office/drawing/2014/main" id="{84F3FDC2-353D-59FE-D841-31FC353CED83}"/>
+              </a:ext>
+            </a:extLst>
+          </p:cNvPr>
+          <p:cNvSpPr txBox="1"/>
+          <p:nvPr/>
+        </p:nvSpPr>
+        <p:spPr>
+          <a:xfrm>
+            <a:off x="10419705" y="813677"/>
+            <a:ext cx="548548" cy="200055"/>
+          </a:xfrm>
+          <a:prstGeom prst="rect">
+            <a:avLst/>
+          </a:prstGeom>
+          <a:noFill/>
+        </p:spPr>
+        <p:txBody>
+          <a:bodyPr wrap="none" rtlCol="0">
+            <a:spAutoFit/>
+          </a:bodyPr>
+          <a:lstStyle/>
+          <a:p>
+            <a:r>
+              <a:rPr kumimoji="1" lang="en-US" altLang="zh-CN" sz="700" b="1" dirty="0"/>
+              <a:t>address1</a:t>
+            </a:r>
+            <a:endParaRPr kumimoji="1" lang="zh-CN" altLang="en-US" sz="700" b="1" dirty="0"/>
+          </a:p>
+        </p:txBody>
+      </p:sp>
+      <p:sp>
+        <p:nvSpPr>
+          <p:cNvPr id="149" name="文本框 148">
+            <a:extLst>
+              <a:ext uri="{FF2B5EF4-FFF2-40B4-BE49-F238E27FC236}">
+                <a16:creationId xmlns:a16="http://schemas.microsoft.com/office/drawing/2014/main" id="{9A52F50F-55A4-E91E-6B4F-B1D8D41AA136}"/>
+              </a:ext>
+            </a:extLst>
+          </p:cNvPr>
+          <p:cNvSpPr txBox="1"/>
+          <p:nvPr/>
+        </p:nvSpPr>
+        <p:spPr>
+          <a:xfrm>
+            <a:off x="10814082" y="819184"/>
+            <a:ext cx="548548" cy="200055"/>
+          </a:xfrm>
+          <a:prstGeom prst="rect">
+            <a:avLst/>
+          </a:prstGeom>
+          <a:noFill/>
+        </p:spPr>
+        <p:txBody>
+          <a:bodyPr wrap="none" rtlCol="0">
+            <a:spAutoFit/>
+          </a:bodyPr>
+          <a:lstStyle/>
+          <a:p>
+            <a:r>
+              <a:rPr kumimoji="1" lang="en-US" altLang="zh-CN" sz="700" b="1" dirty="0"/>
+              <a:t>address2</a:t>
+            </a:r>
+            <a:endParaRPr kumimoji="1" lang="zh-CN" altLang="en-US" sz="700" b="1" dirty="0"/>
+          </a:p>
+        </p:txBody>
+      </p:sp>
+      <p:sp>
+        <p:nvSpPr>
+          <p:cNvPr id="150" name="文本框 149">
+            <a:extLst>
+              <a:ext uri="{FF2B5EF4-FFF2-40B4-BE49-F238E27FC236}">
+                <a16:creationId xmlns:a16="http://schemas.microsoft.com/office/drawing/2014/main" id="{DE04CADB-895C-F03C-0119-894FA590B997}"/>
+              </a:ext>
+            </a:extLst>
+          </p:cNvPr>
+          <p:cNvSpPr txBox="1"/>
+          <p:nvPr/>
+        </p:nvSpPr>
+        <p:spPr>
+          <a:xfrm>
+            <a:off x="8319598" y="614291"/>
+            <a:ext cx="755335" cy="215444"/>
+          </a:xfrm>
+          <a:prstGeom prst="rect">
+            <a:avLst/>
+          </a:prstGeom>
+          <a:noFill/>
+        </p:spPr>
+        <p:txBody>
+          <a:bodyPr wrap="none" rtlCol="0">
+            <a:spAutoFit/>
+          </a:bodyPr>
+          <a:lstStyle/>
+          <a:p>
+            <a:r>
+              <a:rPr kumimoji="1" lang="en-US" altLang="zh-CN" sz="800" b="1" dirty="0"/>
+              <a:t>Cybertwin A</a:t>
+            </a:r>
+            <a:endParaRPr kumimoji="1" lang="zh-CN" altLang="en-US" sz="800" b="1" dirty="0"/>
+          </a:p>
+        </p:txBody>
+      </p:sp>
+      <p:sp>
+        <p:nvSpPr>
+          <p:cNvPr id="151" name="文本框 150">
+            <a:extLst>
+              <a:ext uri="{FF2B5EF4-FFF2-40B4-BE49-F238E27FC236}">
+                <a16:creationId xmlns:a16="http://schemas.microsoft.com/office/drawing/2014/main" id="{7539A943-48EF-157B-5A65-7FB452F41090}"/>
+              </a:ext>
+            </a:extLst>
+          </p:cNvPr>
+          <p:cNvSpPr txBox="1"/>
+          <p:nvPr/>
+        </p:nvSpPr>
+        <p:spPr>
+          <a:xfrm>
+            <a:off x="10480292" y="628153"/>
+            <a:ext cx="748923" cy="215444"/>
+          </a:xfrm>
+          <a:prstGeom prst="rect">
+            <a:avLst/>
+          </a:prstGeom>
+          <a:noFill/>
+        </p:spPr>
+        <p:txBody>
+          <a:bodyPr wrap="none" rtlCol="0">
+            <a:spAutoFit/>
+          </a:bodyPr>
+          <a:lstStyle/>
+          <a:p>
+            <a:r>
+              <a:rPr kumimoji="1" lang="en-US" altLang="zh-CN" sz="800" b="1" dirty="0"/>
+              <a:t>Cybertwin B</a:t>
+            </a:r>
+            <a:endParaRPr kumimoji="1" lang="zh-CN" altLang="en-US" sz="800" b="1" dirty="0"/>
+          </a:p>
+        </p:txBody>
+      </p:sp>
+      <p:cxnSp>
+        <p:nvCxnSpPr>
+          <p:cNvPr id="152" name="直线连接符 151">
+            <a:extLst>
+              <a:ext uri="{FF2B5EF4-FFF2-40B4-BE49-F238E27FC236}">
+                <a16:creationId xmlns:a16="http://schemas.microsoft.com/office/drawing/2014/main" id="{372908CC-0782-CC70-1DF8-2110716DF448}"/>
+              </a:ext>
+            </a:extLst>
+          </p:cNvPr>
+          <p:cNvCxnSpPr>
+            <a:cxnSpLocks/>
+          </p:cNvCxnSpPr>
+          <p:nvPr/>
+        </p:nvCxnSpPr>
+        <p:spPr>
+          <a:xfrm>
+            <a:off x="7936327" y="2587635"/>
+            <a:ext cx="3292888" cy="21616"/>
+          </a:xfrm>
+          <a:prstGeom prst="line">
+            <a:avLst/>
+          </a:prstGeom>
+          <a:ln w="28575">
+            <a:solidFill>
+              <a:schemeClr val="tx1">
+                <a:lumMod val="85000"/>
+                <a:lumOff val="15000"/>
+              </a:schemeClr>
+            </a:solidFill>
+            <a:prstDash val="dashDot"/>
+          </a:ln>
+        </p:spPr>
+        <p:style>
+          <a:lnRef idx="1">
+            <a:schemeClr val="accent1"/>
+          </a:lnRef>
+          <a:fillRef idx="0">
+            <a:schemeClr val="accent1"/>
+          </a:fillRef>
+          <a:effectRef idx="0">
+            <a:schemeClr val="accent1"/>
+          </a:effectRef>
+          <a:fontRef idx="minor">
+            <a:schemeClr val="tx1"/>
+          </a:fontRef>
+        </p:style>
+      </p:cxnSp>
+      <p:cxnSp>
+        <p:nvCxnSpPr>
+          <p:cNvPr id="153" name="直线连接符 152">
+            <a:extLst>
+              <a:ext uri="{FF2B5EF4-FFF2-40B4-BE49-F238E27FC236}">
+                <a16:creationId xmlns:a16="http://schemas.microsoft.com/office/drawing/2014/main" id="{F50BC5E7-01E5-9DDC-99DD-BE073557C021}"/>
+              </a:ext>
+            </a:extLst>
+          </p:cNvPr>
+          <p:cNvCxnSpPr>
+            <a:cxnSpLocks/>
+          </p:cNvCxnSpPr>
+          <p:nvPr/>
+        </p:nvCxnSpPr>
+        <p:spPr>
+          <a:xfrm>
+            <a:off x="7981269" y="1147279"/>
+            <a:ext cx="3292887" cy="0"/>
+          </a:xfrm>
+          <a:prstGeom prst="line">
+            <a:avLst/>
+          </a:prstGeom>
+          <a:ln w="28575">
+            <a:solidFill>
+              <a:schemeClr val="tx1">
+                <a:lumMod val="85000"/>
+                <a:lumOff val="15000"/>
+              </a:schemeClr>
+            </a:solidFill>
+            <a:prstDash val="dashDot"/>
+          </a:ln>
+        </p:spPr>
+        <p:style>
+          <a:lnRef idx="1">
+            <a:schemeClr val="accent1"/>
+          </a:lnRef>
+          <a:fillRef idx="0">
+            <a:schemeClr val="accent1"/>
+          </a:fillRef>
+          <a:effectRef idx="0">
+            <a:schemeClr val="accent1"/>
+          </a:effectRef>
+          <a:fontRef idx="minor">
+            <a:schemeClr val="tx1"/>
+          </a:fontRef>
+        </p:style>
+      </p:cxnSp>
+      <p:sp>
+        <p:nvSpPr>
+          <p:cNvPr id="154" name="文本框 153">
+            <a:extLst>
+              <a:ext uri="{FF2B5EF4-FFF2-40B4-BE49-F238E27FC236}">
+                <a16:creationId xmlns:a16="http://schemas.microsoft.com/office/drawing/2014/main" id="{809883A1-4C85-E7BB-9242-6B77CD70880F}"/>
+              </a:ext>
+            </a:extLst>
+          </p:cNvPr>
+          <p:cNvSpPr txBox="1"/>
+          <p:nvPr/>
+        </p:nvSpPr>
+        <p:spPr>
+          <a:xfrm>
+            <a:off x="7935005" y="3075261"/>
+            <a:ext cx="292388" cy="566822"/>
+          </a:xfrm>
+          <a:prstGeom prst="rect">
+            <a:avLst/>
+          </a:prstGeom>
+          <a:noFill/>
+        </p:spPr>
+        <p:txBody>
+          <a:bodyPr vert="eaVert" wrap="none" rtlCol="0">
+            <a:spAutoFit/>
+          </a:bodyPr>
+          <a:lstStyle/>
+          <a:p>
+            <a:r>
+              <a:rPr kumimoji="1" lang="en-US" altLang="zh-CN" sz="700" b="1" dirty="0"/>
+              <a:t>TCP closure</a:t>
+            </a:r>
+            <a:endParaRPr kumimoji="1" lang="zh-CN" altLang="en-US" sz="700" b="1" dirty="0"/>
+          </a:p>
+        </p:txBody>
+      </p:sp>
+      <p:cxnSp>
+        <p:nvCxnSpPr>
+          <p:cNvPr id="156" name="直线连接符 155">
+            <a:extLst>
+              <a:ext uri="{FF2B5EF4-FFF2-40B4-BE49-F238E27FC236}">
+                <a16:creationId xmlns:a16="http://schemas.microsoft.com/office/drawing/2014/main" id="{1C3D80AC-3131-2284-5191-B63B6574713C}"/>
+              </a:ext>
+            </a:extLst>
+          </p:cNvPr>
+          <p:cNvCxnSpPr>
+            <a:cxnSpLocks/>
+          </p:cNvCxnSpPr>
+          <p:nvPr/>
+        </p:nvCxnSpPr>
+        <p:spPr>
+          <a:xfrm>
+            <a:off x="7981269" y="4048533"/>
+            <a:ext cx="3292888" cy="21616"/>
+          </a:xfrm>
+          <a:prstGeom prst="line">
+            <a:avLst/>
+          </a:prstGeom>
+          <a:ln w="28575">
+            <a:solidFill>
+              <a:schemeClr val="tx1">
+                <a:lumMod val="85000"/>
+                <a:lumOff val="15000"/>
+              </a:schemeClr>
+            </a:solidFill>
+            <a:prstDash val="dashDot"/>
+          </a:ln>
+        </p:spPr>
+        <p:style>
+          <a:lnRef idx="1">
+            <a:schemeClr val="accent1"/>
+          </a:lnRef>
+          <a:fillRef idx="0">
+            <a:schemeClr val="accent1"/>
+          </a:fillRef>
+          <a:effectRef idx="0">
+            <a:schemeClr val="accent1"/>
+          </a:effectRef>
+          <a:fontRef idx="minor">
+            <a:schemeClr val="tx1"/>
+          </a:fontRef>
+        </p:style>
+      </p:cxnSp>
+      <p:sp>
+        <p:nvSpPr>
+          <p:cNvPr id="157" name="文本框 156">
+            <a:extLst>
+              <a:ext uri="{FF2B5EF4-FFF2-40B4-BE49-F238E27FC236}">
+                <a16:creationId xmlns:a16="http://schemas.microsoft.com/office/drawing/2014/main" id="{696ABC0A-573B-AC29-904D-6443C84645A1}"/>
+              </a:ext>
+            </a:extLst>
+          </p:cNvPr>
+          <p:cNvSpPr txBox="1"/>
+          <p:nvPr/>
+        </p:nvSpPr>
+        <p:spPr>
+          <a:xfrm>
+            <a:off x="7956546" y="1474047"/>
+            <a:ext cx="292388" cy="672620"/>
+          </a:xfrm>
+          <a:prstGeom prst="rect">
+            <a:avLst/>
+          </a:prstGeom>
+          <a:noFill/>
+        </p:spPr>
+        <p:txBody>
+          <a:bodyPr vert="eaVert" wrap="none" rtlCol="0">
+            <a:spAutoFit/>
+          </a:bodyPr>
+          <a:lstStyle/>
+          <a:p>
+            <a:r>
+              <a:rPr kumimoji="1" lang="en-US" altLang="zh-CN" sz="700" b="1" dirty="0"/>
+              <a:t>MDTP Closure</a:t>
+            </a:r>
+            <a:endParaRPr kumimoji="1" lang="zh-CN" altLang="en-US" sz="700" b="1" dirty="0"/>
+          </a:p>
+        </p:txBody>
+      </p:sp>
+      <p:cxnSp>
+        <p:nvCxnSpPr>
+          <p:cNvPr id="159" name="直接箭头连接符 50">
+            <a:extLst>
+              <a:ext uri="{FF2B5EF4-FFF2-40B4-BE49-F238E27FC236}">
+                <a16:creationId xmlns:a16="http://schemas.microsoft.com/office/drawing/2014/main" id="{B79C6FBF-C54F-DB3E-2AAB-F8D064C2F9BB}"/>
+              </a:ext>
+            </a:extLst>
+          </p:cNvPr>
+          <p:cNvCxnSpPr>
+            <a:cxnSpLocks/>
+          </p:cNvCxnSpPr>
+          <p:nvPr/>
+        </p:nvCxnSpPr>
+        <p:spPr>
+          <a:xfrm>
+            <a:off x="8848654" y="1359385"/>
+            <a:ext cx="2204485" cy="88080"/>
+          </a:xfrm>
+          <a:prstGeom prst="straightConnector1">
+            <a:avLst/>
+          </a:prstGeom>
+          <a:ln w="12700">
+            <a:solidFill>
+              <a:srgbClr val="008D57"/>
+            </a:solidFill>
+            <a:tailEnd type="triangle"/>
+          </a:ln>
+        </p:spPr>
+        <p:style>
+          <a:lnRef idx="1">
+            <a:schemeClr val="accent1"/>
+          </a:lnRef>
+          <a:fillRef idx="0">
+            <a:schemeClr val="accent1"/>
+          </a:fillRef>
+          <a:effectRef idx="0">
+            <a:schemeClr val="accent1"/>
+          </a:effectRef>
+          <a:fontRef idx="minor">
+            <a:schemeClr val="tx1"/>
+          </a:fontRef>
+        </p:style>
+      </p:cxnSp>
+      <p:sp>
+        <p:nvSpPr>
+          <p:cNvPr id="160" name="文本框 159">
+            <a:extLst>
+              <a:ext uri="{FF2B5EF4-FFF2-40B4-BE49-F238E27FC236}">
+                <a16:creationId xmlns:a16="http://schemas.microsoft.com/office/drawing/2014/main" id="{E42D21F5-730D-F0CC-6C41-8EDA107268E0}"/>
+              </a:ext>
+            </a:extLst>
+          </p:cNvPr>
+          <p:cNvSpPr txBox="1"/>
+          <p:nvPr/>
+        </p:nvSpPr>
+        <p:spPr>
+          <a:xfrm>
+            <a:off x="9069896" y="1228411"/>
+            <a:ext cx="1144865" cy="200055"/>
+          </a:xfrm>
+          <a:prstGeom prst="rect">
+            <a:avLst/>
+          </a:prstGeom>
+          <a:noFill/>
+        </p:spPr>
+        <p:txBody>
+          <a:bodyPr wrap="none" rtlCol="0">
+            <a:spAutoFit/>
+          </a:bodyPr>
+          <a:lstStyle/>
+          <a:p>
+            <a:r>
+              <a:rPr lang="en-US" altLang="zh-CN" sz="700" b="1" dirty="0"/>
+              <a:t>CUID1, Path ID2, CLOSE</a:t>
+            </a:r>
+            <a:endParaRPr lang="zh-CN" altLang="en-US" sz="700" b="1" dirty="0"/>
+          </a:p>
+        </p:txBody>
+      </p:sp>
+      <p:cxnSp>
+        <p:nvCxnSpPr>
+          <p:cNvPr id="161" name="直接箭头连接符 50">
+            <a:extLst>
+              <a:ext uri="{FF2B5EF4-FFF2-40B4-BE49-F238E27FC236}">
+                <a16:creationId xmlns:a16="http://schemas.microsoft.com/office/drawing/2014/main" id="{C9DB9F31-F969-3F07-0837-C3651FBF3038}"/>
+              </a:ext>
+            </a:extLst>
+          </p:cNvPr>
+          <p:cNvCxnSpPr>
+            <a:cxnSpLocks/>
+          </p:cNvCxnSpPr>
+          <p:nvPr/>
+        </p:nvCxnSpPr>
+        <p:spPr>
+          <a:xfrm flipH="1">
+            <a:off x="8838866" y="1589722"/>
+            <a:ext cx="2202901" cy="119031"/>
+          </a:xfrm>
+          <a:prstGeom prst="straightConnector1">
+            <a:avLst/>
+          </a:prstGeom>
+          <a:ln w="12700">
+            <a:solidFill>
+              <a:srgbClr val="008D57"/>
+            </a:solidFill>
+            <a:tailEnd type="triangle"/>
+          </a:ln>
+        </p:spPr>
+        <p:style>
+          <a:lnRef idx="1">
+            <a:schemeClr val="accent1"/>
+          </a:lnRef>
+          <a:fillRef idx="0">
+            <a:schemeClr val="accent1"/>
+          </a:fillRef>
+          <a:effectRef idx="0">
+            <a:schemeClr val="accent1"/>
+          </a:effectRef>
+          <a:fontRef idx="minor">
+            <a:schemeClr val="tx1"/>
+          </a:fontRef>
+        </p:style>
+      </p:cxnSp>
+      <p:sp>
+        <p:nvSpPr>
+          <p:cNvPr id="166" name="文本框 165">
+            <a:extLst>
+              <a:ext uri="{FF2B5EF4-FFF2-40B4-BE49-F238E27FC236}">
+                <a16:creationId xmlns:a16="http://schemas.microsoft.com/office/drawing/2014/main" id="{37E560A9-FA91-0D3F-731B-A3EF29034631}"/>
+              </a:ext>
+            </a:extLst>
+          </p:cNvPr>
+          <p:cNvSpPr txBox="1"/>
+          <p:nvPr/>
+        </p:nvSpPr>
+        <p:spPr>
+          <a:xfrm>
+            <a:off x="9069896" y="1501642"/>
+            <a:ext cx="1340432" cy="200055"/>
+          </a:xfrm>
+          <a:prstGeom prst="rect">
+            <a:avLst/>
+          </a:prstGeom>
+          <a:noFill/>
+        </p:spPr>
+        <p:txBody>
+          <a:bodyPr wrap="none" rtlCol="0">
+            <a:spAutoFit/>
+          </a:bodyPr>
+          <a:lstStyle/>
+          <a:p>
+            <a:r>
+              <a:rPr lang="en-US" altLang="zh-CN" sz="700" b="1" dirty="0"/>
+              <a:t>CUID2, Path ID2, CLOSE ACK</a:t>
+            </a:r>
+            <a:endParaRPr lang="zh-CN" altLang="en-US" sz="700" b="1" dirty="0"/>
+          </a:p>
+        </p:txBody>
+      </p:sp>
+      <p:cxnSp>
+        <p:nvCxnSpPr>
+          <p:cNvPr id="167" name="直接箭头连接符 49">
+            <a:extLst>
+              <a:ext uri="{FF2B5EF4-FFF2-40B4-BE49-F238E27FC236}">
+                <a16:creationId xmlns:a16="http://schemas.microsoft.com/office/drawing/2014/main" id="{510BE953-35E3-70AA-AC6D-477148075917}"/>
+              </a:ext>
+            </a:extLst>
+          </p:cNvPr>
+          <p:cNvCxnSpPr>
+            <a:cxnSpLocks/>
+          </p:cNvCxnSpPr>
+          <p:nvPr/>
+        </p:nvCxnSpPr>
+        <p:spPr>
+          <a:xfrm>
+            <a:off x="8497553" y="1989333"/>
+            <a:ext cx="2210152" cy="140070"/>
+          </a:xfrm>
+          <a:prstGeom prst="straightConnector1">
+            <a:avLst/>
+          </a:prstGeom>
+          <a:ln w="12700">
+            <a:solidFill>
+              <a:srgbClr val="FFC000"/>
+            </a:solidFill>
+            <a:tailEnd type="triangle"/>
+          </a:ln>
+        </p:spPr>
+        <p:style>
+          <a:lnRef idx="1">
+            <a:schemeClr val="accent1"/>
+          </a:lnRef>
+          <a:fillRef idx="0">
+            <a:schemeClr val="accent1"/>
+          </a:fillRef>
+          <a:effectRef idx="0">
+            <a:schemeClr val="accent1"/>
+          </a:effectRef>
+          <a:fontRef idx="minor">
+            <a:schemeClr val="tx1"/>
+          </a:fontRef>
+        </p:style>
+      </p:cxnSp>
+      <p:cxnSp>
+        <p:nvCxnSpPr>
+          <p:cNvPr id="169" name="直接箭头连接符 49">
+            <a:extLst>
+              <a:ext uri="{FF2B5EF4-FFF2-40B4-BE49-F238E27FC236}">
+                <a16:creationId xmlns:a16="http://schemas.microsoft.com/office/drawing/2014/main" id="{46DA8037-4570-2C89-B9CE-23E4D595A45E}"/>
+              </a:ext>
+            </a:extLst>
+          </p:cNvPr>
+          <p:cNvCxnSpPr>
+            <a:cxnSpLocks/>
+          </p:cNvCxnSpPr>
+          <p:nvPr/>
+        </p:nvCxnSpPr>
+        <p:spPr>
+          <a:xfrm flipH="1">
+            <a:off x="8488667" y="2285472"/>
+            <a:ext cx="2195917" cy="187708"/>
+          </a:xfrm>
+          <a:prstGeom prst="straightConnector1">
+            <a:avLst/>
+          </a:prstGeom>
+          <a:ln w="12700">
+            <a:solidFill>
+              <a:srgbClr val="FFC000"/>
+            </a:solidFill>
+            <a:tailEnd type="triangle"/>
+          </a:ln>
+        </p:spPr>
+        <p:style>
+          <a:lnRef idx="1">
+            <a:schemeClr val="accent1"/>
+          </a:lnRef>
+          <a:fillRef idx="0">
+            <a:schemeClr val="accent1"/>
+          </a:fillRef>
+          <a:effectRef idx="0">
+            <a:schemeClr val="accent1"/>
+          </a:effectRef>
+          <a:fontRef idx="minor">
+            <a:schemeClr val="tx1"/>
+          </a:fontRef>
+        </p:style>
+      </p:cxnSp>
+      <p:sp>
+        <p:nvSpPr>
+          <p:cNvPr id="174" name="文本框 173">
+            <a:extLst>
+              <a:ext uri="{FF2B5EF4-FFF2-40B4-BE49-F238E27FC236}">
+                <a16:creationId xmlns:a16="http://schemas.microsoft.com/office/drawing/2014/main" id="{C17AA532-A1F6-8E53-69DE-FF304FF77EF2}"/>
+              </a:ext>
+            </a:extLst>
+          </p:cNvPr>
+          <p:cNvSpPr txBox="1"/>
+          <p:nvPr/>
+        </p:nvSpPr>
+        <p:spPr>
+          <a:xfrm>
+            <a:off x="8811072" y="1846651"/>
+            <a:ext cx="1144865" cy="200055"/>
+          </a:xfrm>
+          <a:prstGeom prst="rect">
+            <a:avLst/>
+          </a:prstGeom>
+          <a:noFill/>
+        </p:spPr>
+        <p:txBody>
+          <a:bodyPr wrap="none" rtlCol="0">
+            <a:spAutoFit/>
+          </a:bodyPr>
+          <a:lstStyle/>
+          <a:p>
+            <a:r>
+              <a:rPr lang="en-US" altLang="zh-CN" sz="700" b="1" dirty="0"/>
+              <a:t>CUID1, Path ID1, CLOSE</a:t>
+            </a:r>
+            <a:endParaRPr lang="zh-CN" altLang="en-US" sz="700" b="1" dirty="0"/>
+          </a:p>
+        </p:txBody>
+      </p:sp>
+      <p:sp>
+        <p:nvSpPr>
+          <p:cNvPr id="175" name="文本框 174">
+            <a:extLst>
+              <a:ext uri="{FF2B5EF4-FFF2-40B4-BE49-F238E27FC236}">
+                <a16:creationId xmlns:a16="http://schemas.microsoft.com/office/drawing/2014/main" id="{1B1F18D0-1A3F-D575-E591-FEFB0AB8B8B0}"/>
+              </a:ext>
+            </a:extLst>
+          </p:cNvPr>
+          <p:cNvSpPr txBox="1"/>
+          <p:nvPr/>
+        </p:nvSpPr>
+        <p:spPr>
+          <a:xfrm>
+            <a:off x="8811644" y="2232047"/>
+            <a:ext cx="1340432" cy="200055"/>
+          </a:xfrm>
+          <a:prstGeom prst="rect">
+            <a:avLst/>
+          </a:prstGeom>
+          <a:noFill/>
+        </p:spPr>
+        <p:txBody>
+          <a:bodyPr wrap="none" rtlCol="0">
+            <a:spAutoFit/>
+          </a:bodyPr>
+          <a:lstStyle/>
+          <a:p>
+            <a:r>
+              <a:rPr lang="en-US" altLang="zh-CN" sz="700" b="1" dirty="0"/>
+              <a:t>CUID1, Path ID1, CLOSE ACK</a:t>
+            </a:r>
+            <a:endParaRPr lang="zh-CN" altLang="en-US" sz="700" b="1" dirty="0"/>
+          </a:p>
+        </p:txBody>
+      </p:sp>
+      <p:cxnSp>
+        <p:nvCxnSpPr>
+          <p:cNvPr id="176" name="直接箭头连接符 49">
+            <a:extLst>
+              <a:ext uri="{FF2B5EF4-FFF2-40B4-BE49-F238E27FC236}">
+                <a16:creationId xmlns:a16="http://schemas.microsoft.com/office/drawing/2014/main" id="{75603D31-D0CB-4E65-3931-E272BC24B221}"/>
+              </a:ext>
+            </a:extLst>
+          </p:cNvPr>
+          <p:cNvCxnSpPr>
+            <a:cxnSpLocks/>
+          </p:cNvCxnSpPr>
+          <p:nvPr/>
+        </p:nvCxnSpPr>
+        <p:spPr>
+          <a:xfrm>
+            <a:off x="8505128" y="2829958"/>
+            <a:ext cx="2210152" cy="140070"/>
+          </a:xfrm>
+          <a:prstGeom prst="straightConnector1">
+            <a:avLst/>
+          </a:prstGeom>
+          <a:ln w="12700">
+            <a:solidFill>
+              <a:srgbClr val="FFC000"/>
+            </a:solidFill>
+            <a:tailEnd type="triangle"/>
+          </a:ln>
+        </p:spPr>
+        <p:style>
+          <a:lnRef idx="1">
+            <a:schemeClr val="accent1"/>
+          </a:lnRef>
+          <a:fillRef idx="0">
+            <a:schemeClr val="accent1"/>
+          </a:fillRef>
+          <a:effectRef idx="0">
+            <a:schemeClr val="accent1"/>
+          </a:effectRef>
+          <a:fontRef idx="minor">
+            <a:schemeClr val="tx1"/>
+          </a:fontRef>
+        </p:style>
+      </p:cxnSp>
+      <p:cxnSp>
+        <p:nvCxnSpPr>
+          <p:cNvPr id="177" name="直接箭头连接符 50">
+            <a:extLst>
+              <a:ext uri="{FF2B5EF4-FFF2-40B4-BE49-F238E27FC236}">
+                <a16:creationId xmlns:a16="http://schemas.microsoft.com/office/drawing/2014/main" id="{E6B62A06-A94D-D789-F93C-003DBCF96571}"/>
+              </a:ext>
+            </a:extLst>
+          </p:cNvPr>
+          <p:cNvCxnSpPr>
+            <a:cxnSpLocks/>
+          </p:cNvCxnSpPr>
+          <p:nvPr/>
+        </p:nvCxnSpPr>
+        <p:spPr>
+          <a:xfrm>
+            <a:off x="8835658" y="3065811"/>
+            <a:ext cx="2197606" cy="136036"/>
+          </a:xfrm>
+          <a:prstGeom prst="straightConnector1">
+            <a:avLst/>
+          </a:prstGeom>
+          <a:ln w="12700">
+            <a:solidFill>
+              <a:srgbClr val="008D57"/>
+            </a:solidFill>
+            <a:tailEnd type="triangle"/>
+          </a:ln>
+        </p:spPr>
+        <p:style>
+          <a:lnRef idx="1">
+            <a:schemeClr val="accent1"/>
+          </a:lnRef>
+          <a:fillRef idx="0">
+            <a:schemeClr val="accent1"/>
+          </a:fillRef>
+          <a:effectRef idx="0">
+            <a:schemeClr val="accent1"/>
+          </a:effectRef>
+          <a:fontRef idx="minor">
+            <a:schemeClr val="tx1"/>
+          </a:fontRef>
+        </p:style>
+      </p:cxnSp>
+      <p:sp>
+        <p:nvSpPr>
+          <p:cNvPr id="179" name="文本框 178">
+            <a:extLst>
+              <a:ext uri="{FF2B5EF4-FFF2-40B4-BE49-F238E27FC236}">
+                <a16:creationId xmlns:a16="http://schemas.microsoft.com/office/drawing/2014/main" id="{321625F3-AB11-9836-AE4C-DFF2B382570D}"/>
+              </a:ext>
+            </a:extLst>
+          </p:cNvPr>
+          <p:cNvSpPr txBox="1"/>
+          <p:nvPr/>
+        </p:nvSpPr>
+        <p:spPr>
+          <a:xfrm>
+            <a:off x="8855540" y="2682406"/>
+            <a:ext cx="506870" cy="200055"/>
+          </a:xfrm>
+          <a:prstGeom prst="rect">
+            <a:avLst/>
+          </a:prstGeom>
+          <a:noFill/>
+        </p:spPr>
+        <p:txBody>
+          <a:bodyPr wrap="none" rtlCol="0">
+            <a:spAutoFit/>
+          </a:bodyPr>
+          <a:lstStyle/>
+          <a:p>
+            <a:r>
+              <a:rPr lang="en-US" altLang="zh-CN" sz="700" b="1" dirty="0"/>
+              <a:t>TCP FIN</a:t>
+            </a:r>
+            <a:endParaRPr lang="zh-CN" altLang="en-US" sz="700" b="1" dirty="0"/>
+          </a:p>
+        </p:txBody>
+      </p:sp>
+      <p:sp>
+        <p:nvSpPr>
+          <p:cNvPr id="180" name="文本框 179">
+            <a:extLst>
+              <a:ext uri="{FF2B5EF4-FFF2-40B4-BE49-F238E27FC236}">
+                <a16:creationId xmlns:a16="http://schemas.microsoft.com/office/drawing/2014/main" id="{FDAFB8DC-FE8F-3579-2FCF-5A44A55447AD}"/>
+              </a:ext>
+            </a:extLst>
+          </p:cNvPr>
+          <p:cNvSpPr txBox="1"/>
+          <p:nvPr/>
+        </p:nvSpPr>
+        <p:spPr>
+          <a:xfrm>
+            <a:off x="8794611" y="3186138"/>
+            <a:ext cx="724878" cy="200055"/>
+          </a:xfrm>
+          <a:prstGeom prst="rect">
+            <a:avLst/>
+          </a:prstGeom>
+          <a:noFill/>
+        </p:spPr>
+        <p:txBody>
+          <a:bodyPr wrap="none" rtlCol="0">
+            <a:spAutoFit/>
+          </a:bodyPr>
+          <a:lstStyle/>
+          <a:p>
+            <a:r>
+              <a:rPr lang="en-US" altLang="zh-CN" sz="700" b="1" dirty="0"/>
+              <a:t>TCP FIN, ACK</a:t>
+            </a:r>
+            <a:endParaRPr lang="zh-CN" altLang="en-US" sz="700" b="1" dirty="0"/>
+          </a:p>
+        </p:txBody>
+      </p:sp>
+      <p:cxnSp>
+        <p:nvCxnSpPr>
+          <p:cNvPr id="181" name="直接箭头连接符 49">
+            <a:extLst>
+              <a:ext uri="{FF2B5EF4-FFF2-40B4-BE49-F238E27FC236}">
+                <a16:creationId xmlns:a16="http://schemas.microsoft.com/office/drawing/2014/main" id="{093CEFFA-96E3-0023-202B-4B67D8C1DFE0}"/>
+              </a:ext>
+            </a:extLst>
+          </p:cNvPr>
+          <p:cNvCxnSpPr>
+            <a:cxnSpLocks/>
+          </p:cNvCxnSpPr>
+          <p:nvPr/>
+        </p:nvCxnSpPr>
+        <p:spPr>
+          <a:xfrm flipH="1">
+            <a:off x="8503195" y="3033693"/>
+            <a:ext cx="2195280" cy="260865"/>
+          </a:xfrm>
+          <a:prstGeom prst="straightConnector1">
+            <a:avLst/>
+          </a:prstGeom>
+          <a:ln w="12700">
+            <a:solidFill>
+              <a:srgbClr val="FFC000"/>
+            </a:solidFill>
+            <a:tailEnd type="triangle"/>
+          </a:ln>
+        </p:spPr>
+        <p:style>
+          <a:lnRef idx="1">
+            <a:schemeClr val="accent1"/>
+          </a:lnRef>
+          <a:fillRef idx="0">
+            <a:schemeClr val="accent1"/>
+          </a:fillRef>
+          <a:effectRef idx="0">
+            <a:schemeClr val="accent1"/>
+          </a:effectRef>
+          <a:fontRef idx="minor">
+            <a:schemeClr val="tx1"/>
+          </a:fontRef>
+        </p:style>
+      </p:cxnSp>
+      <p:sp>
+        <p:nvSpPr>
+          <p:cNvPr id="185" name="文本框 184">
+            <a:extLst>
+              <a:ext uri="{FF2B5EF4-FFF2-40B4-BE49-F238E27FC236}">
+                <a16:creationId xmlns:a16="http://schemas.microsoft.com/office/drawing/2014/main" id="{25222204-8992-3974-4DDE-8197DA85755B}"/>
+              </a:ext>
+            </a:extLst>
+          </p:cNvPr>
+          <p:cNvSpPr txBox="1"/>
+          <p:nvPr/>
+        </p:nvSpPr>
+        <p:spPr>
+          <a:xfrm>
+            <a:off x="9230333" y="2930866"/>
+            <a:ext cx="506870" cy="200055"/>
+          </a:xfrm>
+          <a:prstGeom prst="rect">
+            <a:avLst/>
+          </a:prstGeom>
+          <a:noFill/>
+        </p:spPr>
+        <p:txBody>
+          <a:bodyPr wrap="none" rtlCol="0">
+            <a:spAutoFit/>
+          </a:bodyPr>
+          <a:lstStyle/>
+          <a:p>
+            <a:r>
+              <a:rPr lang="en-US" altLang="zh-CN" sz="700" b="1" dirty="0"/>
+              <a:t>TCP FIN</a:t>
+            </a:r>
+            <a:endParaRPr lang="zh-CN" altLang="en-US" sz="700" b="1" dirty="0"/>
+          </a:p>
+        </p:txBody>
+      </p:sp>
+      <p:cxnSp>
+        <p:nvCxnSpPr>
+          <p:cNvPr id="186" name="直接箭头连接符 49">
+            <a:extLst>
+              <a:ext uri="{FF2B5EF4-FFF2-40B4-BE49-F238E27FC236}">
+                <a16:creationId xmlns:a16="http://schemas.microsoft.com/office/drawing/2014/main" id="{10CFF4B5-9FD7-A845-EB8B-8E0CD626F59E}"/>
+              </a:ext>
+            </a:extLst>
+          </p:cNvPr>
+          <p:cNvCxnSpPr>
+            <a:cxnSpLocks/>
+          </p:cNvCxnSpPr>
+          <p:nvPr/>
+        </p:nvCxnSpPr>
+        <p:spPr>
+          <a:xfrm>
+            <a:off x="8527593" y="3652573"/>
+            <a:ext cx="2210152" cy="140070"/>
+          </a:xfrm>
+          <a:prstGeom prst="straightConnector1">
+            <a:avLst/>
+          </a:prstGeom>
+          <a:ln w="12700">
+            <a:solidFill>
+              <a:srgbClr val="FFC000"/>
+            </a:solidFill>
+            <a:tailEnd type="triangle"/>
+          </a:ln>
+        </p:spPr>
+        <p:style>
+          <a:lnRef idx="1">
+            <a:schemeClr val="accent1"/>
+          </a:lnRef>
+          <a:fillRef idx="0">
+            <a:schemeClr val="accent1"/>
+          </a:fillRef>
+          <a:effectRef idx="0">
+            <a:schemeClr val="accent1"/>
+          </a:effectRef>
+          <a:fontRef idx="minor">
+            <a:schemeClr val="tx1"/>
+          </a:fontRef>
+        </p:style>
+      </p:cxnSp>
+      <p:sp>
+        <p:nvSpPr>
+          <p:cNvPr id="187" name="文本框 186">
+            <a:extLst>
+              <a:ext uri="{FF2B5EF4-FFF2-40B4-BE49-F238E27FC236}">
+                <a16:creationId xmlns:a16="http://schemas.microsoft.com/office/drawing/2014/main" id="{05A5323F-C0AF-4923-090E-15213BA572AE}"/>
+              </a:ext>
+            </a:extLst>
+          </p:cNvPr>
+          <p:cNvSpPr txBox="1"/>
+          <p:nvPr/>
+        </p:nvSpPr>
+        <p:spPr>
+          <a:xfrm>
+            <a:off x="9284492" y="3361750"/>
+            <a:ext cx="538930" cy="200055"/>
+          </a:xfrm>
+          <a:prstGeom prst="rect">
+            <a:avLst/>
+          </a:prstGeom>
+          <a:noFill/>
+        </p:spPr>
+        <p:txBody>
+          <a:bodyPr wrap="none" rtlCol="0">
+            <a:spAutoFit/>
+          </a:bodyPr>
+          <a:lstStyle/>
+          <a:p>
+            <a:r>
+              <a:rPr lang="en-US" altLang="zh-CN" sz="700" b="1" dirty="0"/>
+              <a:t>TCP ACK</a:t>
+            </a:r>
+            <a:endParaRPr lang="zh-CN" altLang="en-US" sz="700" b="1" dirty="0"/>
+          </a:p>
+        </p:txBody>
+      </p:sp>
+      <p:cxnSp>
+        <p:nvCxnSpPr>
+          <p:cNvPr id="188" name="直接箭头连接符 50">
+            <a:extLst>
+              <a:ext uri="{FF2B5EF4-FFF2-40B4-BE49-F238E27FC236}">
+                <a16:creationId xmlns:a16="http://schemas.microsoft.com/office/drawing/2014/main" id="{F5464098-C140-A32B-AFC7-1A3AAF03CD59}"/>
+              </a:ext>
+            </a:extLst>
+          </p:cNvPr>
+          <p:cNvCxnSpPr>
+            <a:cxnSpLocks/>
+          </p:cNvCxnSpPr>
+          <p:nvPr/>
+        </p:nvCxnSpPr>
+        <p:spPr>
+          <a:xfrm flipH="1">
+            <a:off x="8817216" y="3245619"/>
+            <a:ext cx="2231430" cy="304289"/>
+          </a:xfrm>
+          <a:prstGeom prst="straightConnector1">
+            <a:avLst/>
+          </a:prstGeom>
+          <a:ln w="12700">
+            <a:solidFill>
+              <a:srgbClr val="008D57"/>
+            </a:solidFill>
+            <a:tailEnd type="triangle"/>
+          </a:ln>
+        </p:spPr>
+        <p:style>
+          <a:lnRef idx="1">
+            <a:schemeClr val="accent1"/>
+          </a:lnRef>
+          <a:fillRef idx="0">
+            <a:schemeClr val="accent1"/>
+          </a:fillRef>
+          <a:effectRef idx="0">
+            <a:schemeClr val="accent1"/>
+          </a:effectRef>
+          <a:fontRef idx="minor">
+            <a:schemeClr val="tx1"/>
+          </a:fontRef>
+        </p:style>
+      </p:cxnSp>
+      <p:sp>
+        <p:nvSpPr>
+          <p:cNvPr id="193" name="文本框 192">
+            <a:extLst>
+              <a:ext uri="{FF2B5EF4-FFF2-40B4-BE49-F238E27FC236}">
+                <a16:creationId xmlns:a16="http://schemas.microsoft.com/office/drawing/2014/main" id="{A50EF896-533A-DAC2-77DB-E11DE37F0E9E}"/>
+              </a:ext>
+            </a:extLst>
+          </p:cNvPr>
+          <p:cNvSpPr txBox="1"/>
+          <p:nvPr/>
+        </p:nvSpPr>
+        <p:spPr>
+          <a:xfrm>
+            <a:off x="8975203" y="3635102"/>
+            <a:ext cx="562975" cy="200055"/>
+          </a:xfrm>
+          <a:prstGeom prst="rect">
+            <a:avLst/>
+          </a:prstGeom>
+          <a:noFill/>
+        </p:spPr>
+        <p:txBody>
+          <a:bodyPr wrap="none" rtlCol="0">
+            <a:spAutoFit/>
+          </a:bodyPr>
+          <a:lstStyle/>
+          <a:p>
+            <a:r>
+              <a:rPr lang="en-US" altLang="zh-CN" sz="700" b="1" dirty="0"/>
+              <a:t>TCP  ACK</a:t>
+            </a:r>
+            <a:endParaRPr lang="zh-CN" altLang="en-US" sz="700" b="1" dirty="0"/>
+          </a:p>
+        </p:txBody>
+      </p:sp>
+      <p:cxnSp>
+        <p:nvCxnSpPr>
+          <p:cNvPr id="196" name="直接箭头连接符 50">
+            <a:extLst>
+              <a:ext uri="{FF2B5EF4-FFF2-40B4-BE49-F238E27FC236}">
+                <a16:creationId xmlns:a16="http://schemas.microsoft.com/office/drawing/2014/main" id="{3F2E5A00-9348-1722-CDF9-A210096A3082}"/>
+              </a:ext>
+            </a:extLst>
+          </p:cNvPr>
+          <p:cNvCxnSpPr>
+            <a:cxnSpLocks/>
+          </p:cNvCxnSpPr>
+          <p:nvPr/>
+        </p:nvCxnSpPr>
+        <p:spPr>
+          <a:xfrm>
+            <a:off x="8841513" y="3847722"/>
+            <a:ext cx="2197606" cy="136036"/>
+          </a:xfrm>
+          <a:prstGeom prst="straightConnector1">
+            <a:avLst/>
+          </a:prstGeom>
+          <a:ln w="12700">
+            <a:solidFill>
+              <a:srgbClr val="008D57"/>
+            </a:solidFill>
+            <a:tailEnd type="triangle"/>
+          </a:ln>
+        </p:spPr>
+        <p:style>
+          <a:lnRef idx="1">
+            <a:schemeClr val="accent1"/>
+          </a:lnRef>
+          <a:fillRef idx="0">
+            <a:schemeClr val="accent1"/>
+          </a:fillRef>
+          <a:effectRef idx="0">
+            <a:schemeClr val="accent1"/>
+          </a:effectRef>
+          <a:fontRef idx="minor">
+            <a:schemeClr val="tx1"/>
+          </a:fontRef>
+        </p:style>
+      </p:cxnSp>
+      <p:sp>
+        <p:nvSpPr>
+          <p:cNvPr id="197" name="文本框 196">
+            <a:extLst>
+              <a:ext uri="{FF2B5EF4-FFF2-40B4-BE49-F238E27FC236}">
+                <a16:creationId xmlns:a16="http://schemas.microsoft.com/office/drawing/2014/main" id="{74D14F8C-CAA3-B361-5755-0E776E46FF62}"/>
+              </a:ext>
+            </a:extLst>
+          </p:cNvPr>
+          <p:cNvSpPr txBox="1"/>
+          <p:nvPr/>
+        </p:nvSpPr>
+        <p:spPr>
+          <a:xfrm>
+            <a:off x="9256690" y="3785825"/>
+            <a:ext cx="562975" cy="200055"/>
+          </a:xfrm>
+          <a:prstGeom prst="rect">
+            <a:avLst/>
+          </a:prstGeom>
+          <a:noFill/>
+        </p:spPr>
+        <p:txBody>
+          <a:bodyPr wrap="none" rtlCol="0">
+            <a:spAutoFit/>
+          </a:bodyPr>
+          <a:lstStyle/>
+          <a:p>
+            <a:r>
+              <a:rPr lang="en-US" altLang="zh-CN" sz="700" b="1" dirty="0"/>
+              <a:t>TCP  ACK</a:t>
             </a:r>
             <a:endParaRPr lang="zh-CN" altLang="en-US" sz="700" b="1" dirty="0"/>
           </a:p>
